--- a/Project-Refill/HSH_LPG_Backend_Walkthrough_Jan2026.pptx
+++ b/Project-Refill/HSH_LPG_Backend_Walkthrough_Jan2026.pptx
@@ -4,9 +4,6 @@
   <p:sldMasterIdLst>
     <p:sldMasterId id="2147483648" r:id="rId1"/>
   </p:sldMasterIdLst>
-  <p:notesMasterIdLst>
-    <p:notesMasterId r:id="rId17"/>
-  </p:notesMasterIdLst>
   <p:sldIdLst>
     <p:sldId id="256" r:id="rId2"/>
     <p:sldId id="257" r:id="rId3"/>
@@ -23,6 +20,22 @@
     <p:sldId id="268" r:id="rId14"/>
     <p:sldId id="269" r:id="rId15"/>
     <p:sldId id="270" r:id="rId16"/>
+    <p:sldId id="271" r:id="rId17"/>
+    <p:sldId id="272" r:id="rId18"/>
+    <p:sldId id="273" r:id="rId19"/>
+    <p:sldId id="274" r:id="rId20"/>
+    <p:sldId id="275" r:id="rId21"/>
+    <p:sldId id="276" r:id="rId22"/>
+    <p:sldId id="277" r:id="rId23"/>
+    <p:sldId id="278" r:id="rId24"/>
+    <p:sldId id="279" r:id="rId25"/>
+    <p:sldId id="280" r:id="rId26"/>
+    <p:sldId id="281" r:id="rId27"/>
+    <p:sldId id="282" r:id="rId28"/>
+    <p:sldId id="283" r:id="rId29"/>
+    <p:sldId id="284" r:id="rId30"/>
+    <p:sldId id="285" r:id="rId31"/>
+    <p:sldId id="286" r:id="rId32"/>
   </p:sldIdLst>
   <p:sldSz cx="9144000" cy="6858000" type="screen4x3"/>
   <p:notesSz cx="6858000" cy="9144000"/>
@@ -138,502 +151,6 @@
     </p:ext>
   </p:extLst>
 </p:presentation>
-</file>
-
-<file path=ppt/notesMasters/notesMaster1.xml><?xml version="1.0" encoding="utf-8"?>
-<p:notesMaster xmlns:a="http://schemas.openxmlformats.org/drawingml/2006/main" xmlns:r="http://schemas.openxmlformats.org/officeDocument/2006/relationships" xmlns:p="http://schemas.openxmlformats.org/presentationml/2006/main">
-  <p:cSld>
-    <p:bg>
-      <p:bgRef idx="1001">
-        <a:schemeClr val="bg1"/>
-      </p:bgRef>
-    </p:bg>
-    <p:spTree>
-      <p:nvGrpSpPr>
-        <p:cNvPr id="1" name=""/>
-        <p:cNvGrpSpPr/>
-        <p:nvPr/>
-      </p:nvGrpSpPr>
-      <p:grpSpPr>
-        <a:xfrm>
-          <a:off x="0" y="0"/>
-          <a:ext cx="0" cy="0"/>
-          <a:chOff x="0" y="0"/>
-          <a:chExt cx="0" cy="0"/>
-        </a:xfrm>
-      </p:grpSpPr>
-      <p:sp>
-        <p:nvSpPr>
-          <p:cNvPr id="2" name="Header Placeholder 1"/>
-          <p:cNvSpPr>
-            <a:spLocks noGrp="1"/>
-          </p:cNvSpPr>
-          <p:nvPr>
-            <p:ph type="hdr" sz="quarter"/>
-          </p:nvPr>
-        </p:nvSpPr>
-        <p:spPr>
-          <a:xfrm>
-            <a:off x="0" y="0"/>
-            <a:ext cx="2971800" cy="458788"/>
-          </a:xfrm>
-          <a:prstGeom prst="rect">
-            <a:avLst/>
-          </a:prstGeom>
-        </p:spPr>
-        <p:txBody>
-          <a:bodyPr vert="horz" lIns="91440" tIns="45720" rIns="91440" bIns="45720" rtlCol="0"/>
-          <a:lstStyle>
-            <a:lvl1pPr algn="l">
-              <a:defRPr sz="1200"/>
-            </a:lvl1pPr>
-          </a:lstStyle>
-          <a:p>
-            <a:endParaRPr lang="en-SG"/>
-          </a:p>
-        </p:txBody>
-      </p:sp>
-      <p:sp>
-        <p:nvSpPr>
-          <p:cNvPr id="3" name="Date Placeholder 2"/>
-          <p:cNvSpPr>
-            <a:spLocks noGrp="1"/>
-          </p:cNvSpPr>
-          <p:nvPr>
-            <p:ph type="dt" idx="1"/>
-          </p:nvPr>
-        </p:nvSpPr>
-        <p:spPr>
-          <a:xfrm>
-            <a:off x="3884613" y="0"/>
-            <a:ext cx="2971800" cy="458788"/>
-          </a:xfrm>
-          <a:prstGeom prst="rect">
-            <a:avLst/>
-          </a:prstGeom>
-        </p:spPr>
-        <p:txBody>
-          <a:bodyPr vert="horz" lIns="91440" tIns="45720" rIns="91440" bIns="45720" rtlCol="0"/>
-          <a:lstStyle>
-            <a:lvl1pPr algn="r">
-              <a:defRPr sz="1200"/>
-            </a:lvl1pPr>
-          </a:lstStyle>
-          <a:p>
-            <a:fld id="{FD711811-5075-4827-A8C8-45B5A0C1414D}" type="datetimeFigureOut">
-              <a:rPr lang="en-SG" smtClean="0"/>
-              <a:t>21/1/2026</a:t>
-            </a:fld>
-            <a:endParaRPr lang="en-SG"/>
-          </a:p>
-        </p:txBody>
-      </p:sp>
-      <p:sp>
-        <p:nvSpPr>
-          <p:cNvPr id="4" name="Slide Image Placeholder 3"/>
-          <p:cNvSpPr>
-            <a:spLocks noGrp="1" noRot="1" noChangeAspect="1"/>
-          </p:cNvSpPr>
-          <p:nvPr>
-            <p:ph type="sldImg" idx="2"/>
-          </p:nvPr>
-        </p:nvSpPr>
-        <p:spPr>
-          <a:xfrm>
-            <a:off x="1371600" y="1143000"/>
-            <a:ext cx="4114800" cy="3086100"/>
-          </a:xfrm>
-          <a:prstGeom prst="rect">
-            <a:avLst/>
-          </a:prstGeom>
-          <a:noFill/>
-          <a:ln w="12700">
-            <a:solidFill>
-              <a:prstClr val="black"/>
-            </a:solidFill>
-          </a:ln>
-        </p:spPr>
-        <p:txBody>
-          <a:bodyPr vert="horz" lIns="91440" tIns="45720" rIns="91440" bIns="45720" rtlCol="0" anchor="ctr"/>
-          <a:lstStyle/>
-          <a:p>
-            <a:endParaRPr lang="en-SG"/>
-          </a:p>
-        </p:txBody>
-      </p:sp>
-      <p:sp>
-        <p:nvSpPr>
-          <p:cNvPr id="5" name="Notes Placeholder 4"/>
-          <p:cNvSpPr>
-            <a:spLocks noGrp="1"/>
-          </p:cNvSpPr>
-          <p:nvPr>
-            <p:ph type="body" sz="quarter" idx="3"/>
-          </p:nvPr>
-        </p:nvSpPr>
-        <p:spPr>
-          <a:xfrm>
-            <a:off x="685800" y="4400550"/>
-            <a:ext cx="5486400" cy="3600450"/>
-          </a:xfrm>
-          <a:prstGeom prst="rect">
-            <a:avLst/>
-          </a:prstGeom>
-        </p:spPr>
-        <p:txBody>
-          <a:bodyPr vert="horz" lIns="91440" tIns="45720" rIns="91440" bIns="45720" rtlCol="0"/>
-          <a:lstStyle/>
-          <a:p>
-            <a:pPr lvl="0"/>
-            <a:r>
-              <a:rPr lang="en-US"/>
-              <a:t>Click to edit Master text styles</a:t>
-            </a:r>
-          </a:p>
-          <a:p>
-            <a:pPr lvl="1"/>
-            <a:r>
-              <a:rPr lang="en-US"/>
-              <a:t>Second level</a:t>
-            </a:r>
-          </a:p>
-          <a:p>
-            <a:pPr lvl="2"/>
-            <a:r>
-              <a:rPr lang="en-US"/>
-              <a:t>Third level</a:t>
-            </a:r>
-          </a:p>
-          <a:p>
-            <a:pPr lvl="3"/>
-            <a:r>
-              <a:rPr lang="en-US"/>
-              <a:t>Fourth level</a:t>
-            </a:r>
-          </a:p>
-          <a:p>
-            <a:pPr lvl="4"/>
-            <a:r>
-              <a:rPr lang="en-US"/>
-              <a:t>Fifth level</a:t>
-            </a:r>
-            <a:endParaRPr lang="en-SG"/>
-          </a:p>
-        </p:txBody>
-      </p:sp>
-      <p:sp>
-        <p:nvSpPr>
-          <p:cNvPr id="6" name="Footer Placeholder 5"/>
-          <p:cNvSpPr>
-            <a:spLocks noGrp="1"/>
-          </p:cNvSpPr>
-          <p:nvPr>
-            <p:ph type="ftr" sz="quarter" idx="4"/>
-          </p:nvPr>
-        </p:nvSpPr>
-        <p:spPr>
-          <a:xfrm>
-            <a:off x="0" y="8685213"/>
-            <a:ext cx="2971800" cy="458787"/>
-          </a:xfrm>
-          <a:prstGeom prst="rect">
-            <a:avLst/>
-          </a:prstGeom>
-        </p:spPr>
-        <p:txBody>
-          <a:bodyPr vert="horz" lIns="91440" tIns="45720" rIns="91440" bIns="45720" rtlCol="0" anchor="b"/>
-          <a:lstStyle>
-            <a:lvl1pPr algn="l">
-              <a:defRPr sz="1200"/>
-            </a:lvl1pPr>
-          </a:lstStyle>
-          <a:p>
-            <a:endParaRPr lang="en-SG"/>
-          </a:p>
-        </p:txBody>
-      </p:sp>
-      <p:sp>
-        <p:nvSpPr>
-          <p:cNvPr id="7" name="Slide Number Placeholder 6"/>
-          <p:cNvSpPr>
-            <a:spLocks noGrp="1"/>
-          </p:cNvSpPr>
-          <p:nvPr>
-            <p:ph type="sldNum" sz="quarter" idx="5"/>
-          </p:nvPr>
-        </p:nvSpPr>
-        <p:spPr>
-          <a:xfrm>
-            <a:off x="3884613" y="8685213"/>
-            <a:ext cx="2971800" cy="458787"/>
-          </a:xfrm>
-          <a:prstGeom prst="rect">
-            <a:avLst/>
-          </a:prstGeom>
-        </p:spPr>
-        <p:txBody>
-          <a:bodyPr vert="horz" lIns="91440" tIns="45720" rIns="91440" bIns="45720" rtlCol="0" anchor="b"/>
-          <a:lstStyle>
-            <a:lvl1pPr algn="r">
-              <a:defRPr sz="1200"/>
-            </a:lvl1pPr>
-          </a:lstStyle>
-          <a:p>
-            <a:fld id="{E60063A7-A7EC-4285-820C-E6F7F8FBA988}" type="slidenum">
-              <a:rPr lang="en-SG" smtClean="0"/>
-              <a:t>‹#›</a:t>
-            </a:fld>
-            <a:endParaRPr lang="en-SG"/>
-          </a:p>
-        </p:txBody>
-      </p:sp>
-    </p:spTree>
-    <p:extLst>
-      <p:ext uri="{BB962C8B-B14F-4D97-AF65-F5344CB8AC3E}">
-        <p14:creationId xmlns:p14="http://schemas.microsoft.com/office/powerpoint/2010/main" val="3065602311"/>
-      </p:ext>
-    </p:extLst>
-  </p:cSld>
-  <p:clrMap bg1="lt1" tx1="dk1" bg2="lt2" tx2="dk2" accent1="accent1" accent2="accent2" accent3="accent3" accent4="accent4" accent5="accent5" accent6="accent6" hlink="hlink" folHlink="folHlink"/>
-  <p:notesStyle>
-    <a:lvl1pPr marL="0" algn="l" defTabSz="914400" rtl="0" eaLnBrk="1" latinLnBrk="0" hangingPunct="1">
-      <a:defRPr sz="1200" kern="1200">
-        <a:solidFill>
-          <a:schemeClr val="tx1"/>
-        </a:solidFill>
-        <a:latin typeface="+mn-lt"/>
-        <a:ea typeface="+mn-ea"/>
-        <a:cs typeface="+mn-cs"/>
-      </a:defRPr>
-    </a:lvl1pPr>
-    <a:lvl2pPr marL="457200" algn="l" defTabSz="914400" rtl="0" eaLnBrk="1" latinLnBrk="0" hangingPunct="1">
-      <a:defRPr sz="1200" kern="1200">
-        <a:solidFill>
-          <a:schemeClr val="tx1"/>
-        </a:solidFill>
-        <a:latin typeface="+mn-lt"/>
-        <a:ea typeface="+mn-ea"/>
-        <a:cs typeface="+mn-cs"/>
-      </a:defRPr>
-    </a:lvl2pPr>
-    <a:lvl3pPr marL="914400" algn="l" defTabSz="914400" rtl="0" eaLnBrk="1" latinLnBrk="0" hangingPunct="1">
-      <a:defRPr sz="1200" kern="1200">
-        <a:solidFill>
-          <a:schemeClr val="tx1"/>
-        </a:solidFill>
-        <a:latin typeface="+mn-lt"/>
-        <a:ea typeface="+mn-ea"/>
-        <a:cs typeface="+mn-cs"/>
-      </a:defRPr>
-    </a:lvl3pPr>
-    <a:lvl4pPr marL="1371600" algn="l" defTabSz="914400" rtl="0" eaLnBrk="1" latinLnBrk="0" hangingPunct="1">
-      <a:defRPr sz="1200" kern="1200">
-        <a:solidFill>
-          <a:schemeClr val="tx1"/>
-        </a:solidFill>
-        <a:latin typeface="+mn-lt"/>
-        <a:ea typeface="+mn-ea"/>
-        <a:cs typeface="+mn-cs"/>
-      </a:defRPr>
-    </a:lvl4pPr>
-    <a:lvl5pPr marL="1828800" algn="l" defTabSz="914400" rtl="0" eaLnBrk="1" latinLnBrk="0" hangingPunct="1">
-      <a:defRPr sz="1200" kern="1200">
-        <a:solidFill>
-          <a:schemeClr val="tx1"/>
-        </a:solidFill>
-        <a:latin typeface="+mn-lt"/>
-        <a:ea typeface="+mn-ea"/>
-        <a:cs typeface="+mn-cs"/>
-      </a:defRPr>
-    </a:lvl5pPr>
-    <a:lvl6pPr marL="2286000" algn="l" defTabSz="914400" rtl="0" eaLnBrk="1" latinLnBrk="0" hangingPunct="1">
-      <a:defRPr sz="1200" kern="1200">
-        <a:solidFill>
-          <a:schemeClr val="tx1"/>
-        </a:solidFill>
-        <a:latin typeface="+mn-lt"/>
-        <a:ea typeface="+mn-ea"/>
-        <a:cs typeface="+mn-cs"/>
-      </a:defRPr>
-    </a:lvl6pPr>
-    <a:lvl7pPr marL="2743200" algn="l" defTabSz="914400" rtl="0" eaLnBrk="1" latinLnBrk="0" hangingPunct="1">
-      <a:defRPr sz="1200" kern="1200">
-        <a:solidFill>
-          <a:schemeClr val="tx1"/>
-        </a:solidFill>
-        <a:latin typeface="+mn-lt"/>
-        <a:ea typeface="+mn-ea"/>
-        <a:cs typeface="+mn-cs"/>
-      </a:defRPr>
-    </a:lvl7pPr>
-    <a:lvl8pPr marL="3200400" algn="l" defTabSz="914400" rtl="0" eaLnBrk="1" latinLnBrk="0" hangingPunct="1">
-      <a:defRPr sz="1200" kern="1200">
-        <a:solidFill>
-          <a:schemeClr val="tx1"/>
-        </a:solidFill>
-        <a:latin typeface="+mn-lt"/>
-        <a:ea typeface="+mn-ea"/>
-        <a:cs typeface="+mn-cs"/>
-      </a:defRPr>
-    </a:lvl8pPr>
-    <a:lvl9pPr marL="3657600" algn="l" defTabSz="914400" rtl="0" eaLnBrk="1" latinLnBrk="0" hangingPunct="1">
-      <a:defRPr sz="1200" kern="1200">
-        <a:solidFill>
-          <a:schemeClr val="tx1"/>
-        </a:solidFill>
-        <a:latin typeface="+mn-lt"/>
-        <a:ea typeface="+mn-ea"/>
-        <a:cs typeface="+mn-cs"/>
-      </a:defRPr>
-    </a:lvl9pPr>
-  </p:notesStyle>
-</p:notesMaster>
-</file>
-
-<file path=ppt/notesSlides/notesSlide1.xml><?xml version="1.0" encoding="utf-8"?>
-<p:notes xmlns:a="http://schemas.openxmlformats.org/drawingml/2006/main" xmlns:r="http://schemas.openxmlformats.org/officeDocument/2006/relationships" xmlns:p="http://schemas.openxmlformats.org/presentationml/2006/main">
-  <p:cSld>
-    <p:spTree>
-      <p:nvGrpSpPr>
-        <p:cNvPr id="1" name=""/>
-        <p:cNvGrpSpPr/>
-        <p:nvPr/>
-      </p:nvGrpSpPr>
-      <p:grpSpPr>
-        <a:xfrm>
-          <a:off x="0" y="0"/>
-          <a:ext cx="0" cy="0"/>
-          <a:chOff x="0" y="0"/>
-          <a:chExt cx="0" cy="0"/>
-        </a:xfrm>
-      </p:grpSpPr>
-      <p:sp>
-        <p:nvSpPr>
-          <p:cNvPr id="2" name="Slide Image Placeholder 1"/>
-          <p:cNvSpPr>
-            <a:spLocks noGrp="1" noRot="1" noChangeAspect="1"/>
-          </p:cNvSpPr>
-          <p:nvPr>
-            <p:ph type="sldImg" idx="2"/>
-          </p:nvPr>
-        </p:nvSpPr>
-        <p:spPr/>
-      </p:sp>
-      <p:sp>
-        <p:nvSpPr>
-          <p:cNvPr id="3" name="Notes Placeholder 2"/>
-          <p:cNvSpPr>
-            <a:spLocks noGrp="1"/>
-          </p:cNvSpPr>
-          <p:nvPr>
-            <p:ph type="body" sz="quarter" idx="3"/>
-          </p:nvPr>
-        </p:nvSpPr>
-        <p:spPr/>
-        <p:txBody>
-          <a:bodyPr/>
-          <a:lstStyle/>
-          <a:p>
-            <a:endParaRPr/>
-          </a:p>
-          <a:p>
-            <a:r>
-              <a:t>The backend is the guardian of physical inventory and financial truth.</a:t>
-            </a:r>
-          </a:p>
-        </p:txBody>
-      </p:sp>
-      <p:sp>
-        <p:nvSpPr>
-          <p:cNvPr id="4" name="Slide Number Placeholder 3"/>
-          <p:cNvSpPr>
-            <a:spLocks noGrp="1"/>
-          </p:cNvSpPr>
-          <p:nvPr>
-            <p:ph type="sldNum" sz="quarter" idx="5"/>
-          </p:nvPr>
-        </p:nvSpPr>
-        <p:spPr/>
-      </p:sp>
-    </p:spTree>
-  </p:cSld>
-  <p:clrMapOvr>
-    <a:masterClrMapping/>
-  </p:clrMapOvr>
-</p:notes>
-</file>
-
-<file path=ppt/notesSlides/notesSlide2.xml><?xml version="1.0" encoding="utf-8"?>
-<p:notes xmlns:a="http://schemas.openxmlformats.org/drawingml/2006/main" xmlns:r="http://schemas.openxmlformats.org/officeDocument/2006/relationships" xmlns:p="http://schemas.openxmlformats.org/presentationml/2006/main">
-  <p:cSld>
-    <p:spTree>
-      <p:nvGrpSpPr>
-        <p:cNvPr id="1" name=""/>
-        <p:cNvGrpSpPr/>
-        <p:nvPr/>
-      </p:nvGrpSpPr>
-      <p:grpSpPr>
-        <a:xfrm>
-          <a:off x="0" y="0"/>
-          <a:ext cx="0" cy="0"/>
-          <a:chOff x="0" y="0"/>
-          <a:chExt cx="0" cy="0"/>
-        </a:xfrm>
-      </p:grpSpPr>
-      <p:sp>
-        <p:nvSpPr>
-          <p:cNvPr id="2" name="Slide Image Placeholder 1"/>
-          <p:cNvSpPr>
-            <a:spLocks noGrp="1" noRot="1" noChangeAspect="1"/>
-          </p:cNvSpPr>
-          <p:nvPr>
-            <p:ph type="sldImg" idx="2"/>
-          </p:nvPr>
-        </p:nvSpPr>
-        <p:spPr/>
-      </p:sp>
-      <p:sp>
-        <p:nvSpPr>
-          <p:cNvPr id="3" name="Notes Placeholder 2"/>
-          <p:cNvSpPr>
-            <a:spLocks noGrp="1"/>
-          </p:cNvSpPr>
-          <p:nvPr>
-            <p:ph type="body" sz="quarter" idx="3"/>
-          </p:nvPr>
-        </p:nvSpPr>
-        <p:spPr/>
-        <p:txBody>
-          <a:bodyPr/>
-          <a:lstStyle/>
-          <a:p>
-            <a:endParaRPr/>
-          </a:p>
-          <a:p>
-            <a:r>
-              <a:t>Enforces security, ACID integrity, and frontend connectivity.</a:t>
-            </a:r>
-          </a:p>
-        </p:txBody>
-      </p:sp>
-      <p:sp>
-        <p:nvSpPr>
-          <p:cNvPr id="4" name="Slide Number Placeholder 3"/>
-          <p:cNvSpPr>
-            <a:spLocks noGrp="1"/>
-          </p:cNvSpPr>
-          <p:nvPr>
-            <p:ph type="sldNum" sz="quarter" idx="5"/>
-          </p:nvPr>
-        </p:nvSpPr>
-        <p:spPr/>
-      </p:sp>
-    </p:spTree>
-  </p:cSld>
-  <p:clrMapOvr>
-    <a:masterClrMapping/>
-  </p:clrMapOvr>
-</p:notes>
 </file>
 
 <file path=ppt/slideLayouts/slideLayout1.xml><?xml version="1.0" encoding="utf-8"?>
@@ -3636,35 +3153,22 @@
         </p:nvSpPr>
         <p:spPr/>
         <p:txBody>
-          <a:bodyPr/>
+          <a:bodyPr>
+            <a:normAutofit fontScale="70000" lnSpcReduction="20000"/>
+          </a:bodyPr>
           <a:lstStyle/>
           <a:p>
             <a:r>
-              <a:rPr sz="2000">
-                <a:solidFill>
-                  <a:srgbClr val="C8C8C8"/>
-                </a:solidFill>
-              </a:rPr>
               <a:t>Django 6 + DRF Backend – Full Code Walkthrough</a:t>
             </a:r>
           </a:p>
           <a:p>
             <a:r>
-              <a:rPr sz="2000">
-                <a:solidFill>
-                  <a:srgbClr val="C8C8C8"/>
-                </a:solidFill>
-              </a:rPr>
               <a:t>Field-First • Transactionally Strict • Audit-Obsessed</a:t>
             </a:r>
           </a:p>
           <a:p>
             <a:r>
-              <a:rPr sz="2000">
-                <a:solidFill>
-                  <a:srgbClr val="C8C8C8"/>
-                </a:solidFill>
-              </a:rPr>
               <a:t>Singapore Field Operations – January 2026</a:t>
             </a:r>
           </a:p>
@@ -3711,7 +3215,7 @@
           <a:lstStyle/>
           <a:p>
             <a:r>
-              <a:t>Services Layer – Where Reality Changes</a:t>
+              <a:t>Key Model: Depot</a:t>
             </a:r>
           </a:p>
         </p:txBody>
@@ -3726,31 +3230,105 @@
             <p:ph idx="1"/>
           </p:nvPr>
         </p:nvSpPr>
-        <p:spPr/>
-        <p:txBody>
-          <a:bodyPr/>
+        <p:spPr>
+          <a:xfrm>
+            <a:off x="631371" y="2122714"/>
+            <a:ext cx="8055429" cy="3233057"/>
+          </a:xfrm>
+        </p:spPr>
+        <p:style>
+          <a:lnRef idx="2">
+            <a:schemeClr val="dk1"/>
+          </a:lnRef>
+          <a:fillRef idx="1">
+            <a:schemeClr val="lt1"/>
+          </a:fillRef>
+          <a:effectRef idx="0">
+            <a:schemeClr val="dk1"/>
+          </a:effectRef>
+          <a:fontRef idx="minor">
+            <a:schemeClr val="dk1"/>
+          </a:fontRef>
+        </p:style>
+        <p:txBody>
+          <a:bodyPr>
+            <a:normAutofit/>
+          </a:bodyPr>
           <a:lstStyle/>
           <a:p>
-            <a:endParaRPr/>
-          </a:p>
-          <a:p>
-            <a:r>
-              <a:t>All mutations are atomic</a:t>
-            </a:r>
-          </a:p>
-          <a:p>
-            <a:r>
-              <a:t>Audit log on every write</a:t>
-            </a:r>
-          </a:p>
-          <a:p>
-            <a:r>
-              <a:t>Offline support (client_temp_id)</a:t>
-            </a:r>
-          </a:p>
-          <a:p>
-            <a:r>
-              <a:t>No direct model manipulation outside services</a:t>
+            <a:pPr marL="0" indent="0">
+              <a:buNone/>
+            </a:pPr>
+            <a:endParaRPr sz="6600" dirty="0"/>
+          </a:p>
+          <a:p>
+            <a:pPr marL="0" indent="0">
+              <a:buNone/>
+            </a:pPr>
+            <a:r>
+              <a:rPr sz="2000" dirty="0">
+                <a:latin typeface="Consolas"/>
+              </a:rPr>
+              <a:t>class Depot(</a:t>
+            </a:r>
+            <a:r>
+              <a:rPr sz="2000" dirty="0" err="1">
+                <a:latin typeface="Consolas"/>
+              </a:rPr>
+              <a:t>models.Model</a:t>
+            </a:r>
+            <a:r>
+              <a:rPr sz="2000" dirty="0">
+                <a:latin typeface="Consolas"/>
+              </a:rPr>
+              <a:t>):</a:t>
+            </a:r>
+            <a:endParaRPr lang="en-SG" sz="2000" dirty="0">
+              <a:latin typeface="Consolas"/>
+            </a:endParaRPr>
+          </a:p>
+          <a:p>
+            <a:pPr marL="0" indent="0">
+              <a:buNone/>
+            </a:pPr>
+            <a:r>
+              <a:rPr lang="en-SG" sz="2000" dirty="0">
+                <a:latin typeface="Consolas"/>
+              </a:rPr>
+              <a:t>	# SINGGAS, UNION, HSH KB</a:t>
+            </a:r>
+            <a:br>
+              <a:rPr sz="6600" dirty="0"/>
+            </a:br>
+            <a:r>
+              <a:rPr sz="2000" dirty="0">
+                <a:latin typeface="Consolas"/>
+              </a:rPr>
+              <a:t>   name = </a:t>
+            </a:r>
+            <a:r>
+              <a:rPr sz="2000" dirty="0" err="1">
+                <a:latin typeface="Consolas"/>
+              </a:rPr>
+              <a:t>models.CharField</a:t>
+            </a:r>
+            <a:r>
+              <a:rPr sz="2000" dirty="0">
+                <a:latin typeface="Consolas"/>
+              </a:rPr>
+              <a:t>(</a:t>
+            </a:r>
+            <a:r>
+              <a:rPr sz="2000" dirty="0" err="1">
+                <a:latin typeface="Consolas"/>
+              </a:rPr>
+              <a:t>max_length</a:t>
+            </a:r>
+            <a:r>
+              <a:rPr sz="2000" dirty="0">
+                <a:latin typeface="Consolas"/>
+              </a:rPr>
+              <a:t>=100, unique=True)</a:t>
             </a:r>
           </a:p>
         </p:txBody>
@@ -3796,7 +3374,7 @@
           <a:lstStyle/>
           <a:p>
             <a:r>
-              <a:t>Example: Atomic confirm_distribution</a:t>
+              <a:t>Key Model: Equipment</a:t>
             </a:r>
           </a:p>
         </p:txBody>
@@ -3811,7 +3389,12 @@
             <p:ph idx="1"/>
           </p:nvPr>
         </p:nvSpPr>
-        <p:spPr/>
+        <p:spPr>
+          <a:xfrm>
+            <a:off x="457200" y="1600200"/>
+            <a:ext cx="8229600" cy="4310743"/>
+          </a:xfrm>
+        </p:spPr>
         <p:style>
           <a:lnRef idx="2">
             <a:schemeClr val="dk1"/>
@@ -3828,137 +3411,264 @@
         </p:style>
         <p:txBody>
           <a:bodyPr>
-            <a:normAutofit/>
+            <a:normAutofit lnSpcReduction="10000"/>
           </a:bodyPr>
           <a:lstStyle/>
           <a:p>
             <a:pPr marL="0" indent="0">
               <a:buNone/>
             </a:pPr>
-            <a:endParaRPr sz="6000" dirty="0"/>
-          </a:p>
-          <a:p>
-            <a:pPr marL="0" indent="0" algn="l">
+            <a:r>
+              <a:rPr sz="2400" dirty="0">
+                <a:latin typeface="Consolas"/>
+              </a:rPr>
+              <a:t>class Equipment(</a:t>
+            </a:r>
+            <a:r>
+              <a:rPr sz="2400" dirty="0" err="1">
+                <a:latin typeface="Consolas"/>
+              </a:rPr>
+              <a:t>models.Model</a:t>
+            </a:r>
+            <a:r>
+              <a:rPr sz="2400" dirty="0">
+                <a:latin typeface="Consolas"/>
+              </a:rPr>
+              <a:t>):</a:t>
+            </a:r>
+            <a:endParaRPr lang="en-SG" sz="700" dirty="0">
+              <a:latin typeface="Consolas"/>
+            </a:endParaRPr>
+          </a:p>
+          <a:p>
+            <a:pPr marL="0" indent="0">
               <a:buNone/>
-              <a:defRPr sz="1000">
-                <a:latin typeface="Consolas"/>
-              </a:defRPr>
             </a:pPr>
             <a:r>
-              <a:rPr sz="1800" dirty="0"/>
-              <a:t>@transaction.atomic</a:t>
-            </a:r>
-            <a:br>
-              <a:rPr sz="1800" dirty="0"/>
-            </a:br>
-            <a:r>
-              <a:rPr sz="1800" dirty="0"/>
-              <a:t>def </a:t>
-            </a:r>
-            <a:r>
-              <a:rPr sz="1800" dirty="0" err="1"/>
-              <a:t>confirm_distribution</a:t>
-            </a:r>
-            <a:r>
-              <a:rPr sz="1800" dirty="0"/>
+              <a:rPr lang="en-SG" sz="2000" dirty="0">
+                <a:latin typeface="Consolas"/>
+              </a:rPr>
+              <a:t>	# CYL 12.7 kgs, CYL 50 kg (POL)</a:t>
+            </a:r>
+            <a:br>
+              <a:rPr sz="7200" dirty="0"/>
+            </a:br>
+            <a:r>
+              <a:rPr sz="2400" dirty="0">
+                <a:latin typeface="Consolas"/>
+              </a:rPr>
+              <a:t>   name = </a:t>
+            </a:r>
+            <a:r>
+              <a:rPr sz="2400" dirty="0" err="1">
+                <a:latin typeface="Consolas"/>
+              </a:rPr>
+              <a:t>models.CharField</a:t>
+            </a:r>
+            <a:r>
+              <a:rPr sz="2400" dirty="0">
+                <a:latin typeface="Consolas"/>
+              </a:rPr>
               <a:t>(</a:t>
             </a:r>
             <a:r>
-              <a:rPr sz="1800" dirty="0" err="1"/>
-              <a:t>distribution_id</a:t>
-            </a:r>
-            <a:r>
-              <a:rPr sz="1800" dirty="0"/>
-              <a:t>: int, user):</a:t>
-            </a:r>
-            <a:br>
-              <a:rPr sz="1800" dirty="0"/>
-            </a:br>
-            <a:r>
-              <a:rPr sz="1800" dirty="0"/>
-              <a:t>    </a:t>
-            </a:r>
-            <a:r>
-              <a:rPr sz="1800" dirty="0" err="1"/>
-              <a:t>dist</a:t>
-            </a:r>
-            <a:r>
-              <a:rPr sz="1800" dirty="0"/>
+              <a:rPr sz="2400" dirty="0" err="1">
+                <a:latin typeface="Consolas"/>
+              </a:rPr>
+              <a:t>max_length</a:t>
+            </a:r>
+            <a:r>
+              <a:rPr sz="2400" dirty="0">
+                <a:latin typeface="Consolas"/>
+              </a:rPr>
+              <a:t>=100, unique=True)</a:t>
+            </a:r>
+            <a:endParaRPr lang="en-SG" sz="7200" dirty="0"/>
+          </a:p>
+          <a:p>
+            <a:pPr marL="0" indent="0">
+              <a:buNone/>
+            </a:pPr>
+            <a:r>
+              <a:rPr lang="en-SG" sz="2400" dirty="0">
+                <a:latin typeface="Consolas"/>
+              </a:rPr>
+              <a:t>	# Cylinder, Meter, Regulator</a:t>
+            </a:r>
+            <a:r>
+              <a:rPr sz="2400" dirty="0">
+                <a:latin typeface="Consolas"/>
+              </a:rPr>
+              <a:t>   </a:t>
+            </a:r>
+            <a:endParaRPr lang="en-SG" sz="2400" dirty="0">
+              <a:latin typeface="Consolas"/>
+            </a:endParaRPr>
+          </a:p>
+          <a:p>
+            <a:pPr marL="0" indent="0">
+              <a:buNone/>
+            </a:pPr>
+            <a:r>
+              <a:rPr lang="en-SG" sz="2400" dirty="0">
+                <a:latin typeface="Consolas"/>
+              </a:rPr>
+              <a:t>	</a:t>
+            </a:r>
+            <a:r>
+              <a:rPr sz="2400" dirty="0">
+                <a:latin typeface="Consolas"/>
+              </a:rPr>
+              <a:t>category = </a:t>
+            </a:r>
+            <a:r>
+              <a:rPr sz="2400" dirty="0" err="1">
+                <a:latin typeface="Consolas"/>
+              </a:rPr>
+              <a:t>models.CharField</a:t>
+            </a:r>
+            <a:r>
+              <a:rPr sz="2400" dirty="0">
+                <a:latin typeface="Consolas"/>
+              </a:rPr>
+              <a:t>(</a:t>
+            </a:r>
+            <a:r>
+              <a:rPr sz="2400" dirty="0" err="1">
+                <a:latin typeface="Consolas"/>
+              </a:rPr>
+              <a:t>max_length</a:t>
+            </a:r>
+            <a:r>
+              <a:rPr sz="2400" dirty="0">
+                <a:latin typeface="Consolas"/>
+              </a:rPr>
+              <a:t>=50)           </a:t>
+            </a:r>
+            <a:br>
+              <a:rPr sz="7200" dirty="0"/>
+            </a:br>
+            <a:r>
+              <a:rPr sz="2400" dirty="0">
+                <a:latin typeface="Consolas"/>
+              </a:rPr>
+              <a:t>   </a:t>
+            </a:r>
+            <a:r>
+              <a:rPr sz="2400" dirty="0" err="1">
+                <a:latin typeface="Consolas"/>
+              </a:rPr>
+              <a:t>default_rate</a:t>
+            </a:r>
+            <a:r>
+              <a:rPr sz="2400" dirty="0">
+                <a:latin typeface="Consolas"/>
+              </a:rPr>
               <a:t> = </a:t>
             </a:r>
             <a:r>
-              <a:rPr sz="1800" dirty="0" err="1"/>
-              <a:t>Distribution.objects.select_for_update</a:t>
-            </a:r>
-            <a:r>
-              <a:rPr sz="1800" dirty="0"/>
-              <a:t>()</a:t>
-            </a:r>
-            <a:endParaRPr lang="en-SG" sz="1800" dirty="0"/>
-          </a:p>
-          <a:p>
-            <a:pPr marL="0" indent="0" algn="l">
+              <a:rPr sz="2400" dirty="0" err="1">
+                <a:latin typeface="Consolas"/>
+              </a:rPr>
+              <a:t>models.DecimalField</a:t>
+            </a:r>
+            <a:r>
+              <a:rPr sz="2400" dirty="0">
+                <a:latin typeface="Consolas"/>
+              </a:rPr>
+              <a:t>(</a:t>
+            </a:r>
+            <a:endParaRPr lang="en-SG" sz="2400" dirty="0">
+              <a:latin typeface="Consolas"/>
+            </a:endParaRPr>
+          </a:p>
+          <a:p>
+            <a:pPr marL="0" indent="0">
               <a:buNone/>
-              <a:defRPr sz="1000">
-                <a:latin typeface="Consolas"/>
-              </a:defRPr>
             </a:pPr>
             <a:r>
-              <a:rPr sz="1800" dirty="0"/>
-              <a:t>.get(id=</a:t>
-            </a:r>
-            <a:r>
-              <a:rPr sz="1800" dirty="0" err="1"/>
-              <a:t>distribution_id</a:t>
-            </a:r>
-            <a:r>
-              <a:rPr sz="1800" dirty="0"/>
+              <a:rPr lang="en-SG" sz="2400" dirty="0">
+                <a:latin typeface="Consolas"/>
+              </a:rPr>
+              <a:t>		</a:t>
+            </a:r>
+            <a:r>
+              <a:rPr sz="2400" dirty="0" err="1">
+                <a:latin typeface="Consolas"/>
+              </a:rPr>
+              <a:t>max_digits</a:t>
+            </a:r>
+            <a:r>
+              <a:rPr sz="2400" dirty="0">
+                <a:latin typeface="Consolas"/>
+              </a:rPr>
+              <a:t>=10, </a:t>
+            </a:r>
+            <a:endParaRPr lang="en-SG" sz="2400" dirty="0">
+              <a:latin typeface="Consolas"/>
+            </a:endParaRPr>
+          </a:p>
+          <a:p>
+            <a:pPr marL="0" indent="0">
+              <a:buNone/>
+            </a:pPr>
+            <a:r>
+              <a:rPr lang="en-SG" sz="2400" dirty="0">
+                <a:latin typeface="Consolas"/>
+              </a:rPr>
+              <a:t>		</a:t>
+            </a:r>
+            <a:r>
+              <a:rPr sz="2400" dirty="0" err="1">
+                <a:latin typeface="Consolas"/>
+              </a:rPr>
+              <a:t>decimal_places</a:t>
+            </a:r>
+            <a:r>
+              <a:rPr sz="2400" dirty="0">
+                <a:latin typeface="Consolas"/>
+              </a:rPr>
+              <a:t>=2, </a:t>
+            </a:r>
+            <a:endParaRPr lang="en-SG" sz="2400" dirty="0">
+              <a:latin typeface="Consolas"/>
+            </a:endParaRPr>
+          </a:p>
+          <a:p>
+            <a:pPr marL="0" indent="0">
+              <a:buNone/>
+            </a:pPr>
+            <a:r>
+              <a:rPr lang="en-SG" sz="2400" dirty="0">
+                <a:latin typeface="Consolas"/>
+              </a:rPr>
+              <a:t>		</a:t>
+            </a:r>
+            <a:r>
+              <a:rPr sz="2400" dirty="0">
+                <a:latin typeface="Consolas"/>
+              </a:rPr>
+              <a:t>default=0</a:t>
+            </a:r>
+            <a:endParaRPr lang="en-SG" sz="2400" dirty="0">
+              <a:latin typeface="Consolas"/>
+            </a:endParaRPr>
+          </a:p>
+          <a:p>
+            <a:pPr marL="0" indent="0">
+              <a:buNone/>
+            </a:pPr>
+            <a:r>
+              <a:rPr lang="en-SG" sz="2400" dirty="0">
+                <a:latin typeface="Consolas"/>
+              </a:rPr>
+              <a:t>	</a:t>
+            </a:r>
+            <a:r>
+              <a:rPr sz="2400" dirty="0">
+                <a:latin typeface="Consolas"/>
+              </a:rPr>
               <a:t>)</a:t>
-            </a:r>
-            <a:br>
-              <a:rPr sz="1800" dirty="0"/>
-            </a:br>
-            <a:r>
-              <a:rPr sz="1800" dirty="0"/>
-              <a:t>    if </a:t>
-            </a:r>
-            <a:r>
-              <a:rPr sz="1800" dirty="0" err="1"/>
-              <a:t>dist.status</a:t>
-            </a:r>
-            <a:r>
-              <a:rPr sz="1800" dirty="0"/>
-              <a:t> == 'Confirmed':</a:t>
-            </a:r>
-            <a:br>
-              <a:rPr sz="1800" dirty="0"/>
-            </a:br>
-            <a:r>
-              <a:rPr sz="1800" dirty="0"/>
-              <a:t>        raise </a:t>
-            </a:r>
-            <a:r>
-              <a:rPr sz="1800" dirty="0" err="1"/>
-              <a:t>ValueError</a:t>
-            </a:r>
-            <a:r>
-              <a:rPr sz="1800" dirty="0"/>
-              <a:t>("Already confirmed")</a:t>
-            </a:r>
-            <a:br>
-              <a:rPr sz="1800" dirty="0"/>
-            </a:br>
-            <a:r>
-              <a:rPr sz="1800" dirty="0"/>
-              <a:t>    # ... update status, stock deltas, </a:t>
-            </a:r>
-            <a:r>
-              <a:rPr sz="1800" dirty="0" err="1"/>
-              <a:t>log_action</a:t>
-            </a:r>
-            <a:r>
-              <a:rPr sz="1800" dirty="0"/>
-              <a:t> ...</a:t>
             </a:r>
           </a:p>
         </p:txBody>
@@ -3998,13 +3708,19 @@
             <p:ph type="title"/>
           </p:nvPr>
         </p:nvSpPr>
-        <p:spPr/>
+        <p:spPr>
+          <a:xfrm>
+            <a:off x="457200" y="174170"/>
+            <a:ext cx="8229600" cy="1143000"/>
+          </a:xfrm>
+        </p:spPr>
         <p:txBody>
           <a:bodyPr/>
           <a:lstStyle/>
           <a:p>
             <a:r>
-              <a:t>ViewSets – Thin &amp; Intent-Based</a:t>
+              <a:rPr dirty="0"/>
+              <a:t>Inventory Models</a:t>
             </a:r>
           </a:p>
         </p:txBody>
@@ -4019,26 +3735,491 @@
             <p:ph idx="1"/>
           </p:nvPr>
         </p:nvSpPr>
-        <p:spPr/>
-        <p:txBody>
-          <a:bodyPr/>
+        <p:spPr>
+          <a:xfrm>
+            <a:off x="653142" y="1328056"/>
+            <a:ext cx="8033658" cy="5116288"/>
+          </a:xfrm>
+        </p:spPr>
+        <p:style>
+          <a:lnRef idx="2">
+            <a:schemeClr val="dk1"/>
+          </a:lnRef>
+          <a:fillRef idx="1">
+            <a:schemeClr val="lt1"/>
+          </a:fillRef>
+          <a:effectRef idx="0">
+            <a:schemeClr val="dk1"/>
+          </a:effectRef>
+          <a:fontRef idx="minor">
+            <a:schemeClr val="dk1"/>
+          </a:fontRef>
+        </p:style>
+        <p:txBody>
+          <a:bodyPr>
+            <a:normAutofit fontScale="92500" lnSpcReduction="10000"/>
+          </a:bodyPr>
           <a:lstStyle/>
           <a:p>
-            <a:endParaRPr/>
-          </a:p>
-          <a:p>
-            <a:r>
-              <a:t>Delegate to services</a:t>
-            </a:r>
-          </a:p>
-          <a:p>
-            <a:r>
-              <a:t>Explicit actions only (/confirm/) – no generic PUT/PATCH on confirmed records</a:t>
-            </a:r>
-          </a:p>
-          <a:p>
-            <a:r>
-              <a:t>Driver sees own records only (get_queryset filter)</a:t>
+            <a:pPr marL="0" indent="0">
+              <a:buNone/>
+            </a:pPr>
+            <a:r>
+              <a:rPr sz="1800" dirty="0">
+                <a:latin typeface="Consolas"/>
+              </a:rPr>
+              <a:t>class </a:t>
+            </a:r>
+            <a:r>
+              <a:rPr sz="1800" dirty="0" err="1">
+                <a:latin typeface="Consolas"/>
+              </a:rPr>
+              <a:t>DepotInventory</a:t>
+            </a:r>
+            <a:r>
+              <a:rPr sz="1800" dirty="0">
+                <a:latin typeface="Consolas"/>
+              </a:rPr>
+              <a:t>(</a:t>
+            </a:r>
+            <a:r>
+              <a:rPr sz="1800" dirty="0" err="1">
+                <a:latin typeface="Consolas"/>
+              </a:rPr>
+              <a:t>models.Model</a:t>
+            </a:r>
+            <a:r>
+              <a:rPr sz="1800" dirty="0">
+                <a:latin typeface="Consolas"/>
+              </a:rPr>
+              <a:t>):</a:t>
+            </a:r>
+            <a:br>
+              <a:rPr sz="6000" dirty="0"/>
+            </a:br>
+            <a:r>
+              <a:rPr sz="1800" dirty="0">
+                <a:latin typeface="Consolas"/>
+              </a:rPr>
+              <a:t>    depot = </a:t>
+            </a:r>
+            <a:r>
+              <a:rPr sz="1800" dirty="0" err="1">
+                <a:latin typeface="Consolas"/>
+              </a:rPr>
+              <a:t>models.ForeignKey</a:t>
+            </a:r>
+            <a:r>
+              <a:rPr sz="1800" dirty="0">
+                <a:latin typeface="Consolas"/>
+              </a:rPr>
+              <a:t>('</a:t>
+            </a:r>
+            <a:r>
+              <a:rPr sz="1800" dirty="0" err="1">
+                <a:latin typeface="Consolas"/>
+              </a:rPr>
+              <a:t>depots.Depot</a:t>
+            </a:r>
+            <a:r>
+              <a:rPr sz="1800" dirty="0">
+                <a:latin typeface="Consolas"/>
+              </a:rPr>
+              <a:t>’, </a:t>
+            </a:r>
+            <a:r>
+              <a:rPr lang="en-SG" sz="1800" dirty="0">
+                <a:latin typeface="Consolas"/>
+              </a:rPr>
+              <a:t>				 		</a:t>
+            </a:r>
+          </a:p>
+          <a:p>
+            <a:pPr marL="0" indent="0">
+              <a:buNone/>
+            </a:pPr>
+            <a:r>
+              <a:rPr lang="en-SG" sz="1800" dirty="0">
+                <a:latin typeface="Consolas"/>
+              </a:rPr>
+              <a:t>		</a:t>
+            </a:r>
+            <a:r>
+              <a:rPr sz="1800" dirty="0" err="1">
+                <a:latin typeface="Consolas"/>
+              </a:rPr>
+              <a:t>on_delete</a:t>
+            </a:r>
+            <a:r>
+              <a:rPr sz="1800" dirty="0">
+                <a:latin typeface="Consolas"/>
+              </a:rPr>
+              <a:t>=</a:t>
+            </a:r>
+            <a:r>
+              <a:rPr sz="1800" dirty="0" err="1">
+                <a:latin typeface="Consolas"/>
+              </a:rPr>
+              <a:t>models.CASCADE</a:t>
+            </a:r>
+            <a:r>
+              <a:rPr sz="1800" dirty="0">
+                <a:latin typeface="Consolas"/>
+              </a:rPr>
+              <a:t>)</a:t>
+            </a:r>
+            <a:br>
+              <a:rPr sz="6000" dirty="0"/>
+            </a:br>
+            <a:r>
+              <a:rPr sz="1800" dirty="0">
+                <a:latin typeface="Consolas"/>
+              </a:rPr>
+              <a:t>    equipment = </a:t>
+            </a:r>
+            <a:r>
+              <a:rPr sz="1800" dirty="0" err="1">
+                <a:latin typeface="Consolas"/>
+              </a:rPr>
+              <a:t>models.ForeignKey</a:t>
+            </a:r>
+            <a:r>
+              <a:rPr sz="1800" dirty="0">
+                <a:latin typeface="Consolas"/>
+              </a:rPr>
+              <a:t>(</a:t>
+            </a:r>
+            <a:endParaRPr lang="en-SG" sz="1800" dirty="0">
+              <a:latin typeface="Consolas"/>
+            </a:endParaRPr>
+          </a:p>
+          <a:p>
+            <a:pPr marL="0" indent="0">
+              <a:buNone/>
+            </a:pPr>
+            <a:r>
+              <a:rPr lang="en-SG" sz="1800" dirty="0">
+                <a:latin typeface="Consolas"/>
+              </a:rPr>
+              <a:t>		</a:t>
+            </a:r>
+            <a:r>
+              <a:rPr sz="1800" dirty="0">
+                <a:latin typeface="Consolas"/>
+              </a:rPr>
+              <a:t>'</a:t>
+            </a:r>
+            <a:r>
+              <a:rPr sz="1800" dirty="0" err="1">
+                <a:latin typeface="Consolas"/>
+              </a:rPr>
+              <a:t>equipment.Equipment</a:t>
+            </a:r>
+            <a:r>
+              <a:rPr sz="1800" dirty="0">
+                <a:latin typeface="Consolas"/>
+              </a:rPr>
+              <a:t>’, </a:t>
+            </a:r>
+            <a:endParaRPr lang="en-SG" sz="1800" dirty="0">
+              <a:latin typeface="Consolas"/>
+            </a:endParaRPr>
+          </a:p>
+          <a:p>
+            <a:pPr marL="0" indent="0">
+              <a:buNone/>
+            </a:pPr>
+            <a:r>
+              <a:rPr lang="en-SG" sz="1800" dirty="0">
+                <a:latin typeface="Consolas"/>
+              </a:rPr>
+              <a:t>		</a:t>
+            </a:r>
+            <a:r>
+              <a:rPr sz="1800" dirty="0" err="1">
+                <a:latin typeface="Consolas"/>
+              </a:rPr>
+              <a:t>on_delete</a:t>
+            </a:r>
+            <a:r>
+              <a:rPr sz="1800" dirty="0">
+                <a:latin typeface="Consolas"/>
+              </a:rPr>
+              <a:t>=</a:t>
+            </a:r>
+            <a:r>
+              <a:rPr sz="1800" dirty="0" err="1">
+                <a:latin typeface="Consolas"/>
+              </a:rPr>
+              <a:t>models.CASCADE</a:t>
+            </a:r>
+            <a:endParaRPr lang="en-SG" sz="1800" dirty="0">
+              <a:latin typeface="Consolas"/>
+            </a:endParaRPr>
+          </a:p>
+          <a:p>
+            <a:pPr marL="0" indent="0">
+              <a:buNone/>
+            </a:pPr>
+            <a:r>
+              <a:rPr lang="en-SG" sz="1800" dirty="0">
+                <a:latin typeface="Consolas"/>
+              </a:rPr>
+              <a:t>		</a:t>
+            </a:r>
+            <a:r>
+              <a:rPr sz="1800" dirty="0">
+                <a:latin typeface="Consolas"/>
+              </a:rPr>
+              <a:t>)</a:t>
+            </a:r>
+            <a:br>
+              <a:rPr sz="6000" dirty="0"/>
+            </a:br>
+            <a:r>
+              <a:rPr sz="1800" dirty="0">
+                <a:latin typeface="Consolas"/>
+              </a:rPr>
+              <a:t>    quantity = </a:t>
+            </a:r>
+            <a:r>
+              <a:rPr sz="1800" dirty="0" err="1">
+                <a:latin typeface="Consolas"/>
+              </a:rPr>
+              <a:t>models.IntegerField</a:t>
+            </a:r>
+            <a:r>
+              <a:rPr sz="1800" dirty="0">
+                <a:latin typeface="Consolas"/>
+              </a:rPr>
+              <a:t>(default=0)</a:t>
+            </a:r>
+            <a:br>
+              <a:rPr sz="6000" dirty="0"/>
+            </a:br>
+            <a:br>
+              <a:rPr sz="6000" dirty="0"/>
+            </a:br>
+            <a:r>
+              <a:rPr sz="1800" dirty="0">
+                <a:latin typeface="Consolas"/>
+              </a:rPr>
+              <a:t>class </a:t>
+            </a:r>
+            <a:r>
+              <a:rPr sz="1800" dirty="0" err="1">
+                <a:latin typeface="Consolas"/>
+              </a:rPr>
+              <a:t>CustomerSiteInventory</a:t>
+            </a:r>
+            <a:r>
+              <a:rPr sz="1800" dirty="0">
+                <a:latin typeface="Consolas"/>
+              </a:rPr>
+              <a:t>(</a:t>
+            </a:r>
+            <a:r>
+              <a:rPr sz="1800" dirty="0" err="1">
+                <a:latin typeface="Consolas"/>
+              </a:rPr>
+              <a:t>models.Model</a:t>
+            </a:r>
+            <a:r>
+              <a:rPr sz="1800" dirty="0">
+                <a:latin typeface="Consolas"/>
+              </a:rPr>
+              <a:t>):</a:t>
+            </a:r>
+            <a:br>
+              <a:rPr sz="6000" dirty="0"/>
+            </a:br>
+            <a:r>
+              <a:rPr sz="1800" dirty="0">
+                <a:latin typeface="Consolas"/>
+              </a:rPr>
+              <a:t>    customer = </a:t>
+            </a:r>
+            <a:r>
+              <a:rPr sz="1800" dirty="0" err="1">
+                <a:latin typeface="Consolas"/>
+              </a:rPr>
+              <a:t>models.ForeignKey</a:t>
+            </a:r>
+            <a:r>
+              <a:rPr sz="1800" dirty="0">
+                <a:latin typeface="Consolas"/>
+              </a:rPr>
+              <a:t>('</a:t>
+            </a:r>
+            <a:r>
+              <a:rPr sz="1800" dirty="0" err="1">
+                <a:latin typeface="Consolas"/>
+              </a:rPr>
+              <a:t>customers.Customer</a:t>
+            </a:r>
+            <a:r>
+              <a:rPr sz="1800" dirty="0">
+                <a:latin typeface="Consolas"/>
+              </a:rPr>
+              <a:t>’, </a:t>
+            </a:r>
+            <a:endParaRPr lang="en-SG" sz="1800" dirty="0">
+              <a:latin typeface="Consolas"/>
+            </a:endParaRPr>
+          </a:p>
+          <a:p>
+            <a:pPr marL="0" indent="0">
+              <a:buNone/>
+            </a:pPr>
+            <a:r>
+              <a:rPr lang="en-SG" sz="1800" dirty="0">
+                <a:latin typeface="Consolas"/>
+              </a:rPr>
+              <a:t>		</a:t>
+            </a:r>
+            <a:r>
+              <a:rPr sz="1800" dirty="0" err="1">
+                <a:latin typeface="Consolas"/>
+              </a:rPr>
+              <a:t>on_delete</a:t>
+            </a:r>
+            <a:r>
+              <a:rPr sz="1800" dirty="0">
+                <a:latin typeface="Consolas"/>
+              </a:rPr>
+              <a:t>=</a:t>
+            </a:r>
+            <a:r>
+              <a:rPr sz="1800" dirty="0" err="1">
+                <a:latin typeface="Consolas"/>
+              </a:rPr>
+              <a:t>models.CASCADE</a:t>
+            </a:r>
+            <a:endParaRPr lang="en-SG" sz="1800" dirty="0">
+              <a:latin typeface="Consolas"/>
+            </a:endParaRPr>
+          </a:p>
+          <a:p>
+            <a:pPr marL="0" indent="0">
+              <a:buNone/>
+            </a:pPr>
+            <a:r>
+              <a:rPr lang="en-SG" sz="1800" dirty="0">
+                <a:latin typeface="Consolas"/>
+              </a:rPr>
+              <a:t>	</a:t>
+            </a:r>
+            <a:r>
+              <a:rPr sz="1800" dirty="0">
+                <a:latin typeface="Consolas"/>
+              </a:rPr>
+              <a:t>)</a:t>
+            </a:r>
+            <a:br>
+              <a:rPr sz="6000" dirty="0"/>
+            </a:br>
+            <a:r>
+              <a:rPr sz="1800" dirty="0">
+                <a:latin typeface="Consolas"/>
+              </a:rPr>
+              <a:t>    equipment = </a:t>
+            </a:r>
+            <a:r>
+              <a:rPr sz="1800" dirty="0" err="1">
+                <a:latin typeface="Consolas"/>
+              </a:rPr>
+              <a:t>models.ForeignKey</a:t>
+            </a:r>
+            <a:r>
+              <a:rPr sz="1800" dirty="0">
+                <a:latin typeface="Consolas"/>
+              </a:rPr>
+              <a:t>('</a:t>
+            </a:r>
+            <a:r>
+              <a:rPr sz="1800" dirty="0" err="1">
+                <a:latin typeface="Consolas"/>
+              </a:rPr>
+              <a:t>equipment.Equipment</a:t>
+            </a:r>
+            <a:r>
+              <a:rPr sz="1800" dirty="0">
+                <a:latin typeface="Consolas"/>
+              </a:rPr>
+              <a:t>’, </a:t>
+            </a:r>
+            <a:endParaRPr lang="en-SG" sz="1800" dirty="0">
+              <a:latin typeface="Consolas"/>
+            </a:endParaRPr>
+          </a:p>
+          <a:p>
+            <a:pPr marL="0" indent="0">
+              <a:buNone/>
+            </a:pPr>
+            <a:r>
+              <a:rPr lang="en-SG" sz="1800" dirty="0">
+                <a:latin typeface="Consolas"/>
+              </a:rPr>
+              <a:t>		</a:t>
+            </a:r>
+            <a:r>
+              <a:rPr sz="1800" dirty="0" err="1">
+                <a:latin typeface="Consolas"/>
+              </a:rPr>
+              <a:t>on_delete</a:t>
+            </a:r>
+            <a:r>
+              <a:rPr sz="1800" dirty="0">
+                <a:latin typeface="Consolas"/>
+              </a:rPr>
+              <a:t>=</a:t>
+            </a:r>
+            <a:r>
+              <a:rPr sz="1800" dirty="0" err="1">
+                <a:latin typeface="Consolas"/>
+              </a:rPr>
+              <a:t>models.CASCADE</a:t>
+            </a:r>
+            <a:endParaRPr lang="en-SG" sz="1800" dirty="0">
+              <a:latin typeface="Consolas"/>
+            </a:endParaRPr>
+          </a:p>
+          <a:p>
+            <a:pPr marL="0" indent="0">
+              <a:buNone/>
+            </a:pPr>
+            <a:r>
+              <a:rPr lang="en-SG" sz="1800" dirty="0">
+                <a:latin typeface="Consolas"/>
+              </a:rPr>
+              <a:t>	</a:t>
+            </a:r>
+            <a:r>
+              <a:rPr sz="1800" dirty="0">
+                <a:latin typeface="Consolas"/>
+              </a:rPr>
+              <a:t>)</a:t>
+            </a:r>
+            <a:br>
+              <a:rPr sz="6000" dirty="0"/>
+            </a:br>
+            <a:r>
+              <a:rPr sz="1800" dirty="0">
+                <a:latin typeface="Consolas"/>
+              </a:rPr>
+              <a:t>    quantity = </a:t>
+            </a:r>
+            <a:r>
+              <a:rPr sz="1800" dirty="0" err="1">
+                <a:latin typeface="Consolas"/>
+              </a:rPr>
+              <a:t>models.IntegerField</a:t>
+            </a:r>
+            <a:r>
+              <a:rPr sz="1800" dirty="0">
+                <a:latin typeface="Consolas"/>
+              </a:rPr>
+              <a:t>(default=0)</a:t>
             </a:r>
           </a:p>
         </p:txBody>
@@ -4084,7 +4265,7 @@
           <a:lstStyle/>
           <a:p>
             <a:r>
-              <a:t>Middleware – Built-in Observability</a:t>
+              <a:t>Distribution Models</a:t>
             </a:r>
           </a:p>
         </p:txBody>
@@ -4099,7 +4280,12 @@
             <p:ph idx="1"/>
           </p:nvPr>
         </p:nvSpPr>
-        <p:spPr/>
+        <p:spPr>
+          <a:xfrm>
+            <a:off x="283028" y="1894114"/>
+            <a:ext cx="8577944" cy="3309257"/>
+          </a:xfrm>
+        </p:spPr>
         <p:style>
           <a:lnRef idx="2">
             <a:schemeClr val="dk1"/>
@@ -4120,40 +4306,512 @@
           </a:bodyPr>
           <a:lstStyle/>
           <a:p>
-            <a:endParaRPr sz="7200" dirty="0"/>
-          </a:p>
-          <a:p>
-            <a:pPr marL="0" indent="0" algn="l">
+            <a:pPr marL="0" indent="0">
               <a:buNone/>
-              <a:defRPr sz="1000">
-                <a:latin typeface="Consolas"/>
-              </a:defRPr>
             </a:pPr>
             <a:r>
-              <a:rPr sz="2400" dirty="0"/>
+              <a:rPr sz="1200" dirty="0">
+                <a:latin typeface="Consolas"/>
+              </a:rPr>
+              <a:t>class Distribution(</a:t>
+            </a:r>
+            <a:r>
+              <a:rPr sz="1200" dirty="0" err="1">
+                <a:latin typeface="Consolas"/>
+              </a:rPr>
+              <a:t>models.Model</a:t>
+            </a:r>
+            <a:r>
+              <a:rPr sz="1200" dirty="0">
+                <a:latin typeface="Consolas"/>
+              </a:rPr>
+              <a:t>):</a:t>
+            </a:r>
+            <a:br>
+              <a:rPr sz="4400" dirty="0"/>
+            </a:br>
+            <a:r>
+              <a:rPr sz="1200" dirty="0">
+                <a:latin typeface="Consolas"/>
+              </a:rPr>
+              <a:t>    user = </a:t>
+            </a:r>
+            <a:r>
+              <a:rPr sz="1200" dirty="0" err="1">
+                <a:latin typeface="Consolas"/>
+              </a:rPr>
+              <a:t>models.ForeignKey</a:t>
+            </a:r>
+            <a:r>
+              <a:rPr sz="1200" dirty="0">
+                <a:latin typeface="Consolas"/>
+              </a:rPr>
+              <a:t>('</a:t>
+            </a:r>
+            <a:r>
+              <a:rPr sz="1200" dirty="0" err="1">
+                <a:latin typeface="Consolas"/>
+              </a:rPr>
+              <a:t>accounts.User</a:t>
+            </a:r>
+            <a:r>
+              <a:rPr sz="1200" dirty="0">
+                <a:latin typeface="Consolas"/>
+              </a:rPr>
+              <a:t>', </a:t>
+            </a:r>
+            <a:r>
+              <a:rPr sz="1200" dirty="0" err="1">
+                <a:latin typeface="Consolas"/>
+              </a:rPr>
+              <a:t>on_delete</a:t>
+            </a:r>
+            <a:r>
+              <a:rPr sz="1200" dirty="0">
+                <a:latin typeface="Consolas"/>
+              </a:rPr>
+              <a:t>=</a:t>
+            </a:r>
+            <a:r>
+              <a:rPr sz="1200" dirty="0" err="1">
+                <a:latin typeface="Consolas"/>
+              </a:rPr>
+              <a:t>models.SET_NULL</a:t>
+            </a:r>
+            <a:r>
+              <a:rPr sz="1200" dirty="0">
+                <a:latin typeface="Consolas"/>
+              </a:rPr>
+              <a:t>, null=True)</a:t>
+            </a:r>
+            <a:br>
+              <a:rPr sz="4400" dirty="0"/>
+            </a:br>
+            <a:r>
+              <a:rPr sz="1200" dirty="0">
+                <a:latin typeface="Consolas"/>
+              </a:rPr>
+              <a:t>    </a:t>
+            </a:r>
+            <a:r>
+              <a:rPr sz="1200" dirty="0" err="1">
+                <a:latin typeface="Consolas"/>
+              </a:rPr>
+              <a:t>distribution_number</a:t>
+            </a:r>
+            <a:r>
+              <a:rPr sz="1200" dirty="0">
+                <a:latin typeface="Consolas"/>
+              </a:rPr>
+              <a:t> = </a:t>
+            </a:r>
+            <a:r>
+              <a:rPr sz="1200" dirty="0" err="1">
+                <a:latin typeface="Consolas"/>
+              </a:rPr>
+              <a:t>models.CharField</a:t>
+            </a:r>
+            <a:r>
+              <a:rPr sz="1200" dirty="0">
+                <a:latin typeface="Consolas"/>
+              </a:rPr>
+              <a:t>(</a:t>
+            </a:r>
+            <a:r>
+              <a:rPr sz="1200" dirty="0" err="1">
+                <a:latin typeface="Consolas"/>
+              </a:rPr>
+              <a:t>max_length</a:t>
+            </a:r>
+            <a:r>
+              <a:rPr sz="1200" dirty="0">
+                <a:latin typeface="Consolas"/>
+              </a:rPr>
+              <a:t>=50, unique=True)</a:t>
+            </a:r>
+            <a:br>
+              <a:rPr sz="4400" dirty="0"/>
+            </a:br>
+            <a:r>
+              <a:rPr sz="1200" dirty="0">
+                <a:latin typeface="Consolas"/>
+              </a:rPr>
+              <a:t>    status = </a:t>
+            </a:r>
+            <a:r>
+              <a:rPr sz="1200" dirty="0" err="1">
+                <a:latin typeface="Consolas"/>
+              </a:rPr>
+              <a:t>models.CharField</a:t>
+            </a:r>
+            <a:r>
+              <a:rPr sz="1200" dirty="0">
+                <a:latin typeface="Consolas"/>
+              </a:rPr>
+              <a:t>(</a:t>
+            </a:r>
+            <a:r>
+              <a:rPr sz="1200" dirty="0" err="1">
+                <a:latin typeface="Consolas"/>
+              </a:rPr>
+              <a:t>max_length</a:t>
+            </a:r>
+            <a:r>
+              <a:rPr sz="1200" dirty="0">
+                <a:latin typeface="Consolas"/>
+              </a:rPr>
+              <a:t>=20, default='Pending')  # Pending / Confirmed</a:t>
+            </a:r>
+            <a:br>
+              <a:rPr sz="4400" dirty="0"/>
+            </a:br>
+            <a:r>
+              <a:rPr sz="1200" dirty="0">
+                <a:latin typeface="Consolas"/>
+              </a:rPr>
+              <a:t>    </a:t>
+            </a:r>
+            <a:r>
+              <a:rPr sz="1200" dirty="0" err="1">
+                <a:latin typeface="Consolas"/>
+              </a:rPr>
+              <a:t>confirmed_at</a:t>
+            </a:r>
+            <a:r>
+              <a:rPr sz="1200" dirty="0">
+                <a:latin typeface="Consolas"/>
+              </a:rPr>
+              <a:t> = </a:t>
+            </a:r>
+            <a:r>
+              <a:rPr sz="1200" dirty="0" err="1">
+                <a:latin typeface="Consolas"/>
+              </a:rPr>
+              <a:t>models.DateTimeField</a:t>
+            </a:r>
+            <a:r>
+              <a:rPr sz="1200" dirty="0">
+                <a:latin typeface="Consolas"/>
+              </a:rPr>
+              <a:t>(null=True, blank=True)</a:t>
+            </a:r>
+            <a:br>
+              <a:rPr sz="4400" dirty="0"/>
+            </a:br>
+            <a:r>
+              <a:rPr sz="1200" dirty="0">
+                <a:latin typeface="Consolas"/>
+              </a:rPr>
+              <a:t>    </a:t>
+            </a:r>
+            <a:r>
+              <a:rPr sz="1200" dirty="0" err="1">
+                <a:latin typeface="Consolas"/>
+              </a:rPr>
+              <a:t>created_at</a:t>
+            </a:r>
+            <a:r>
+              <a:rPr sz="1200" dirty="0">
+                <a:latin typeface="Consolas"/>
+              </a:rPr>
+              <a:t> = </a:t>
+            </a:r>
+            <a:r>
+              <a:rPr sz="1200" dirty="0" err="1">
+                <a:latin typeface="Consolas"/>
+              </a:rPr>
+              <a:t>models.DateTimeField</a:t>
+            </a:r>
+            <a:r>
+              <a:rPr sz="1200" dirty="0">
+                <a:latin typeface="Consolas"/>
+              </a:rPr>
+              <a:t>(</a:t>
+            </a:r>
+            <a:r>
+              <a:rPr sz="1200" dirty="0" err="1">
+                <a:latin typeface="Consolas"/>
+              </a:rPr>
+              <a:t>auto_now_add</a:t>
+            </a:r>
+            <a:r>
+              <a:rPr sz="1200" dirty="0">
+                <a:latin typeface="Consolas"/>
+              </a:rPr>
+              <a:t>=True)</a:t>
+            </a:r>
+            <a:br>
+              <a:rPr sz="4400" dirty="0"/>
+            </a:br>
+            <a:br>
+              <a:rPr sz="4400" dirty="0"/>
+            </a:br>
+            <a:r>
+              <a:rPr sz="1200" dirty="0">
+                <a:latin typeface="Consolas"/>
+              </a:rPr>
               <a:t>class </a:t>
             </a:r>
             <a:r>
-              <a:rPr sz="2400" dirty="0" err="1"/>
-              <a:t>APILoggingMiddleware</a:t>
-            </a:r>
-            <a:r>
-              <a:rPr sz="2400" dirty="0"/>
-              <a:t>:</a:t>
-            </a:r>
-            <a:br>
-              <a:rPr sz="2400" dirty="0"/>
-            </a:br>
-            <a:r>
-              <a:rPr sz="2400" dirty="0"/>
-              <a:t>    def __call__(self, request):</a:t>
-            </a:r>
-            <a:br>
-              <a:rPr sz="2400" dirty="0"/>
-            </a:br>
-            <a:r>
-              <a:rPr sz="2400" dirty="0"/>
-              <a:t>        # log method, path, user, duration, IP</a:t>
+              <a:rPr sz="1200" dirty="0" err="1">
+                <a:latin typeface="Consolas"/>
+              </a:rPr>
+              <a:t>DistributionItem</a:t>
+            </a:r>
+            <a:r>
+              <a:rPr sz="1200" dirty="0">
+                <a:latin typeface="Consolas"/>
+              </a:rPr>
+              <a:t>(</a:t>
+            </a:r>
+            <a:r>
+              <a:rPr sz="1200" dirty="0" err="1">
+                <a:latin typeface="Consolas"/>
+              </a:rPr>
+              <a:t>models.Model</a:t>
+            </a:r>
+            <a:r>
+              <a:rPr sz="1200" dirty="0">
+                <a:latin typeface="Consolas"/>
+              </a:rPr>
+              <a:t>):</a:t>
+            </a:r>
+            <a:br>
+              <a:rPr sz="4400" dirty="0"/>
+            </a:br>
+            <a:r>
+              <a:rPr sz="1200" dirty="0">
+                <a:latin typeface="Consolas"/>
+              </a:rPr>
+              <a:t>    distribution = </a:t>
+            </a:r>
+            <a:r>
+              <a:rPr sz="1200" dirty="0" err="1">
+                <a:latin typeface="Consolas"/>
+              </a:rPr>
+              <a:t>models.ForeignKey</a:t>
+            </a:r>
+            <a:r>
+              <a:rPr sz="1200" dirty="0">
+                <a:latin typeface="Consolas"/>
+              </a:rPr>
+              <a:t>(Distribution, </a:t>
+            </a:r>
+            <a:r>
+              <a:rPr sz="1200" dirty="0" err="1">
+                <a:latin typeface="Consolas"/>
+              </a:rPr>
+              <a:t>on_delete</a:t>
+            </a:r>
+            <a:r>
+              <a:rPr sz="1200" dirty="0">
+                <a:latin typeface="Consolas"/>
+              </a:rPr>
+              <a:t>=</a:t>
+            </a:r>
+            <a:r>
+              <a:rPr sz="1200" dirty="0" err="1">
+                <a:latin typeface="Consolas"/>
+              </a:rPr>
+              <a:t>models.CASCADE</a:t>
+            </a:r>
+            <a:r>
+              <a:rPr sz="1200" dirty="0">
+                <a:latin typeface="Consolas"/>
+              </a:rPr>
+              <a:t>, </a:t>
+            </a:r>
+            <a:r>
+              <a:rPr sz="1200" dirty="0" err="1">
+                <a:latin typeface="Consolas"/>
+              </a:rPr>
+              <a:t>related_name</a:t>
+            </a:r>
+            <a:r>
+              <a:rPr sz="1200" dirty="0">
+                <a:latin typeface="Consolas"/>
+              </a:rPr>
+              <a:t>='items')</a:t>
+            </a:r>
+            <a:br>
+              <a:rPr sz="4400" dirty="0"/>
+            </a:br>
+            <a:r>
+              <a:rPr sz="1200" dirty="0">
+                <a:latin typeface="Consolas"/>
+              </a:rPr>
+              <a:t>    depot = </a:t>
+            </a:r>
+            <a:r>
+              <a:rPr sz="1200" dirty="0" err="1">
+                <a:latin typeface="Consolas"/>
+              </a:rPr>
+              <a:t>models.ForeignKey</a:t>
+            </a:r>
+            <a:r>
+              <a:rPr sz="1200" dirty="0">
+                <a:latin typeface="Consolas"/>
+              </a:rPr>
+              <a:t>('</a:t>
+            </a:r>
+            <a:r>
+              <a:rPr sz="1200" dirty="0" err="1">
+                <a:latin typeface="Consolas"/>
+              </a:rPr>
+              <a:t>depots.Depot</a:t>
+            </a:r>
+            <a:r>
+              <a:rPr sz="1200" dirty="0">
+                <a:latin typeface="Consolas"/>
+              </a:rPr>
+              <a:t>', </a:t>
+            </a:r>
+            <a:r>
+              <a:rPr sz="1200" dirty="0" err="1">
+                <a:latin typeface="Consolas"/>
+              </a:rPr>
+              <a:t>on_delete</a:t>
+            </a:r>
+            <a:r>
+              <a:rPr sz="1200" dirty="0">
+                <a:latin typeface="Consolas"/>
+              </a:rPr>
+              <a:t>=</a:t>
+            </a:r>
+            <a:r>
+              <a:rPr sz="1200" dirty="0" err="1">
+                <a:latin typeface="Consolas"/>
+              </a:rPr>
+              <a:t>models.PROTECT</a:t>
+            </a:r>
+            <a:r>
+              <a:rPr sz="1200" dirty="0">
+                <a:latin typeface="Consolas"/>
+              </a:rPr>
+              <a:t>)</a:t>
+            </a:r>
+            <a:br>
+              <a:rPr sz="4400" dirty="0"/>
+            </a:br>
+            <a:r>
+              <a:rPr sz="1200" dirty="0">
+                <a:latin typeface="Consolas"/>
+              </a:rPr>
+              <a:t>    equipment = </a:t>
+            </a:r>
+            <a:r>
+              <a:rPr sz="1200" dirty="0" err="1">
+                <a:latin typeface="Consolas"/>
+              </a:rPr>
+              <a:t>models.ForeignKey</a:t>
+            </a:r>
+            <a:r>
+              <a:rPr sz="1200" dirty="0">
+                <a:latin typeface="Consolas"/>
+              </a:rPr>
+              <a:t>('</a:t>
+            </a:r>
+            <a:r>
+              <a:rPr sz="1200" dirty="0" err="1">
+                <a:latin typeface="Consolas"/>
+              </a:rPr>
+              <a:t>equipment.Equipment</a:t>
+            </a:r>
+            <a:r>
+              <a:rPr sz="1200" dirty="0">
+                <a:latin typeface="Consolas"/>
+              </a:rPr>
+              <a:t>', </a:t>
+            </a:r>
+            <a:r>
+              <a:rPr sz="1200" dirty="0" err="1">
+                <a:latin typeface="Consolas"/>
+              </a:rPr>
+              <a:t>on_delete</a:t>
+            </a:r>
+            <a:r>
+              <a:rPr sz="1200" dirty="0">
+                <a:latin typeface="Consolas"/>
+              </a:rPr>
+              <a:t>=</a:t>
+            </a:r>
+            <a:r>
+              <a:rPr sz="1200" dirty="0" err="1">
+                <a:latin typeface="Consolas"/>
+              </a:rPr>
+              <a:t>models.PROTECT</a:t>
+            </a:r>
+            <a:r>
+              <a:rPr sz="1200" dirty="0">
+                <a:latin typeface="Consolas"/>
+              </a:rPr>
+              <a:t>)</a:t>
+            </a:r>
+            <a:br>
+              <a:rPr sz="4400" dirty="0"/>
+            </a:br>
+            <a:r>
+              <a:rPr sz="1200" dirty="0">
+                <a:latin typeface="Consolas"/>
+              </a:rPr>
+              <a:t>    quantity = </a:t>
+            </a:r>
+            <a:r>
+              <a:rPr sz="1200" dirty="0" err="1">
+                <a:latin typeface="Consolas"/>
+              </a:rPr>
+              <a:t>models.PositiveIntegerField</a:t>
+            </a:r>
+            <a:r>
+              <a:rPr sz="1200" dirty="0">
+                <a:latin typeface="Consolas"/>
+              </a:rPr>
+              <a:t>()</a:t>
+            </a:r>
+            <a:br>
+              <a:rPr sz="4400" dirty="0"/>
+            </a:br>
+            <a:r>
+              <a:rPr sz="1200" dirty="0">
+                <a:latin typeface="Consolas"/>
+              </a:rPr>
+              <a:t>    </a:t>
+            </a:r>
+            <a:r>
+              <a:rPr sz="1200" dirty="0" err="1">
+                <a:latin typeface="Consolas"/>
+              </a:rPr>
+              <a:t>movement_type</a:t>
+            </a:r>
+            <a:r>
+              <a:rPr sz="1200" dirty="0">
+                <a:latin typeface="Consolas"/>
+              </a:rPr>
+              <a:t> = </a:t>
+            </a:r>
+            <a:r>
+              <a:rPr sz="1200" dirty="0" err="1">
+                <a:latin typeface="Consolas"/>
+              </a:rPr>
+              <a:t>models.CharField</a:t>
+            </a:r>
+            <a:r>
+              <a:rPr sz="1200" dirty="0">
+                <a:latin typeface="Consolas"/>
+              </a:rPr>
+              <a:t>(</a:t>
+            </a:r>
+            <a:r>
+              <a:rPr sz="1200" dirty="0" err="1">
+                <a:latin typeface="Consolas"/>
+              </a:rPr>
+              <a:t>max_length</a:t>
+            </a:r>
+            <a:r>
+              <a:rPr sz="1200" dirty="0">
+                <a:latin typeface="Consolas"/>
+              </a:rPr>
+              <a:t>=20)  # 'Collection', 'Empty Return'</a:t>
             </a:r>
           </a:p>
         </p:txBody>
@@ -4199,7 +4857,7 @@
           <a:lstStyle/>
           <a:p>
             <a:r>
-              <a:t>Key Takeaways &amp; Sprint Focus</a:t>
+              <a:t>Customer Model</a:t>
             </a:r>
           </a:p>
         </p:txBody>
@@ -4215,35 +4873,232 @@
           </p:nvPr>
         </p:nvSpPr>
         <p:spPr/>
-        <p:txBody>
-          <a:bodyPr/>
+        <p:style>
+          <a:lnRef idx="2">
+            <a:schemeClr val="dk1"/>
+          </a:lnRef>
+          <a:fillRef idx="1">
+            <a:schemeClr val="lt1"/>
+          </a:fillRef>
+          <a:effectRef idx="0">
+            <a:schemeClr val="dk1"/>
+          </a:effectRef>
+          <a:fontRef idx="minor">
+            <a:schemeClr val="dk1"/>
+          </a:fontRef>
+        </p:style>
+        <p:txBody>
+          <a:bodyPr>
+            <a:normAutofit/>
+          </a:bodyPr>
           <a:lstStyle/>
           <a:p>
-            <a:endParaRPr/>
-          </a:p>
-          <a:p>
-            <a:r>
-              <a:t>Prioritize: Distribution → Inventory → basic Transaction</a:t>
-            </a:r>
-          </a:p>
-          <a:p>
-            <a:r>
-              <a:t>Defer: PDF generation, email, QuickBooks</a:t>
-            </a:r>
-          </a:p>
-          <a:p>
-            <a:r>
-              <a:t>Atomic + audit on every critical path</a:t>
-            </a:r>
-          </a:p>
-          <a:p>
-            <a:r>
-              <a:t>Test: concurrent confirms, offline sync replay</a:t>
-            </a:r>
-          </a:p>
-          <a:p>
-            <a:r>
-              <a:t>Thin views → thick services</a:t>
+            <a:pPr marL="0" indent="0">
+              <a:buNone/>
+            </a:pPr>
+            <a:endParaRPr sz="4800" dirty="0"/>
+          </a:p>
+          <a:p>
+            <a:pPr marL="0" indent="0">
+              <a:buNone/>
+            </a:pPr>
+            <a:r>
+              <a:rPr sz="1400" dirty="0">
+                <a:latin typeface="Consolas"/>
+              </a:rPr>
+              <a:t>class Customer(</a:t>
+            </a:r>
+            <a:r>
+              <a:rPr sz="1400" dirty="0" err="1">
+                <a:latin typeface="Consolas"/>
+              </a:rPr>
+              <a:t>models.Model</a:t>
+            </a:r>
+            <a:r>
+              <a:rPr sz="1400" dirty="0">
+                <a:latin typeface="Consolas"/>
+              </a:rPr>
+              <a:t>):</a:t>
+            </a:r>
+            <a:br>
+              <a:rPr sz="4800" dirty="0"/>
+            </a:br>
+            <a:r>
+              <a:rPr sz="1400" dirty="0">
+                <a:latin typeface="Consolas"/>
+              </a:rPr>
+              <a:t>    name = </a:t>
+            </a:r>
+            <a:r>
+              <a:rPr sz="1400" dirty="0" err="1">
+                <a:latin typeface="Consolas"/>
+              </a:rPr>
+              <a:t>models.CharField</a:t>
+            </a:r>
+            <a:r>
+              <a:rPr sz="1400" dirty="0">
+                <a:latin typeface="Consolas"/>
+              </a:rPr>
+              <a:t>(</a:t>
+            </a:r>
+            <a:r>
+              <a:rPr sz="1400" dirty="0" err="1">
+                <a:latin typeface="Consolas"/>
+              </a:rPr>
+              <a:t>max_length</a:t>
+            </a:r>
+            <a:r>
+              <a:rPr sz="1400" dirty="0">
+                <a:latin typeface="Consolas"/>
+              </a:rPr>
+              <a:t>=150)</a:t>
+            </a:r>
+            <a:br>
+              <a:rPr sz="4800" dirty="0"/>
+            </a:br>
+            <a:r>
+              <a:rPr sz="1400" dirty="0">
+                <a:latin typeface="Consolas"/>
+              </a:rPr>
+              <a:t>    </a:t>
+            </a:r>
+            <a:r>
+              <a:rPr sz="1400" dirty="0" err="1">
+                <a:latin typeface="Consolas"/>
+              </a:rPr>
+              <a:t>customer_code</a:t>
+            </a:r>
+            <a:r>
+              <a:rPr sz="1400" dirty="0">
+                <a:latin typeface="Consolas"/>
+              </a:rPr>
+              <a:t> = </a:t>
+            </a:r>
+            <a:r>
+              <a:rPr sz="1400" dirty="0" err="1">
+                <a:latin typeface="Consolas"/>
+              </a:rPr>
+              <a:t>models.CharField</a:t>
+            </a:r>
+            <a:r>
+              <a:rPr sz="1400" dirty="0">
+                <a:latin typeface="Consolas"/>
+              </a:rPr>
+              <a:t>(</a:t>
+            </a:r>
+            <a:r>
+              <a:rPr sz="1400" dirty="0" err="1">
+                <a:latin typeface="Consolas"/>
+              </a:rPr>
+              <a:t>max_length</a:t>
+            </a:r>
+            <a:r>
+              <a:rPr sz="1400" dirty="0">
+                <a:latin typeface="Consolas"/>
+              </a:rPr>
+              <a:t>=50, unique=True)</a:t>
+            </a:r>
+            <a:br>
+              <a:rPr sz="4800" dirty="0"/>
+            </a:br>
+            <a:r>
+              <a:rPr sz="1400" dirty="0">
+                <a:latin typeface="Consolas"/>
+              </a:rPr>
+              <a:t>    </a:t>
+            </a:r>
+            <a:r>
+              <a:rPr sz="1400" dirty="0" err="1">
+                <a:latin typeface="Consolas"/>
+              </a:rPr>
+              <a:t>payment_type</a:t>
+            </a:r>
+            <a:r>
+              <a:rPr sz="1400" dirty="0">
+                <a:latin typeface="Consolas"/>
+              </a:rPr>
+              <a:t> = </a:t>
+            </a:r>
+            <a:r>
+              <a:rPr sz="1400" dirty="0" err="1">
+                <a:latin typeface="Consolas"/>
+              </a:rPr>
+              <a:t>models.CharField</a:t>
+            </a:r>
+            <a:r>
+              <a:rPr sz="1400" dirty="0">
+                <a:latin typeface="Consolas"/>
+              </a:rPr>
+              <a:t>(</a:t>
+            </a:r>
+            <a:r>
+              <a:rPr sz="1400" dirty="0" err="1">
+                <a:latin typeface="Consolas"/>
+              </a:rPr>
+              <a:t>max_length</a:t>
+            </a:r>
+            <a:r>
+              <a:rPr sz="1400" dirty="0">
+                <a:latin typeface="Consolas"/>
+              </a:rPr>
+              <a:t>=20)  # 'Monthly', 'Cash'</a:t>
+            </a:r>
+            <a:br>
+              <a:rPr sz="4800" dirty="0"/>
+            </a:br>
+            <a:r>
+              <a:rPr sz="1400" dirty="0">
+                <a:latin typeface="Consolas"/>
+              </a:rPr>
+              <a:t>    </a:t>
+            </a:r>
+            <a:r>
+              <a:rPr sz="1400" dirty="0" err="1">
+                <a:latin typeface="Consolas"/>
+              </a:rPr>
+              <a:t>meter_rate</a:t>
+            </a:r>
+            <a:r>
+              <a:rPr sz="1400" dirty="0">
+                <a:latin typeface="Consolas"/>
+              </a:rPr>
+              <a:t> = </a:t>
+            </a:r>
+            <a:r>
+              <a:rPr sz="1400" dirty="0" err="1">
+                <a:latin typeface="Consolas"/>
+              </a:rPr>
+              <a:t>models.DecimalField</a:t>
+            </a:r>
+            <a:r>
+              <a:rPr sz="1400" dirty="0">
+                <a:latin typeface="Consolas"/>
+              </a:rPr>
+              <a:t>(</a:t>
+            </a:r>
+            <a:r>
+              <a:rPr sz="1400" dirty="0" err="1">
+                <a:latin typeface="Consolas"/>
+              </a:rPr>
+              <a:t>max_digits</a:t>
+            </a:r>
+            <a:r>
+              <a:rPr sz="1400" dirty="0">
+                <a:latin typeface="Consolas"/>
+              </a:rPr>
+              <a:t>=10, </a:t>
+            </a:r>
+            <a:r>
+              <a:rPr sz="1400" dirty="0" err="1">
+                <a:latin typeface="Consolas"/>
+              </a:rPr>
+              <a:t>decimal_places</a:t>
+            </a:r>
+            <a:r>
+              <a:rPr sz="1400" dirty="0">
+                <a:latin typeface="Consolas"/>
+              </a:rPr>
+              <a:t>=2, default=0)</a:t>
             </a:r>
           </a:p>
         </p:txBody>
@@ -4280,7 +5135,7 @@
             <a:spLocks noGrp="1"/>
           </p:cNvSpPr>
           <p:nvPr>
-            <p:ph type="ctrTitle"/>
+            <p:ph type="title"/>
           </p:nvPr>
         </p:nvSpPr>
         <p:spPr/>
@@ -4289,19 +5144,806 @@
           <a:lstStyle/>
           <a:p>
             <a:r>
-              <a:t>Thank You</a:t>
-            </a:r>
-          </a:p>
-        </p:txBody>
-      </p:sp>
-      <p:sp>
-        <p:nvSpPr>
-          <p:cNvPr id="3" name="Subtitle 2"/>
-          <p:cNvSpPr>
-            <a:spLocks noGrp="1"/>
-          </p:cNvSpPr>
-          <p:nvPr>
-            <p:ph type="subTitle" idx="1"/>
+              <a:t>Transaction Models</a:t>
+            </a:r>
+          </a:p>
+        </p:txBody>
+      </p:sp>
+      <p:sp>
+        <p:nvSpPr>
+          <p:cNvPr id="3" name="Content Placeholder 2"/>
+          <p:cNvSpPr>
+            <a:spLocks noGrp="1"/>
+          </p:cNvSpPr>
+          <p:nvPr>
+            <p:ph idx="1"/>
+          </p:nvPr>
+        </p:nvSpPr>
+        <p:spPr>
+          <a:xfrm>
+            <a:off x="272143" y="1600201"/>
+            <a:ext cx="8675914" cy="4267200"/>
+          </a:xfrm>
+        </p:spPr>
+        <p:style>
+          <a:lnRef idx="2">
+            <a:schemeClr val="dk1"/>
+          </a:lnRef>
+          <a:fillRef idx="1">
+            <a:schemeClr val="lt1"/>
+          </a:fillRef>
+          <a:effectRef idx="0">
+            <a:schemeClr val="dk1"/>
+          </a:effectRef>
+          <a:fontRef idx="minor">
+            <a:schemeClr val="dk1"/>
+          </a:fontRef>
+        </p:style>
+        <p:txBody>
+          <a:bodyPr>
+            <a:normAutofit/>
+          </a:bodyPr>
+          <a:lstStyle/>
+          <a:p>
+            <a:pPr marL="0" indent="0">
+              <a:buNone/>
+            </a:pPr>
+            <a:r>
+              <a:rPr sz="1200" dirty="0">
+                <a:latin typeface="Consolas"/>
+              </a:rPr>
+              <a:t>class Transaction(</a:t>
+            </a:r>
+            <a:r>
+              <a:rPr sz="1200" dirty="0" err="1">
+                <a:latin typeface="Consolas"/>
+              </a:rPr>
+              <a:t>models.Model</a:t>
+            </a:r>
+            <a:r>
+              <a:rPr sz="1200" dirty="0">
+                <a:latin typeface="Consolas"/>
+              </a:rPr>
+              <a:t>):</a:t>
+            </a:r>
+            <a:br>
+              <a:rPr sz="4400" dirty="0"/>
+            </a:br>
+            <a:r>
+              <a:rPr sz="1200" dirty="0">
+                <a:latin typeface="Consolas"/>
+              </a:rPr>
+              <a:t>    user = </a:t>
+            </a:r>
+            <a:r>
+              <a:rPr sz="1200" dirty="0" err="1">
+                <a:latin typeface="Consolas"/>
+              </a:rPr>
+              <a:t>models.ForeignKey</a:t>
+            </a:r>
+            <a:r>
+              <a:rPr sz="1200" dirty="0">
+                <a:latin typeface="Consolas"/>
+              </a:rPr>
+              <a:t>('</a:t>
+            </a:r>
+            <a:r>
+              <a:rPr sz="1200" dirty="0" err="1">
+                <a:latin typeface="Consolas"/>
+              </a:rPr>
+              <a:t>accounts.User</a:t>
+            </a:r>
+            <a:r>
+              <a:rPr sz="1200" dirty="0">
+                <a:latin typeface="Consolas"/>
+              </a:rPr>
+              <a:t>', </a:t>
+            </a:r>
+            <a:r>
+              <a:rPr sz="1200" dirty="0" err="1">
+                <a:latin typeface="Consolas"/>
+              </a:rPr>
+              <a:t>on_delete</a:t>
+            </a:r>
+            <a:r>
+              <a:rPr sz="1200" dirty="0">
+                <a:latin typeface="Consolas"/>
+              </a:rPr>
+              <a:t>=</a:t>
+            </a:r>
+            <a:r>
+              <a:rPr sz="1200" dirty="0" err="1">
+                <a:latin typeface="Consolas"/>
+              </a:rPr>
+              <a:t>models.SET_NULL</a:t>
+            </a:r>
+            <a:r>
+              <a:rPr sz="1200" dirty="0">
+                <a:latin typeface="Consolas"/>
+              </a:rPr>
+              <a:t>, null=True)</a:t>
+            </a:r>
+            <a:br>
+              <a:rPr sz="4400" dirty="0"/>
+            </a:br>
+            <a:r>
+              <a:rPr sz="1200" dirty="0">
+                <a:latin typeface="Consolas"/>
+              </a:rPr>
+              <a:t>    customer = </a:t>
+            </a:r>
+            <a:r>
+              <a:rPr sz="1200" dirty="0" err="1">
+                <a:latin typeface="Consolas"/>
+              </a:rPr>
+              <a:t>models.ForeignKey</a:t>
+            </a:r>
+            <a:r>
+              <a:rPr sz="1200" dirty="0">
+                <a:latin typeface="Consolas"/>
+              </a:rPr>
+              <a:t>('</a:t>
+            </a:r>
+            <a:r>
+              <a:rPr sz="1200" dirty="0" err="1">
+                <a:latin typeface="Consolas"/>
+              </a:rPr>
+              <a:t>customers.Customer</a:t>
+            </a:r>
+            <a:r>
+              <a:rPr sz="1200" dirty="0">
+                <a:latin typeface="Consolas"/>
+              </a:rPr>
+              <a:t>', </a:t>
+            </a:r>
+            <a:r>
+              <a:rPr sz="1200" dirty="0" err="1">
+                <a:latin typeface="Consolas"/>
+              </a:rPr>
+              <a:t>on_delete</a:t>
+            </a:r>
+            <a:r>
+              <a:rPr sz="1200" dirty="0">
+                <a:latin typeface="Consolas"/>
+              </a:rPr>
+              <a:t>=</a:t>
+            </a:r>
+            <a:r>
+              <a:rPr sz="1200" dirty="0" err="1">
+                <a:latin typeface="Consolas"/>
+              </a:rPr>
+              <a:t>models.PROTECT</a:t>
+            </a:r>
+            <a:r>
+              <a:rPr sz="1200" dirty="0">
+                <a:latin typeface="Consolas"/>
+              </a:rPr>
+              <a:t>)</a:t>
+            </a:r>
+            <a:br>
+              <a:rPr sz="4400" dirty="0"/>
+            </a:br>
+            <a:r>
+              <a:rPr sz="1200" dirty="0">
+                <a:latin typeface="Consolas"/>
+              </a:rPr>
+              <a:t>    </a:t>
+            </a:r>
+            <a:r>
+              <a:rPr sz="1200" dirty="0" err="1">
+                <a:latin typeface="Consolas"/>
+              </a:rPr>
+              <a:t>transaction_number</a:t>
+            </a:r>
+            <a:r>
+              <a:rPr sz="1200" dirty="0">
+                <a:latin typeface="Consolas"/>
+              </a:rPr>
+              <a:t> = </a:t>
+            </a:r>
+            <a:r>
+              <a:rPr sz="1200" dirty="0" err="1">
+                <a:latin typeface="Consolas"/>
+              </a:rPr>
+              <a:t>models.CharField</a:t>
+            </a:r>
+            <a:r>
+              <a:rPr sz="1200" dirty="0">
+                <a:latin typeface="Consolas"/>
+              </a:rPr>
+              <a:t>(</a:t>
+            </a:r>
+            <a:r>
+              <a:rPr sz="1200" dirty="0" err="1">
+                <a:latin typeface="Consolas"/>
+              </a:rPr>
+              <a:t>max_length</a:t>
+            </a:r>
+            <a:r>
+              <a:rPr sz="1200" dirty="0">
+                <a:latin typeface="Consolas"/>
+              </a:rPr>
+              <a:t>=50, unique=True)</a:t>
+            </a:r>
+            <a:br>
+              <a:rPr sz="4400" dirty="0"/>
+            </a:br>
+            <a:r>
+              <a:rPr sz="1200" dirty="0">
+                <a:latin typeface="Consolas"/>
+              </a:rPr>
+              <a:t>    status = </a:t>
+            </a:r>
+            <a:r>
+              <a:rPr sz="1200" dirty="0" err="1">
+                <a:latin typeface="Consolas"/>
+              </a:rPr>
+              <a:t>models.CharField</a:t>
+            </a:r>
+            <a:r>
+              <a:rPr sz="1200" dirty="0">
+                <a:latin typeface="Consolas"/>
+              </a:rPr>
+              <a:t>(</a:t>
+            </a:r>
+            <a:r>
+              <a:rPr sz="1200" dirty="0" err="1">
+                <a:latin typeface="Consolas"/>
+              </a:rPr>
+              <a:t>max_length</a:t>
+            </a:r>
+            <a:r>
+              <a:rPr sz="1200" dirty="0">
+                <a:latin typeface="Consolas"/>
+              </a:rPr>
+              <a:t>=20, default='Pending')</a:t>
+            </a:r>
+            <a:br>
+              <a:rPr sz="4400" dirty="0"/>
+            </a:br>
+            <a:r>
+              <a:rPr sz="1200" dirty="0">
+                <a:latin typeface="Consolas"/>
+              </a:rPr>
+              <a:t>    </a:t>
+            </a:r>
+            <a:r>
+              <a:rPr sz="1200" dirty="0" err="1">
+                <a:latin typeface="Consolas"/>
+              </a:rPr>
+              <a:t>last_meter_reading</a:t>
+            </a:r>
+            <a:r>
+              <a:rPr sz="1200" dirty="0">
+                <a:latin typeface="Consolas"/>
+              </a:rPr>
+              <a:t> = </a:t>
+            </a:r>
+            <a:r>
+              <a:rPr sz="1200" dirty="0" err="1">
+                <a:latin typeface="Consolas"/>
+              </a:rPr>
+              <a:t>models.DecimalField</a:t>
+            </a:r>
+            <a:r>
+              <a:rPr sz="1200" dirty="0">
+                <a:latin typeface="Consolas"/>
+              </a:rPr>
+              <a:t>(</a:t>
+            </a:r>
+            <a:r>
+              <a:rPr sz="1200" dirty="0" err="1">
+                <a:latin typeface="Consolas"/>
+              </a:rPr>
+              <a:t>max_digits</a:t>
+            </a:r>
+            <a:r>
+              <a:rPr sz="1200" dirty="0">
+                <a:latin typeface="Consolas"/>
+              </a:rPr>
+              <a:t>=12, </a:t>
+            </a:r>
+            <a:r>
+              <a:rPr sz="1200" dirty="0" err="1">
+                <a:latin typeface="Consolas"/>
+              </a:rPr>
+              <a:t>decimal_places</a:t>
+            </a:r>
+            <a:r>
+              <a:rPr sz="1200" dirty="0">
+                <a:latin typeface="Consolas"/>
+              </a:rPr>
+              <a:t>=2)</a:t>
+            </a:r>
+            <a:br>
+              <a:rPr sz="4400" dirty="0"/>
+            </a:br>
+            <a:r>
+              <a:rPr sz="1200" dirty="0">
+                <a:latin typeface="Consolas"/>
+              </a:rPr>
+              <a:t>    </a:t>
+            </a:r>
+            <a:r>
+              <a:rPr sz="1200" dirty="0" err="1">
+                <a:latin typeface="Consolas"/>
+              </a:rPr>
+              <a:t>current_meter_reading</a:t>
+            </a:r>
+            <a:r>
+              <a:rPr sz="1200" dirty="0">
+                <a:latin typeface="Consolas"/>
+              </a:rPr>
+              <a:t> = </a:t>
+            </a:r>
+            <a:r>
+              <a:rPr sz="1200" dirty="0" err="1">
+                <a:latin typeface="Consolas"/>
+              </a:rPr>
+              <a:t>models.DecimalField</a:t>
+            </a:r>
+            <a:r>
+              <a:rPr sz="1200" dirty="0">
+                <a:latin typeface="Consolas"/>
+              </a:rPr>
+              <a:t>(</a:t>
+            </a:r>
+            <a:r>
+              <a:rPr sz="1200" dirty="0" err="1">
+                <a:latin typeface="Consolas"/>
+              </a:rPr>
+              <a:t>max_digits</a:t>
+            </a:r>
+            <a:r>
+              <a:rPr sz="1200" dirty="0">
+                <a:latin typeface="Consolas"/>
+              </a:rPr>
+              <a:t>=12, </a:t>
+            </a:r>
+            <a:r>
+              <a:rPr sz="1200" dirty="0" err="1">
+                <a:latin typeface="Consolas"/>
+              </a:rPr>
+              <a:t>decimal_places</a:t>
+            </a:r>
+            <a:r>
+              <a:rPr sz="1200" dirty="0">
+                <a:latin typeface="Consolas"/>
+              </a:rPr>
+              <a:t>=2)</a:t>
+            </a:r>
+            <a:br>
+              <a:rPr sz="4400" dirty="0"/>
+            </a:br>
+            <a:r>
+              <a:rPr sz="1200" dirty="0">
+                <a:latin typeface="Consolas"/>
+              </a:rPr>
+              <a:t>    </a:t>
+            </a:r>
+            <a:r>
+              <a:rPr sz="1200" dirty="0" err="1">
+                <a:latin typeface="Consolas"/>
+              </a:rPr>
+              <a:t>total_amount</a:t>
+            </a:r>
+            <a:r>
+              <a:rPr sz="1200" dirty="0">
+                <a:latin typeface="Consolas"/>
+              </a:rPr>
+              <a:t> = </a:t>
+            </a:r>
+            <a:r>
+              <a:rPr sz="1200" dirty="0" err="1">
+                <a:latin typeface="Consolas"/>
+              </a:rPr>
+              <a:t>models.DecimalField</a:t>
+            </a:r>
+            <a:r>
+              <a:rPr sz="1200" dirty="0">
+                <a:latin typeface="Consolas"/>
+              </a:rPr>
+              <a:t>(</a:t>
+            </a:r>
+            <a:r>
+              <a:rPr sz="1200" dirty="0" err="1">
+                <a:latin typeface="Consolas"/>
+              </a:rPr>
+              <a:t>max_digits</a:t>
+            </a:r>
+            <a:r>
+              <a:rPr sz="1200" dirty="0">
+                <a:latin typeface="Consolas"/>
+              </a:rPr>
+              <a:t>=14, </a:t>
+            </a:r>
+            <a:r>
+              <a:rPr sz="1200" dirty="0" err="1">
+                <a:latin typeface="Consolas"/>
+              </a:rPr>
+              <a:t>decimal_places</a:t>
+            </a:r>
+            <a:r>
+              <a:rPr sz="1200" dirty="0">
+                <a:latin typeface="Consolas"/>
+              </a:rPr>
+              <a:t>=2)</a:t>
+            </a:r>
+            <a:br>
+              <a:rPr sz="4400" dirty="0"/>
+            </a:br>
+            <a:r>
+              <a:rPr sz="1200" dirty="0">
+                <a:latin typeface="Consolas"/>
+              </a:rPr>
+              <a:t>    </a:t>
+            </a:r>
+            <a:r>
+              <a:rPr sz="1200" dirty="0" err="1">
+                <a:latin typeface="Consolas"/>
+              </a:rPr>
+              <a:t>payment_received</a:t>
+            </a:r>
+            <a:r>
+              <a:rPr sz="1200" dirty="0">
+                <a:latin typeface="Consolas"/>
+              </a:rPr>
+              <a:t> = </a:t>
+            </a:r>
+            <a:r>
+              <a:rPr sz="1200" dirty="0" err="1">
+                <a:latin typeface="Consolas"/>
+              </a:rPr>
+              <a:t>models.BooleanField</a:t>
+            </a:r>
+            <a:r>
+              <a:rPr sz="1200" dirty="0">
+                <a:latin typeface="Consolas"/>
+              </a:rPr>
+              <a:t>(default=False)</a:t>
+            </a:r>
+            <a:br>
+              <a:rPr sz="4400" dirty="0"/>
+            </a:br>
+            <a:r>
+              <a:rPr sz="1200" dirty="0">
+                <a:latin typeface="Consolas"/>
+              </a:rPr>
+              <a:t>    </a:t>
+            </a:r>
+            <a:r>
+              <a:rPr sz="1200" dirty="0" err="1">
+                <a:latin typeface="Consolas"/>
+              </a:rPr>
+              <a:t>created_at</a:t>
+            </a:r>
+            <a:r>
+              <a:rPr sz="1200" dirty="0">
+                <a:latin typeface="Consolas"/>
+              </a:rPr>
+              <a:t> = </a:t>
+            </a:r>
+            <a:r>
+              <a:rPr sz="1200" dirty="0" err="1">
+                <a:latin typeface="Consolas"/>
+              </a:rPr>
+              <a:t>models.DateTimeField</a:t>
+            </a:r>
+            <a:r>
+              <a:rPr sz="1200" dirty="0">
+                <a:latin typeface="Consolas"/>
+              </a:rPr>
+              <a:t>(</a:t>
+            </a:r>
+            <a:r>
+              <a:rPr sz="1200" dirty="0" err="1">
+                <a:latin typeface="Consolas"/>
+              </a:rPr>
+              <a:t>auto_now_add</a:t>
+            </a:r>
+            <a:r>
+              <a:rPr sz="1200" dirty="0">
+                <a:latin typeface="Consolas"/>
+              </a:rPr>
+              <a:t>=True)</a:t>
+            </a:r>
+            <a:br>
+              <a:rPr sz="4400" dirty="0"/>
+            </a:br>
+            <a:br>
+              <a:rPr sz="4400" dirty="0"/>
+            </a:br>
+            <a:r>
+              <a:rPr sz="1200" dirty="0">
+                <a:latin typeface="Consolas"/>
+              </a:rPr>
+              <a:t>class </a:t>
+            </a:r>
+            <a:r>
+              <a:rPr sz="1200" dirty="0" err="1">
+                <a:latin typeface="Consolas"/>
+              </a:rPr>
+              <a:t>TransactionItem</a:t>
+            </a:r>
+            <a:r>
+              <a:rPr sz="1200" dirty="0">
+                <a:latin typeface="Consolas"/>
+              </a:rPr>
+              <a:t>(</a:t>
+            </a:r>
+            <a:r>
+              <a:rPr sz="1200" dirty="0" err="1">
+                <a:latin typeface="Consolas"/>
+              </a:rPr>
+              <a:t>models.Model</a:t>
+            </a:r>
+            <a:r>
+              <a:rPr sz="1200" dirty="0">
+                <a:latin typeface="Consolas"/>
+              </a:rPr>
+              <a:t>):</a:t>
+            </a:r>
+            <a:br>
+              <a:rPr sz="4400" dirty="0"/>
+            </a:br>
+            <a:r>
+              <a:rPr sz="1200" dirty="0">
+                <a:latin typeface="Consolas"/>
+              </a:rPr>
+              <a:t>    transaction = </a:t>
+            </a:r>
+            <a:r>
+              <a:rPr sz="1200" dirty="0" err="1">
+                <a:latin typeface="Consolas"/>
+              </a:rPr>
+              <a:t>models.ForeignKey</a:t>
+            </a:r>
+            <a:r>
+              <a:rPr sz="1200" dirty="0">
+                <a:latin typeface="Consolas"/>
+              </a:rPr>
+              <a:t>(Transaction, </a:t>
+            </a:r>
+            <a:r>
+              <a:rPr sz="1200" dirty="0" err="1">
+                <a:latin typeface="Consolas"/>
+              </a:rPr>
+              <a:t>on_delete</a:t>
+            </a:r>
+            <a:r>
+              <a:rPr sz="1200" dirty="0">
+                <a:latin typeface="Consolas"/>
+              </a:rPr>
+              <a:t>=</a:t>
+            </a:r>
+            <a:r>
+              <a:rPr sz="1200" dirty="0" err="1">
+                <a:latin typeface="Consolas"/>
+              </a:rPr>
+              <a:t>models.CASCADE</a:t>
+            </a:r>
+            <a:r>
+              <a:rPr sz="1200" dirty="0">
+                <a:latin typeface="Consolas"/>
+              </a:rPr>
+              <a:t>, </a:t>
+            </a:r>
+            <a:r>
+              <a:rPr sz="1200" dirty="0" err="1">
+                <a:latin typeface="Consolas"/>
+              </a:rPr>
+              <a:t>related_name</a:t>
+            </a:r>
+            <a:r>
+              <a:rPr sz="1200" dirty="0">
+                <a:latin typeface="Consolas"/>
+              </a:rPr>
+              <a:t>='items')</a:t>
+            </a:r>
+            <a:br>
+              <a:rPr sz="4400" dirty="0"/>
+            </a:br>
+            <a:r>
+              <a:rPr sz="1200" dirty="0">
+                <a:latin typeface="Consolas"/>
+              </a:rPr>
+              <a:t>    equipment = </a:t>
+            </a:r>
+            <a:r>
+              <a:rPr sz="1200" dirty="0" err="1">
+                <a:latin typeface="Consolas"/>
+              </a:rPr>
+              <a:t>models.ForeignKey</a:t>
+            </a:r>
+            <a:r>
+              <a:rPr sz="1200" dirty="0">
+                <a:latin typeface="Consolas"/>
+              </a:rPr>
+              <a:t>('</a:t>
+            </a:r>
+            <a:r>
+              <a:rPr sz="1200" dirty="0" err="1">
+                <a:latin typeface="Consolas"/>
+              </a:rPr>
+              <a:t>equipment.Equipment</a:t>
+            </a:r>
+            <a:r>
+              <a:rPr sz="1200" dirty="0">
+                <a:latin typeface="Consolas"/>
+              </a:rPr>
+              <a:t>', </a:t>
+            </a:r>
+            <a:r>
+              <a:rPr sz="1200" dirty="0" err="1">
+                <a:latin typeface="Consolas"/>
+              </a:rPr>
+              <a:t>on_delete</a:t>
+            </a:r>
+            <a:r>
+              <a:rPr sz="1200" dirty="0">
+                <a:latin typeface="Consolas"/>
+              </a:rPr>
+              <a:t>=</a:t>
+            </a:r>
+            <a:r>
+              <a:rPr sz="1200" dirty="0" err="1">
+                <a:latin typeface="Consolas"/>
+              </a:rPr>
+              <a:t>models.PROTECT</a:t>
+            </a:r>
+            <a:r>
+              <a:rPr sz="1200" dirty="0">
+                <a:latin typeface="Consolas"/>
+              </a:rPr>
+              <a:t>)</a:t>
+            </a:r>
+            <a:br>
+              <a:rPr sz="4400" dirty="0"/>
+            </a:br>
+            <a:r>
+              <a:rPr sz="1200" dirty="0">
+                <a:latin typeface="Consolas"/>
+              </a:rPr>
+              <a:t>    quantity = </a:t>
+            </a:r>
+            <a:r>
+              <a:rPr sz="1200" dirty="0" err="1">
+                <a:latin typeface="Consolas"/>
+              </a:rPr>
+              <a:t>models.IntegerField</a:t>
+            </a:r>
+            <a:r>
+              <a:rPr sz="1200" dirty="0">
+                <a:latin typeface="Consolas"/>
+              </a:rPr>
+              <a:t>()</a:t>
+            </a:r>
+            <a:br>
+              <a:rPr sz="4400" dirty="0"/>
+            </a:br>
+            <a:r>
+              <a:rPr sz="1200" dirty="0">
+                <a:latin typeface="Consolas"/>
+              </a:rPr>
+              <a:t>    rate = </a:t>
+            </a:r>
+            <a:r>
+              <a:rPr sz="1200" dirty="0" err="1">
+                <a:latin typeface="Consolas"/>
+              </a:rPr>
+              <a:t>models.DecimalField</a:t>
+            </a:r>
+            <a:r>
+              <a:rPr sz="1200" dirty="0">
+                <a:latin typeface="Consolas"/>
+              </a:rPr>
+              <a:t>(</a:t>
+            </a:r>
+            <a:r>
+              <a:rPr sz="1200" dirty="0" err="1">
+                <a:latin typeface="Consolas"/>
+              </a:rPr>
+              <a:t>max_digits</a:t>
+            </a:r>
+            <a:r>
+              <a:rPr sz="1200" dirty="0">
+                <a:latin typeface="Consolas"/>
+              </a:rPr>
+              <a:t>=10, </a:t>
+            </a:r>
+            <a:r>
+              <a:rPr sz="1200" dirty="0" err="1">
+                <a:latin typeface="Consolas"/>
+              </a:rPr>
+              <a:t>decimal_places</a:t>
+            </a:r>
+            <a:r>
+              <a:rPr sz="1200" dirty="0">
+                <a:latin typeface="Consolas"/>
+              </a:rPr>
+              <a:t>=2)</a:t>
+            </a:r>
+            <a:br>
+              <a:rPr sz="4400" dirty="0"/>
+            </a:br>
+            <a:r>
+              <a:rPr sz="1200" dirty="0">
+                <a:latin typeface="Consolas"/>
+              </a:rPr>
+              <a:t>    </a:t>
+            </a:r>
+            <a:r>
+              <a:rPr sz="1200" dirty="0" err="1">
+                <a:latin typeface="Consolas"/>
+              </a:rPr>
+              <a:t>item_type</a:t>
+            </a:r>
+            <a:r>
+              <a:rPr sz="1200" dirty="0">
+                <a:latin typeface="Consolas"/>
+              </a:rPr>
+              <a:t> = </a:t>
+            </a:r>
+            <a:r>
+              <a:rPr sz="1200" dirty="0" err="1">
+                <a:latin typeface="Consolas"/>
+              </a:rPr>
+              <a:t>models.CharField</a:t>
+            </a:r>
+            <a:r>
+              <a:rPr sz="1200" dirty="0">
+                <a:latin typeface="Consolas"/>
+              </a:rPr>
+              <a:t>(</a:t>
+            </a:r>
+            <a:r>
+              <a:rPr sz="1200" dirty="0" err="1">
+                <a:latin typeface="Consolas"/>
+              </a:rPr>
+              <a:t>max_length</a:t>
+            </a:r>
+            <a:r>
+              <a:rPr sz="1200" dirty="0">
+                <a:latin typeface="Consolas"/>
+              </a:rPr>
+              <a:t>=30)  # 'Delivery', 'Empty Return', 'Service'</a:t>
+            </a:r>
+          </a:p>
+        </p:txBody>
+      </p:sp>
+    </p:spTree>
+  </p:cSld>
+  <p:clrMapOvr>
+    <a:masterClrMapping/>
+  </p:clrMapOvr>
+</p:sld>
+</file>
+
+<file path=ppt/slides/slide16.xml><?xml version="1.0" encoding="utf-8"?>
+<p:sld xmlns:a="http://schemas.openxmlformats.org/drawingml/2006/main" xmlns:r="http://schemas.openxmlformats.org/officeDocument/2006/relationships" xmlns:p="http://schemas.openxmlformats.org/presentationml/2006/main">
+  <p:cSld>
+    <p:spTree>
+      <p:nvGrpSpPr>
+        <p:cNvPr id="1" name=""/>
+        <p:cNvGrpSpPr/>
+        <p:nvPr/>
+      </p:nvGrpSpPr>
+      <p:grpSpPr>
+        <a:xfrm>
+          <a:off x="0" y="0"/>
+          <a:ext cx="0" cy="0"/>
+          <a:chOff x="0" y="0"/>
+          <a:chExt cx="0" cy="0"/>
+        </a:xfrm>
+      </p:grpSpPr>
+      <p:sp>
+        <p:nvSpPr>
+          <p:cNvPr id="2" name="Title 1"/>
+          <p:cNvSpPr>
+            <a:spLocks noGrp="1"/>
+          </p:cNvSpPr>
+          <p:nvPr>
+            <p:ph type="title"/>
           </p:nvPr>
         </p:nvSpPr>
         <p:spPr/>
@@ -4310,29 +5952,1053 @@
           <a:lstStyle/>
           <a:p>
             <a:r>
-              <a:rPr sz="2000">
-                <a:solidFill>
-                  <a:srgbClr val="C8C8C8"/>
-                </a:solidFill>
-              </a:rPr>
-              <a:t>Questions?</a:t>
-            </a:r>
-          </a:p>
-          <a:p>
-            <a:endParaRPr sz="2000">
-              <a:solidFill>
-                <a:srgbClr val="C8C8C8"/>
-              </a:solidFill>
+              <a:t>Invoice Model</a:t>
+            </a:r>
+          </a:p>
+        </p:txBody>
+      </p:sp>
+      <p:sp>
+        <p:nvSpPr>
+          <p:cNvPr id="3" name="Content Placeholder 2"/>
+          <p:cNvSpPr>
+            <a:spLocks noGrp="1"/>
+          </p:cNvSpPr>
+          <p:nvPr>
+            <p:ph idx="1"/>
+          </p:nvPr>
+        </p:nvSpPr>
+        <p:spPr>
+          <a:xfrm>
+            <a:off x="310243" y="1600200"/>
+            <a:ext cx="8523514" cy="4525963"/>
+          </a:xfrm>
+        </p:spPr>
+        <p:style>
+          <a:lnRef idx="2">
+            <a:schemeClr val="dk1"/>
+          </a:lnRef>
+          <a:fillRef idx="1">
+            <a:schemeClr val="lt1"/>
+          </a:fillRef>
+          <a:effectRef idx="0">
+            <a:schemeClr val="dk1"/>
+          </a:effectRef>
+          <a:fontRef idx="minor">
+            <a:schemeClr val="dk1"/>
+          </a:fontRef>
+        </p:style>
+        <p:txBody>
+          <a:bodyPr>
+            <a:normAutofit/>
+          </a:bodyPr>
+          <a:lstStyle/>
+          <a:p>
+            <a:pPr marL="0" indent="0">
+              <a:buNone/>
+            </a:pPr>
+            <a:endParaRPr sz="6000" dirty="0"/>
+          </a:p>
+          <a:p>
+            <a:pPr marL="0" indent="0">
+              <a:buNone/>
+            </a:pPr>
+            <a:r>
+              <a:rPr sz="1800" dirty="0">
+                <a:latin typeface="Consolas"/>
+              </a:rPr>
+              <a:t>class Invoice(</a:t>
+            </a:r>
+            <a:r>
+              <a:rPr sz="1800" dirty="0" err="1">
+                <a:latin typeface="Consolas"/>
+              </a:rPr>
+              <a:t>models.Model</a:t>
+            </a:r>
+            <a:r>
+              <a:rPr sz="1800" dirty="0">
+                <a:latin typeface="Consolas"/>
+              </a:rPr>
+              <a:t>):</a:t>
+            </a:r>
+            <a:br>
+              <a:rPr sz="6000" dirty="0"/>
+            </a:br>
+            <a:r>
+              <a:rPr sz="1800" dirty="0">
+                <a:latin typeface="Consolas"/>
+              </a:rPr>
+              <a:t>    transaction = </a:t>
+            </a:r>
+            <a:r>
+              <a:rPr sz="1800" dirty="0" err="1">
+                <a:latin typeface="Consolas"/>
+              </a:rPr>
+              <a:t>models.OneToOneField</a:t>
+            </a:r>
+            <a:r>
+              <a:rPr sz="1800" dirty="0">
+                <a:latin typeface="Consolas"/>
+              </a:rPr>
+              <a:t>('</a:t>
+            </a:r>
+            <a:r>
+              <a:rPr sz="1800" dirty="0" err="1">
+                <a:latin typeface="Consolas"/>
+              </a:rPr>
+              <a:t>transactions.Transaction</a:t>
+            </a:r>
+            <a:r>
+              <a:rPr sz="1800" dirty="0">
+                <a:latin typeface="Consolas"/>
+              </a:rPr>
+              <a:t>’, </a:t>
+            </a:r>
+            <a:endParaRPr lang="en-SG" sz="1800" dirty="0">
+              <a:latin typeface="Consolas"/>
             </a:endParaRPr>
           </a:p>
           <a:p>
-            <a:r>
-              <a:rPr sz="2000">
-                <a:solidFill>
-                  <a:srgbClr val="C8C8C8"/>
-                </a:solidFill>
-              </a:rPr>
-              <a:t>Sean | Hock Soon Heng LPG Pte Ltd | Singapore | Jan 2026</a:t>
+            <a:pPr marL="0" indent="0">
+              <a:buNone/>
+            </a:pPr>
+            <a:r>
+              <a:rPr lang="en-SG" sz="1800" dirty="0">
+                <a:latin typeface="Consolas"/>
+              </a:rPr>
+              <a:t>		</a:t>
+            </a:r>
+            <a:r>
+              <a:rPr sz="1800" dirty="0" err="1">
+                <a:latin typeface="Consolas"/>
+              </a:rPr>
+              <a:t>on_delete</a:t>
+            </a:r>
+            <a:r>
+              <a:rPr sz="1800" dirty="0">
+                <a:latin typeface="Consolas"/>
+              </a:rPr>
+              <a:t>=</a:t>
+            </a:r>
+            <a:r>
+              <a:rPr sz="1800" dirty="0" err="1">
+                <a:latin typeface="Consolas"/>
+              </a:rPr>
+              <a:t>models.CASCADE</a:t>
+            </a:r>
+            <a:r>
+              <a:rPr sz="1800" dirty="0">
+                <a:latin typeface="Consolas"/>
+              </a:rPr>
+              <a:t>)</a:t>
+            </a:r>
+            <a:br>
+              <a:rPr sz="6000" dirty="0"/>
+            </a:br>
+            <a:r>
+              <a:rPr sz="1800" dirty="0">
+                <a:latin typeface="Consolas"/>
+              </a:rPr>
+              <a:t>    </a:t>
+            </a:r>
+            <a:r>
+              <a:rPr sz="1800" dirty="0" err="1">
+                <a:latin typeface="Consolas"/>
+              </a:rPr>
+              <a:t>invoice_number</a:t>
+            </a:r>
+            <a:r>
+              <a:rPr sz="1800" dirty="0">
+                <a:latin typeface="Consolas"/>
+              </a:rPr>
+              <a:t> = </a:t>
+            </a:r>
+            <a:r>
+              <a:rPr sz="1800" dirty="0" err="1">
+                <a:latin typeface="Consolas"/>
+              </a:rPr>
+              <a:t>models.CharField</a:t>
+            </a:r>
+            <a:r>
+              <a:rPr sz="1800" dirty="0">
+                <a:latin typeface="Consolas"/>
+              </a:rPr>
+              <a:t>(</a:t>
+            </a:r>
+            <a:r>
+              <a:rPr sz="1800" dirty="0" err="1">
+                <a:latin typeface="Consolas"/>
+              </a:rPr>
+              <a:t>max_length</a:t>
+            </a:r>
+            <a:r>
+              <a:rPr sz="1800" dirty="0">
+                <a:latin typeface="Consolas"/>
+              </a:rPr>
+              <a:t>=50, unique=True)</a:t>
+            </a:r>
+            <a:endParaRPr lang="en-SG" sz="1800" dirty="0">
+              <a:latin typeface="Consolas"/>
+            </a:endParaRPr>
+          </a:p>
+          <a:p>
+            <a:pPr marL="0" indent="0">
+              <a:buNone/>
+            </a:pPr>
+            <a:endParaRPr lang="en-SG" sz="1800" dirty="0">
+              <a:latin typeface="Consolas"/>
+            </a:endParaRPr>
+          </a:p>
+          <a:p>
+            <a:pPr marL="0" indent="0">
+              <a:buNone/>
+            </a:pPr>
+            <a:r>
+              <a:rPr lang="en-SG" sz="1800" dirty="0">
+                <a:latin typeface="Consolas"/>
+              </a:rPr>
+              <a:t>    # generated, printed, emailed, paid</a:t>
+            </a:r>
+            <a:br>
+              <a:rPr sz="6000" dirty="0"/>
+            </a:br>
+            <a:r>
+              <a:rPr sz="1800" dirty="0">
+                <a:latin typeface="Consolas"/>
+              </a:rPr>
+              <a:t>    status = </a:t>
+            </a:r>
+            <a:r>
+              <a:rPr sz="1800" dirty="0" err="1">
+                <a:latin typeface="Consolas"/>
+              </a:rPr>
+              <a:t>models.CharField</a:t>
+            </a:r>
+            <a:r>
+              <a:rPr sz="1800" dirty="0">
+                <a:latin typeface="Consolas"/>
+              </a:rPr>
+              <a:t>(</a:t>
+            </a:r>
+            <a:r>
+              <a:rPr sz="1800" dirty="0" err="1">
+                <a:latin typeface="Consolas"/>
+              </a:rPr>
+              <a:t>max_length</a:t>
+            </a:r>
+            <a:r>
+              <a:rPr sz="1800" dirty="0">
+                <a:latin typeface="Consolas"/>
+              </a:rPr>
+              <a:t>=30, default='generated')</a:t>
+            </a:r>
+            <a:br>
+              <a:rPr sz="6000" dirty="0"/>
+            </a:br>
+            <a:r>
+              <a:rPr sz="1800" dirty="0">
+                <a:latin typeface="Consolas"/>
+              </a:rPr>
+              <a:t>    </a:t>
+            </a:r>
+            <a:r>
+              <a:rPr sz="1800" dirty="0" err="1">
+                <a:latin typeface="Consolas"/>
+              </a:rPr>
+              <a:t>pdf_file</a:t>
+            </a:r>
+            <a:r>
+              <a:rPr sz="1800" dirty="0">
+                <a:latin typeface="Consolas"/>
+              </a:rPr>
+              <a:t> = </a:t>
+            </a:r>
+            <a:r>
+              <a:rPr sz="1800" dirty="0" err="1">
+                <a:latin typeface="Consolas"/>
+              </a:rPr>
+              <a:t>models.FileField</a:t>
+            </a:r>
+            <a:r>
+              <a:rPr sz="1800" dirty="0">
+                <a:latin typeface="Consolas"/>
+              </a:rPr>
+              <a:t>(</a:t>
+            </a:r>
+            <a:r>
+              <a:rPr sz="1800" dirty="0" err="1">
+                <a:latin typeface="Consolas"/>
+              </a:rPr>
+              <a:t>upload_to</a:t>
+            </a:r>
+            <a:r>
+              <a:rPr sz="1800" dirty="0">
+                <a:latin typeface="Consolas"/>
+              </a:rPr>
+              <a:t>='invoices/’, </a:t>
+            </a:r>
+            <a:endParaRPr lang="en-SG" sz="1800" dirty="0">
+              <a:latin typeface="Consolas"/>
+            </a:endParaRPr>
+          </a:p>
+          <a:p>
+            <a:pPr marL="0" indent="0">
+              <a:buNone/>
+            </a:pPr>
+            <a:r>
+              <a:rPr lang="en-SG" sz="1800" dirty="0">
+                <a:latin typeface="Consolas"/>
+              </a:rPr>
+              <a:t>		</a:t>
+            </a:r>
+            <a:r>
+              <a:rPr sz="1800" dirty="0">
+                <a:latin typeface="Consolas"/>
+              </a:rPr>
+              <a:t>null=True, blank=True)</a:t>
+            </a:r>
+            <a:br>
+              <a:rPr sz="6000" dirty="0"/>
+            </a:br>
+            <a:r>
+              <a:rPr sz="1800" dirty="0">
+                <a:latin typeface="Consolas"/>
+              </a:rPr>
+              <a:t>    </a:t>
+            </a:r>
+            <a:r>
+              <a:rPr sz="1800" dirty="0" err="1">
+                <a:latin typeface="Consolas"/>
+              </a:rPr>
+              <a:t>created_at</a:t>
+            </a:r>
+            <a:r>
+              <a:rPr sz="1800" dirty="0">
+                <a:latin typeface="Consolas"/>
+              </a:rPr>
+              <a:t> = </a:t>
+            </a:r>
+            <a:r>
+              <a:rPr sz="1800" dirty="0" err="1">
+                <a:latin typeface="Consolas"/>
+              </a:rPr>
+              <a:t>models.DateTimeField</a:t>
+            </a:r>
+            <a:r>
+              <a:rPr sz="1800" dirty="0">
+                <a:latin typeface="Consolas"/>
+              </a:rPr>
+              <a:t>(</a:t>
+            </a:r>
+            <a:r>
+              <a:rPr sz="1800" dirty="0" err="1">
+                <a:latin typeface="Consolas"/>
+              </a:rPr>
+              <a:t>auto_now_add</a:t>
+            </a:r>
+            <a:r>
+              <a:rPr sz="1800" dirty="0">
+                <a:latin typeface="Consolas"/>
+              </a:rPr>
+              <a:t>=True)</a:t>
+            </a:r>
+          </a:p>
+        </p:txBody>
+      </p:sp>
+    </p:spTree>
+  </p:cSld>
+  <p:clrMapOvr>
+    <a:masterClrMapping/>
+  </p:clrMapOvr>
+</p:sld>
+</file>
+
+<file path=ppt/slides/slide17.xml><?xml version="1.0" encoding="utf-8"?>
+<p:sld xmlns:a="http://schemas.openxmlformats.org/drawingml/2006/main" xmlns:r="http://schemas.openxmlformats.org/officeDocument/2006/relationships" xmlns:p="http://schemas.openxmlformats.org/presentationml/2006/main">
+  <p:cSld>
+    <p:spTree>
+      <p:nvGrpSpPr>
+        <p:cNvPr id="1" name=""/>
+        <p:cNvGrpSpPr/>
+        <p:nvPr/>
+      </p:nvGrpSpPr>
+      <p:grpSpPr>
+        <a:xfrm>
+          <a:off x="0" y="0"/>
+          <a:ext cx="0" cy="0"/>
+          <a:chOff x="0" y="0"/>
+          <a:chExt cx="0" cy="0"/>
+        </a:xfrm>
+      </p:grpSpPr>
+      <p:sp>
+        <p:nvSpPr>
+          <p:cNvPr id="2" name="Title 1"/>
+          <p:cNvSpPr>
+            <a:spLocks noGrp="1"/>
+          </p:cNvSpPr>
+          <p:nvPr>
+            <p:ph type="title"/>
+          </p:nvPr>
+        </p:nvSpPr>
+        <p:spPr/>
+        <p:txBody>
+          <a:bodyPr/>
+          <a:lstStyle/>
+          <a:p>
+            <a:r>
+              <a:t>AuditLog Model</a:t>
+            </a:r>
+          </a:p>
+        </p:txBody>
+      </p:sp>
+      <p:sp>
+        <p:nvSpPr>
+          <p:cNvPr id="3" name="Content Placeholder 2"/>
+          <p:cNvSpPr>
+            <a:spLocks noGrp="1"/>
+          </p:cNvSpPr>
+          <p:nvPr>
+            <p:ph idx="1"/>
+          </p:nvPr>
+        </p:nvSpPr>
+        <p:spPr>
+          <a:xfrm>
+            <a:off x="272143" y="1600200"/>
+            <a:ext cx="8588828" cy="4525963"/>
+          </a:xfrm>
+        </p:spPr>
+        <p:style>
+          <a:lnRef idx="2">
+            <a:schemeClr val="dk1"/>
+          </a:lnRef>
+          <a:fillRef idx="1">
+            <a:schemeClr val="lt1"/>
+          </a:fillRef>
+          <a:effectRef idx="0">
+            <a:schemeClr val="dk1"/>
+          </a:effectRef>
+          <a:fontRef idx="minor">
+            <a:schemeClr val="dk1"/>
+          </a:fontRef>
+        </p:style>
+        <p:txBody>
+          <a:bodyPr>
+            <a:normAutofit/>
+          </a:bodyPr>
+          <a:lstStyle/>
+          <a:p>
+            <a:pPr marL="0" indent="0">
+              <a:buNone/>
+            </a:pPr>
+            <a:endParaRPr sz="4800" dirty="0"/>
+          </a:p>
+          <a:p>
+            <a:pPr marL="0" indent="0">
+              <a:buNone/>
+            </a:pPr>
+            <a:r>
+              <a:rPr sz="1400" dirty="0">
+                <a:latin typeface="Consolas"/>
+              </a:rPr>
+              <a:t>class </a:t>
+            </a:r>
+            <a:r>
+              <a:rPr sz="1400" dirty="0" err="1">
+                <a:latin typeface="Consolas"/>
+              </a:rPr>
+              <a:t>AuditLog</a:t>
+            </a:r>
+            <a:r>
+              <a:rPr sz="1400" dirty="0">
+                <a:latin typeface="Consolas"/>
+              </a:rPr>
+              <a:t>(</a:t>
+            </a:r>
+            <a:r>
+              <a:rPr sz="1400" dirty="0" err="1">
+                <a:latin typeface="Consolas"/>
+              </a:rPr>
+              <a:t>models.Model</a:t>
+            </a:r>
+            <a:r>
+              <a:rPr sz="1400" dirty="0">
+                <a:latin typeface="Consolas"/>
+              </a:rPr>
+              <a:t>):</a:t>
+            </a:r>
+            <a:br>
+              <a:rPr sz="4800" dirty="0"/>
+            </a:br>
+            <a:r>
+              <a:rPr sz="1400" dirty="0">
+                <a:latin typeface="Consolas"/>
+              </a:rPr>
+              <a:t>    user = </a:t>
+            </a:r>
+            <a:r>
+              <a:rPr sz="1400" dirty="0" err="1">
+                <a:latin typeface="Consolas"/>
+              </a:rPr>
+              <a:t>models.ForeignKey</a:t>
+            </a:r>
+            <a:r>
+              <a:rPr sz="1400" dirty="0">
+                <a:latin typeface="Consolas"/>
+              </a:rPr>
+              <a:t>('</a:t>
+            </a:r>
+            <a:r>
+              <a:rPr sz="1400" dirty="0" err="1">
+                <a:latin typeface="Consolas"/>
+              </a:rPr>
+              <a:t>accounts.User</a:t>
+            </a:r>
+            <a:r>
+              <a:rPr sz="1400" dirty="0">
+                <a:latin typeface="Consolas"/>
+              </a:rPr>
+              <a:t>', </a:t>
+            </a:r>
+            <a:r>
+              <a:rPr sz="1400" dirty="0" err="1">
+                <a:latin typeface="Consolas"/>
+              </a:rPr>
+              <a:t>on_delete</a:t>
+            </a:r>
+            <a:r>
+              <a:rPr sz="1400" dirty="0">
+                <a:latin typeface="Consolas"/>
+              </a:rPr>
+              <a:t>=</a:t>
+            </a:r>
+            <a:r>
+              <a:rPr sz="1400" dirty="0" err="1">
+                <a:latin typeface="Consolas"/>
+              </a:rPr>
+              <a:t>models.SET_NULL</a:t>
+            </a:r>
+            <a:r>
+              <a:rPr sz="1400" dirty="0">
+                <a:latin typeface="Consolas"/>
+              </a:rPr>
+              <a:t>, null=True)</a:t>
+            </a:r>
+            <a:br>
+              <a:rPr sz="4800" dirty="0"/>
+            </a:br>
+            <a:r>
+              <a:rPr sz="1400" dirty="0">
+                <a:latin typeface="Consolas"/>
+              </a:rPr>
+              <a:t>    action = </a:t>
+            </a:r>
+            <a:r>
+              <a:rPr sz="1400" dirty="0" err="1">
+                <a:latin typeface="Consolas"/>
+              </a:rPr>
+              <a:t>models.CharField</a:t>
+            </a:r>
+            <a:r>
+              <a:rPr sz="1400" dirty="0">
+                <a:latin typeface="Consolas"/>
+              </a:rPr>
+              <a:t>(</a:t>
+            </a:r>
+            <a:r>
+              <a:rPr sz="1400" dirty="0" err="1">
+                <a:latin typeface="Consolas"/>
+              </a:rPr>
+              <a:t>max_length</a:t>
+            </a:r>
+            <a:r>
+              <a:rPr sz="1400" dirty="0">
+                <a:latin typeface="Consolas"/>
+              </a:rPr>
+              <a:t>=30)               # Create, Confirm, Update</a:t>
+            </a:r>
+            <a:br>
+              <a:rPr sz="4800" dirty="0"/>
+            </a:br>
+            <a:r>
+              <a:rPr sz="1400" dirty="0">
+                <a:latin typeface="Consolas"/>
+              </a:rPr>
+              <a:t>    </a:t>
+            </a:r>
+            <a:r>
+              <a:rPr sz="1400" dirty="0" err="1">
+                <a:latin typeface="Consolas"/>
+              </a:rPr>
+              <a:t>entity_type</a:t>
+            </a:r>
+            <a:r>
+              <a:rPr sz="1400" dirty="0">
+                <a:latin typeface="Consolas"/>
+              </a:rPr>
+              <a:t> = </a:t>
+            </a:r>
+            <a:r>
+              <a:rPr sz="1400" dirty="0" err="1">
+                <a:latin typeface="Consolas"/>
+              </a:rPr>
+              <a:t>models.CharField</a:t>
+            </a:r>
+            <a:r>
+              <a:rPr sz="1400" dirty="0">
+                <a:latin typeface="Consolas"/>
+              </a:rPr>
+              <a:t>(</a:t>
+            </a:r>
+            <a:r>
+              <a:rPr sz="1400" dirty="0" err="1">
+                <a:latin typeface="Consolas"/>
+              </a:rPr>
+              <a:t>max_length</a:t>
+            </a:r>
+            <a:r>
+              <a:rPr sz="1400" dirty="0">
+                <a:latin typeface="Consolas"/>
+              </a:rPr>
+              <a:t>=50)          # Transaction, Distribution</a:t>
+            </a:r>
+            <a:br>
+              <a:rPr sz="4800" dirty="0"/>
+            </a:br>
+            <a:r>
+              <a:rPr sz="1400" dirty="0">
+                <a:latin typeface="Consolas"/>
+              </a:rPr>
+              <a:t>    </a:t>
+            </a:r>
+            <a:r>
+              <a:rPr sz="1400" dirty="0" err="1">
+                <a:latin typeface="Consolas"/>
+              </a:rPr>
+              <a:t>entity_id</a:t>
+            </a:r>
+            <a:r>
+              <a:rPr sz="1400" dirty="0">
+                <a:latin typeface="Consolas"/>
+              </a:rPr>
+              <a:t> = </a:t>
+            </a:r>
+            <a:r>
+              <a:rPr sz="1400" dirty="0" err="1">
+                <a:latin typeface="Consolas"/>
+              </a:rPr>
+              <a:t>models.PositiveIntegerField</a:t>
+            </a:r>
+            <a:r>
+              <a:rPr sz="1400" dirty="0">
+                <a:latin typeface="Consolas"/>
+              </a:rPr>
+              <a:t>()</a:t>
+            </a:r>
+            <a:br>
+              <a:rPr sz="4800" dirty="0"/>
+            </a:br>
+            <a:r>
+              <a:rPr sz="1400" dirty="0">
+                <a:latin typeface="Consolas"/>
+              </a:rPr>
+              <a:t>    timestamp = </a:t>
+            </a:r>
+            <a:r>
+              <a:rPr sz="1400" dirty="0" err="1">
+                <a:latin typeface="Consolas"/>
+              </a:rPr>
+              <a:t>models.DateTimeField</a:t>
+            </a:r>
+            <a:r>
+              <a:rPr sz="1400" dirty="0">
+                <a:latin typeface="Consolas"/>
+              </a:rPr>
+              <a:t>(</a:t>
+            </a:r>
+            <a:r>
+              <a:rPr sz="1400" dirty="0" err="1">
+                <a:latin typeface="Consolas"/>
+              </a:rPr>
+              <a:t>auto_now_add</a:t>
+            </a:r>
+            <a:r>
+              <a:rPr sz="1400" dirty="0">
+                <a:latin typeface="Consolas"/>
+              </a:rPr>
+              <a:t>=True)</a:t>
+            </a:r>
+            <a:br>
+              <a:rPr sz="4800" dirty="0"/>
+            </a:br>
+            <a:r>
+              <a:rPr sz="1400" dirty="0">
+                <a:latin typeface="Consolas"/>
+              </a:rPr>
+              <a:t>    payload = </a:t>
+            </a:r>
+            <a:r>
+              <a:rPr sz="1400" dirty="0" err="1">
+                <a:latin typeface="Consolas"/>
+              </a:rPr>
+              <a:t>models.JSONField</a:t>
+            </a:r>
+            <a:r>
+              <a:rPr sz="1400" dirty="0">
+                <a:latin typeface="Consolas"/>
+              </a:rPr>
+              <a:t>(default=</a:t>
+            </a:r>
+            <a:r>
+              <a:rPr sz="1400" dirty="0" err="1">
+                <a:latin typeface="Consolas"/>
+              </a:rPr>
+              <a:t>dict</a:t>
+            </a:r>
+            <a:r>
+              <a:rPr sz="1400" dirty="0">
+                <a:latin typeface="Consolas"/>
+              </a:rPr>
+              <a:t>)               # snapshot before/after</a:t>
+            </a:r>
+            <a:br>
+              <a:rPr sz="4800" dirty="0"/>
+            </a:br>
+            <a:br>
+              <a:rPr sz="4800" dirty="0"/>
+            </a:br>
+            <a:r>
+              <a:rPr sz="1400" dirty="0">
+                <a:latin typeface="Consolas"/>
+              </a:rPr>
+              <a:t>    class Meta:</a:t>
+            </a:r>
+            <a:br>
+              <a:rPr sz="4800" dirty="0"/>
+            </a:br>
+            <a:r>
+              <a:rPr sz="1400" dirty="0">
+                <a:latin typeface="Consolas"/>
+              </a:rPr>
+              <a:t>        ordering = ['-timestamp']</a:t>
+            </a:r>
+            <a:br>
+              <a:rPr sz="4800" dirty="0"/>
+            </a:br>
+            <a:r>
+              <a:rPr sz="1400" dirty="0">
+                <a:latin typeface="Consolas"/>
+              </a:rPr>
+              <a:t>        indexes = [</a:t>
+            </a:r>
+            <a:r>
+              <a:rPr sz="1400" dirty="0" err="1">
+                <a:latin typeface="Consolas"/>
+              </a:rPr>
+              <a:t>models.Index</a:t>
+            </a:r>
+            <a:r>
+              <a:rPr sz="1400" dirty="0">
+                <a:latin typeface="Consolas"/>
+              </a:rPr>
+              <a:t>(fields=['</a:t>
+            </a:r>
+            <a:r>
+              <a:rPr sz="1400" dirty="0" err="1">
+                <a:latin typeface="Consolas"/>
+              </a:rPr>
+              <a:t>entity_type</a:t>
+            </a:r>
+            <a:r>
+              <a:rPr sz="1400" dirty="0">
+                <a:latin typeface="Consolas"/>
+              </a:rPr>
+              <a:t>', '</a:t>
+            </a:r>
+            <a:r>
+              <a:rPr sz="1400" dirty="0" err="1">
+                <a:latin typeface="Consolas"/>
+              </a:rPr>
+              <a:t>entity_id</a:t>
+            </a:r>
+            <a:r>
+              <a:rPr sz="1400" dirty="0">
+                <a:latin typeface="Consolas"/>
+              </a:rPr>
+              <a:t>'])]</a:t>
+            </a:r>
+          </a:p>
+        </p:txBody>
+      </p:sp>
+    </p:spTree>
+  </p:cSld>
+  <p:clrMapOvr>
+    <a:masterClrMapping/>
+  </p:clrMapOvr>
+</p:sld>
+</file>
+
+<file path=ppt/slides/slide18.xml><?xml version="1.0" encoding="utf-8"?>
+<p:sld xmlns:a="http://schemas.openxmlformats.org/drawingml/2006/main" xmlns:r="http://schemas.openxmlformats.org/officeDocument/2006/relationships" xmlns:p="http://schemas.openxmlformats.org/presentationml/2006/main">
+  <p:cSld>
+    <p:spTree>
+      <p:nvGrpSpPr>
+        <p:cNvPr id="1" name=""/>
+        <p:cNvGrpSpPr/>
+        <p:nvPr/>
+      </p:nvGrpSpPr>
+      <p:grpSpPr>
+        <a:xfrm>
+          <a:off x="0" y="0"/>
+          <a:ext cx="0" cy="0"/>
+          <a:chOff x="0" y="0"/>
+          <a:chExt cx="0" cy="0"/>
+        </a:xfrm>
+      </p:grpSpPr>
+      <p:sp>
+        <p:nvSpPr>
+          <p:cNvPr id="2" name="Title 1"/>
+          <p:cNvSpPr>
+            <a:spLocks noGrp="1"/>
+          </p:cNvSpPr>
+          <p:nvPr>
+            <p:ph type="title"/>
+          </p:nvPr>
+        </p:nvSpPr>
+        <p:spPr/>
+        <p:txBody>
+          <a:bodyPr/>
+          <a:lstStyle/>
+          <a:p>
+            <a:r>
+              <a:t>Services Layer – The Core Engine</a:t>
+            </a:r>
+          </a:p>
+        </p:txBody>
+      </p:sp>
+      <p:sp>
+        <p:nvSpPr>
+          <p:cNvPr id="3" name="Content Placeholder 2"/>
+          <p:cNvSpPr>
+            <a:spLocks noGrp="1"/>
+          </p:cNvSpPr>
+          <p:nvPr>
+            <p:ph idx="1"/>
+          </p:nvPr>
+        </p:nvSpPr>
+        <p:spPr/>
+        <p:txBody>
+          <a:bodyPr/>
+          <a:lstStyle/>
+          <a:p>
+            <a:endParaRPr/>
+          </a:p>
+          <a:p>
+            <a:r>
+              <a:t>All mutations atomic</a:t>
+            </a:r>
+          </a:p>
+          <a:p>
+            <a:r>
+              <a:t>Audit on every write</a:t>
+            </a:r>
+          </a:p>
+          <a:p>
+            <a:r>
+              <a:t>Offline support via client_temp_id</a:t>
+            </a:r>
+          </a:p>
+          <a:p>
+            <a:r>
+              <a:t>No direct model saves outside services</a:t>
+            </a:r>
+          </a:p>
+        </p:txBody>
+      </p:sp>
+    </p:spTree>
+  </p:cSld>
+  <p:clrMapOvr>
+    <a:masterClrMapping/>
+  </p:clrMapOvr>
+</p:sld>
+</file>
+
+<file path=ppt/slides/slide19.xml><?xml version="1.0" encoding="utf-8"?>
+<p:sld xmlns:a="http://schemas.openxmlformats.org/drawingml/2006/main" xmlns:r="http://schemas.openxmlformats.org/officeDocument/2006/relationships" xmlns:p="http://schemas.openxmlformats.org/presentationml/2006/main">
+  <p:cSld>
+    <p:spTree>
+      <p:nvGrpSpPr>
+        <p:cNvPr id="1" name=""/>
+        <p:cNvGrpSpPr/>
+        <p:nvPr/>
+      </p:nvGrpSpPr>
+      <p:grpSpPr>
+        <a:xfrm>
+          <a:off x="0" y="0"/>
+          <a:ext cx="0" cy="0"/>
+          <a:chOff x="0" y="0"/>
+          <a:chExt cx="0" cy="0"/>
+        </a:xfrm>
+      </p:grpSpPr>
+      <p:sp>
+        <p:nvSpPr>
+          <p:cNvPr id="2" name="Title 1"/>
+          <p:cNvSpPr>
+            <a:spLocks noGrp="1"/>
+          </p:cNvSpPr>
+          <p:nvPr>
+            <p:ph type="title"/>
+          </p:nvPr>
+        </p:nvSpPr>
+        <p:spPr/>
+        <p:txBody>
+          <a:bodyPr/>
+          <a:lstStyle/>
+          <a:p>
+            <a:r>
+              <a:t>utils.py – Number Generation</a:t>
+            </a:r>
+          </a:p>
+        </p:txBody>
+      </p:sp>
+      <p:sp>
+        <p:nvSpPr>
+          <p:cNvPr id="3" name="Content Placeholder 2"/>
+          <p:cNvSpPr>
+            <a:spLocks noGrp="1"/>
+          </p:cNvSpPr>
+          <p:nvPr>
+            <p:ph idx="1"/>
+          </p:nvPr>
+        </p:nvSpPr>
+        <p:spPr>
+          <a:xfrm>
+            <a:off x="457199" y="1600200"/>
+            <a:ext cx="8066315" cy="4525963"/>
+          </a:xfrm>
+        </p:spPr>
+        <p:style>
+          <a:lnRef idx="2">
+            <a:schemeClr val="dk1"/>
+          </a:lnRef>
+          <a:fillRef idx="1">
+            <a:schemeClr val="lt1"/>
+          </a:fillRef>
+          <a:effectRef idx="0">
+            <a:schemeClr val="dk1"/>
+          </a:effectRef>
+          <a:fontRef idx="minor">
+            <a:schemeClr val="dk1"/>
+          </a:fontRef>
+        </p:style>
+        <p:txBody>
+          <a:bodyPr>
+            <a:normAutofit/>
+          </a:bodyPr>
+          <a:lstStyle/>
+          <a:p>
+            <a:pPr marL="0" indent="0">
+              <a:buNone/>
+            </a:pPr>
+            <a:endParaRPr sz="4800" dirty="0"/>
+          </a:p>
+          <a:p>
+            <a:pPr marL="0" indent="0">
+              <a:buNone/>
+            </a:pPr>
+            <a:r>
+              <a:rPr sz="1400" dirty="0">
+                <a:latin typeface="Consolas"/>
+              </a:rPr>
+              <a:t>from datetime import datetime</a:t>
+            </a:r>
+            <a:br>
+              <a:rPr sz="4800" dirty="0"/>
+            </a:br>
+            <a:br>
+              <a:rPr sz="4800" dirty="0"/>
+            </a:br>
+            <a:r>
+              <a:rPr sz="1400" dirty="0">
+                <a:latin typeface="Consolas"/>
+              </a:rPr>
+              <a:t>def </a:t>
+            </a:r>
+            <a:r>
+              <a:rPr sz="1400" dirty="0" err="1">
+                <a:latin typeface="Consolas"/>
+              </a:rPr>
+              <a:t>generate_number</a:t>
+            </a:r>
+            <a:r>
+              <a:rPr sz="1400" dirty="0">
+                <a:latin typeface="Consolas"/>
+              </a:rPr>
+              <a:t>(prefix: str) -&gt; str:</a:t>
+            </a:r>
+            <a:br>
+              <a:rPr sz="4800" dirty="0"/>
+            </a:br>
+            <a:r>
+              <a:rPr sz="1400" dirty="0">
+                <a:latin typeface="Consolas"/>
+              </a:rPr>
+              <a:t>    now = </a:t>
+            </a:r>
+            <a:r>
+              <a:rPr sz="1400" dirty="0" err="1">
+                <a:latin typeface="Consolas"/>
+              </a:rPr>
+              <a:t>datetime.now</a:t>
+            </a:r>
+            <a:r>
+              <a:rPr sz="1400" dirty="0">
+                <a:latin typeface="Consolas"/>
+              </a:rPr>
+              <a:t>()</a:t>
+            </a:r>
+            <a:br>
+              <a:rPr sz="4800" dirty="0"/>
+            </a:br>
+            <a:r>
+              <a:rPr sz="1400" dirty="0">
+                <a:latin typeface="Consolas"/>
+              </a:rPr>
+              <a:t>    return f"{prefix}-{</a:t>
+            </a:r>
+            <a:r>
+              <a:rPr sz="1400" dirty="0" err="1">
+                <a:latin typeface="Consolas"/>
+              </a:rPr>
+              <a:t>now.year</a:t>
+            </a:r>
+            <a:r>
+              <a:rPr sz="1400" dirty="0">
+                <a:latin typeface="Consolas"/>
+              </a:rPr>
+              <a:t>}-{</a:t>
+            </a:r>
+            <a:r>
+              <a:rPr sz="1400" dirty="0" err="1">
+                <a:latin typeface="Consolas"/>
+              </a:rPr>
+              <a:t>now.strftime</a:t>
+            </a:r>
+            <a:r>
+              <a:rPr sz="1400" dirty="0">
+                <a:latin typeface="Consolas"/>
+              </a:rPr>
+              <a:t>('%j')}-{</a:t>
+            </a:r>
+            <a:r>
+              <a:rPr sz="1400" dirty="0" err="1">
+                <a:latin typeface="Consolas"/>
+              </a:rPr>
+              <a:t>now.strftime</a:t>
+            </a:r>
+            <a:r>
+              <a:rPr sz="1400" dirty="0">
+                <a:latin typeface="Consolas"/>
+              </a:rPr>
+              <a:t>('%H%M%S')}</a:t>
             </a:r>
           </a:p>
         </p:txBody>
@@ -4479,6 +7145,2463 @@
 </p:sld>
 </file>
 
+<file path=ppt/slides/slide20.xml><?xml version="1.0" encoding="utf-8"?>
+<p:sld xmlns:a="http://schemas.openxmlformats.org/drawingml/2006/main" xmlns:r="http://schemas.openxmlformats.org/officeDocument/2006/relationships" xmlns:p="http://schemas.openxmlformats.org/presentationml/2006/main">
+  <p:cSld>
+    <p:spTree>
+      <p:nvGrpSpPr>
+        <p:cNvPr id="1" name=""/>
+        <p:cNvGrpSpPr/>
+        <p:nvPr/>
+      </p:nvGrpSpPr>
+      <p:grpSpPr>
+        <a:xfrm>
+          <a:off x="0" y="0"/>
+          <a:ext cx="0" cy="0"/>
+          <a:chOff x="0" y="0"/>
+          <a:chExt cx="0" cy="0"/>
+        </a:xfrm>
+      </p:grpSpPr>
+      <p:sp>
+        <p:nvSpPr>
+          <p:cNvPr id="2" name="Title 1"/>
+          <p:cNvSpPr>
+            <a:spLocks noGrp="1"/>
+          </p:cNvSpPr>
+          <p:nvPr>
+            <p:ph type="title"/>
+          </p:nvPr>
+        </p:nvSpPr>
+        <p:spPr/>
+        <p:txBody>
+          <a:bodyPr/>
+          <a:lstStyle/>
+          <a:p>
+            <a:r>
+              <a:t>audit/services.py</a:t>
+            </a:r>
+          </a:p>
+        </p:txBody>
+      </p:sp>
+      <p:sp>
+        <p:nvSpPr>
+          <p:cNvPr id="3" name="Content Placeholder 2"/>
+          <p:cNvSpPr>
+            <a:spLocks noGrp="1"/>
+          </p:cNvSpPr>
+          <p:nvPr>
+            <p:ph idx="1"/>
+          </p:nvPr>
+        </p:nvSpPr>
+        <p:spPr>
+          <a:xfrm>
+            <a:off x="326571" y="1600200"/>
+            <a:ext cx="8588829" cy="4256314"/>
+          </a:xfrm>
+        </p:spPr>
+        <p:style>
+          <a:lnRef idx="2">
+            <a:schemeClr val="dk1"/>
+          </a:lnRef>
+          <a:fillRef idx="1">
+            <a:schemeClr val="lt1"/>
+          </a:fillRef>
+          <a:effectRef idx="0">
+            <a:schemeClr val="dk1"/>
+          </a:effectRef>
+          <a:fontRef idx="minor">
+            <a:schemeClr val="dk1"/>
+          </a:fontRef>
+        </p:style>
+        <p:txBody>
+          <a:bodyPr>
+            <a:normAutofit lnSpcReduction="10000"/>
+          </a:bodyPr>
+          <a:lstStyle/>
+          <a:p>
+            <a:pPr marL="0" indent="0">
+              <a:buNone/>
+            </a:pPr>
+            <a:r>
+              <a:rPr sz="2400" dirty="0">
+                <a:latin typeface="Consolas"/>
+              </a:rPr>
+              <a:t>@transaction.atomic</a:t>
+            </a:r>
+            <a:br>
+              <a:rPr sz="7200" dirty="0"/>
+            </a:br>
+            <a:r>
+              <a:rPr sz="2400" dirty="0">
+                <a:latin typeface="Consolas"/>
+              </a:rPr>
+              <a:t>def </a:t>
+            </a:r>
+            <a:r>
+              <a:rPr sz="2400" dirty="0" err="1">
+                <a:latin typeface="Consolas"/>
+              </a:rPr>
+              <a:t>log_action</a:t>
+            </a:r>
+            <a:r>
+              <a:rPr sz="2400" dirty="0">
+                <a:latin typeface="Consolas"/>
+              </a:rPr>
+              <a:t>(user, action: str, </a:t>
+            </a:r>
+            <a:r>
+              <a:rPr sz="2400" dirty="0" err="1">
+                <a:latin typeface="Consolas"/>
+              </a:rPr>
+              <a:t>entity_type</a:t>
+            </a:r>
+            <a:r>
+              <a:rPr sz="2400" dirty="0">
+                <a:latin typeface="Consolas"/>
+              </a:rPr>
+              <a:t>: </a:t>
+            </a:r>
+            <a:endParaRPr lang="en-SG" sz="2400" dirty="0">
+              <a:latin typeface="Consolas"/>
+            </a:endParaRPr>
+          </a:p>
+          <a:p>
+            <a:pPr marL="0" indent="0">
+              <a:buNone/>
+            </a:pPr>
+            <a:r>
+              <a:rPr lang="en-SG" sz="2400" dirty="0">
+                <a:latin typeface="Consolas"/>
+              </a:rPr>
+              <a:t>	</a:t>
+            </a:r>
+            <a:r>
+              <a:rPr sz="2400" dirty="0">
+                <a:latin typeface="Consolas"/>
+              </a:rPr>
+              <a:t>str, </a:t>
+            </a:r>
+            <a:r>
+              <a:rPr sz="2400" dirty="0" err="1">
+                <a:latin typeface="Consolas"/>
+              </a:rPr>
+              <a:t>entity_id</a:t>
+            </a:r>
+            <a:r>
+              <a:rPr sz="2400" dirty="0">
+                <a:latin typeface="Consolas"/>
+              </a:rPr>
+              <a:t>: int, payload: </a:t>
+            </a:r>
+            <a:r>
+              <a:rPr sz="2400" dirty="0" err="1">
+                <a:latin typeface="Consolas"/>
+              </a:rPr>
+              <a:t>dict</a:t>
+            </a:r>
+            <a:r>
+              <a:rPr sz="2400" dirty="0">
+                <a:latin typeface="Consolas"/>
+              </a:rPr>
+              <a:t>):</a:t>
+            </a:r>
+            <a:br>
+              <a:rPr sz="7200" dirty="0"/>
+            </a:br>
+            <a:r>
+              <a:rPr sz="2400" dirty="0">
+                <a:latin typeface="Consolas"/>
+              </a:rPr>
+              <a:t>    </a:t>
+            </a:r>
+            <a:endParaRPr lang="en-SG" sz="2400" dirty="0">
+              <a:latin typeface="Consolas"/>
+            </a:endParaRPr>
+          </a:p>
+          <a:p>
+            <a:pPr marL="0" indent="0">
+              <a:buNone/>
+            </a:pPr>
+            <a:r>
+              <a:rPr lang="en-SG" sz="2400" dirty="0">
+                <a:latin typeface="Consolas"/>
+              </a:rPr>
+              <a:t>	</a:t>
+            </a:r>
+            <a:r>
+              <a:rPr sz="2400" dirty="0" err="1">
+                <a:latin typeface="Consolas"/>
+              </a:rPr>
+              <a:t>AuditLog.objects.create</a:t>
+            </a:r>
+            <a:r>
+              <a:rPr sz="2400" dirty="0">
+                <a:latin typeface="Consolas"/>
+              </a:rPr>
+              <a:t>(</a:t>
+            </a:r>
+            <a:br>
+              <a:rPr sz="7200" dirty="0"/>
+            </a:br>
+            <a:r>
+              <a:rPr sz="2400" dirty="0">
+                <a:latin typeface="Consolas"/>
+              </a:rPr>
+              <a:t>        user=user,</a:t>
+            </a:r>
+            <a:br>
+              <a:rPr sz="7200" dirty="0"/>
+            </a:br>
+            <a:r>
+              <a:rPr sz="2400" dirty="0">
+                <a:latin typeface="Consolas"/>
+              </a:rPr>
+              <a:t>        action=action,</a:t>
+            </a:r>
+            <a:br>
+              <a:rPr sz="7200" dirty="0"/>
+            </a:br>
+            <a:r>
+              <a:rPr sz="2400" dirty="0">
+                <a:latin typeface="Consolas"/>
+              </a:rPr>
+              <a:t>        </a:t>
+            </a:r>
+            <a:r>
+              <a:rPr sz="2400" dirty="0" err="1">
+                <a:latin typeface="Consolas"/>
+              </a:rPr>
+              <a:t>entity_type</a:t>
+            </a:r>
+            <a:r>
+              <a:rPr sz="2400" dirty="0">
+                <a:latin typeface="Consolas"/>
+              </a:rPr>
+              <a:t>=</a:t>
+            </a:r>
+            <a:r>
+              <a:rPr sz="2400" dirty="0" err="1">
+                <a:latin typeface="Consolas"/>
+              </a:rPr>
+              <a:t>entity_type</a:t>
+            </a:r>
+            <a:r>
+              <a:rPr sz="2400" dirty="0">
+                <a:latin typeface="Consolas"/>
+              </a:rPr>
+              <a:t>,</a:t>
+            </a:r>
+            <a:br>
+              <a:rPr sz="7200" dirty="0"/>
+            </a:br>
+            <a:r>
+              <a:rPr sz="2400" dirty="0">
+                <a:latin typeface="Consolas"/>
+              </a:rPr>
+              <a:t>        </a:t>
+            </a:r>
+            <a:r>
+              <a:rPr sz="2400" dirty="0" err="1">
+                <a:latin typeface="Consolas"/>
+              </a:rPr>
+              <a:t>entity_id</a:t>
+            </a:r>
+            <a:r>
+              <a:rPr sz="2400" dirty="0">
+                <a:latin typeface="Consolas"/>
+              </a:rPr>
+              <a:t>=</a:t>
+            </a:r>
+            <a:r>
+              <a:rPr sz="2400" dirty="0" err="1">
+                <a:latin typeface="Consolas"/>
+              </a:rPr>
+              <a:t>entity_id</a:t>
+            </a:r>
+            <a:r>
+              <a:rPr sz="2400" dirty="0">
+                <a:latin typeface="Consolas"/>
+              </a:rPr>
+              <a:t>,</a:t>
+            </a:r>
+            <a:br>
+              <a:rPr sz="7200" dirty="0"/>
+            </a:br>
+            <a:r>
+              <a:rPr sz="2400" dirty="0">
+                <a:latin typeface="Consolas"/>
+              </a:rPr>
+              <a:t>        payload=payload</a:t>
+            </a:r>
+            <a:br>
+              <a:rPr sz="7200" dirty="0"/>
+            </a:br>
+            <a:r>
+              <a:rPr sz="2400" dirty="0">
+                <a:latin typeface="Consolas"/>
+              </a:rPr>
+              <a:t>    )</a:t>
+            </a:r>
+          </a:p>
+        </p:txBody>
+      </p:sp>
+    </p:spTree>
+  </p:cSld>
+  <p:clrMapOvr>
+    <a:masterClrMapping/>
+  </p:clrMapOvr>
+</p:sld>
+</file>
+
+<file path=ppt/slides/slide21.xml><?xml version="1.0" encoding="utf-8"?>
+<p:sld xmlns:a="http://schemas.openxmlformats.org/drawingml/2006/main" xmlns:r="http://schemas.openxmlformats.org/officeDocument/2006/relationships" xmlns:p="http://schemas.openxmlformats.org/presentationml/2006/main">
+  <p:cSld>
+    <p:spTree>
+      <p:nvGrpSpPr>
+        <p:cNvPr id="1" name=""/>
+        <p:cNvGrpSpPr/>
+        <p:nvPr/>
+      </p:nvGrpSpPr>
+      <p:grpSpPr>
+        <a:xfrm>
+          <a:off x="0" y="0"/>
+          <a:ext cx="0" cy="0"/>
+          <a:chOff x="0" y="0"/>
+          <a:chExt cx="0" cy="0"/>
+        </a:xfrm>
+      </p:grpSpPr>
+      <p:sp>
+        <p:nvSpPr>
+          <p:cNvPr id="2" name="Title 1"/>
+          <p:cNvSpPr>
+            <a:spLocks noGrp="1"/>
+          </p:cNvSpPr>
+          <p:nvPr>
+            <p:ph type="title"/>
+          </p:nvPr>
+        </p:nvSpPr>
+        <p:spPr/>
+        <p:txBody>
+          <a:bodyPr>
+            <a:normAutofit fontScale="90000"/>
+          </a:bodyPr>
+          <a:lstStyle/>
+          <a:p>
+            <a:r>
+              <a:t>distribution/services.py – create_distribution</a:t>
+            </a:r>
+          </a:p>
+        </p:txBody>
+      </p:sp>
+      <p:sp>
+        <p:nvSpPr>
+          <p:cNvPr id="3" name="Content Placeholder 2"/>
+          <p:cNvSpPr>
+            <a:spLocks noGrp="1"/>
+          </p:cNvSpPr>
+          <p:nvPr>
+            <p:ph idx="1"/>
+          </p:nvPr>
+        </p:nvSpPr>
+        <p:spPr>
+          <a:xfrm>
+            <a:off x="217714" y="1905000"/>
+            <a:ext cx="8708572" cy="4221163"/>
+          </a:xfrm>
+        </p:spPr>
+        <p:style>
+          <a:lnRef idx="2">
+            <a:schemeClr val="dk1"/>
+          </a:lnRef>
+          <a:fillRef idx="1">
+            <a:schemeClr val="lt1"/>
+          </a:fillRef>
+          <a:effectRef idx="0">
+            <a:schemeClr val="dk1"/>
+          </a:effectRef>
+          <a:fontRef idx="minor">
+            <a:schemeClr val="dk1"/>
+          </a:fontRef>
+        </p:style>
+        <p:txBody>
+          <a:bodyPr>
+            <a:normAutofit/>
+          </a:bodyPr>
+          <a:lstStyle/>
+          <a:p>
+            <a:pPr marL="0" indent="0">
+              <a:buNone/>
+            </a:pPr>
+            <a:r>
+              <a:rPr sz="1400" dirty="0">
+                <a:latin typeface="Consolas"/>
+              </a:rPr>
+              <a:t>@transaction.atomic</a:t>
+            </a:r>
+            <a:br>
+              <a:rPr sz="4800" dirty="0"/>
+            </a:br>
+            <a:r>
+              <a:rPr sz="1400" dirty="0">
+                <a:latin typeface="Consolas"/>
+              </a:rPr>
+              <a:t>def </a:t>
+            </a:r>
+            <a:r>
+              <a:rPr sz="1400" dirty="0" err="1">
+                <a:latin typeface="Consolas"/>
+              </a:rPr>
+              <a:t>create_distribution</a:t>
+            </a:r>
+            <a:r>
+              <a:rPr sz="1400" dirty="0">
+                <a:latin typeface="Consolas"/>
+              </a:rPr>
+              <a:t>(user, </a:t>
+            </a:r>
+            <a:r>
+              <a:rPr sz="1400" dirty="0" err="1">
+                <a:latin typeface="Consolas"/>
+              </a:rPr>
+              <a:t>depot_id</a:t>
+            </a:r>
+            <a:r>
+              <a:rPr sz="1400" dirty="0">
+                <a:latin typeface="Consolas"/>
+              </a:rPr>
+              <a:t>: int, items: list[</a:t>
+            </a:r>
+            <a:r>
+              <a:rPr sz="1400" dirty="0" err="1">
+                <a:latin typeface="Consolas"/>
+              </a:rPr>
+              <a:t>dict</a:t>
+            </a:r>
+            <a:r>
+              <a:rPr sz="1400" dirty="0">
+                <a:latin typeface="Consolas"/>
+              </a:rPr>
+              <a:t>], remarks: str = None):</a:t>
+            </a:r>
+            <a:br>
+              <a:rPr sz="4800" dirty="0"/>
+            </a:br>
+            <a:r>
+              <a:rPr sz="1400" dirty="0">
+                <a:latin typeface="Consolas"/>
+              </a:rPr>
+              <a:t>    </a:t>
+            </a:r>
+            <a:r>
+              <a:rPr sz="1400" dirty="0" err="1">
+                <a:latin typeface="Consolas"/>
+              </a:rPr>
+              <a:t>dist</a:t>
+            </a:r>
+            <a:r>
+              <a:rPr sz="1400" dirty="0">
+                <a:latin typeface="Consolas"/>
+              </a:rPr>
+              <a:t> = </a:t>
+            </a:r>
+            <a:r>
+              <a:rPr sz="1400" dirty="0" err="1">
+                <a:latin typeface="Consolas"/>
+              </a:rPr>
+              <a:t>Distribution.objects.create</a:t>
+            </a:r>
+            <a:r>
+              <a:rPr sz="1400" dirty="0">
+                <a:latin typeface="Consolas"/>
+              </a:rPr>
+              <a:t>(</a:t>
+            </a:r>
+            <a:br>
+              <a:rPr sz="4800" dirty="0"/>
+            </a:br>
+            <a:r>
+              <a:rPr sz="1400" dirty="0">
+                <a:latin typeface="Consolas"/>
+              </a:rPr>
+              <a:t>        user=user,</a:t>
+            </a:r>
+            <a:br>
+              <a:rPr sz="4800" dirty="0"/>
+            </a:br>
+            <a:r>
+              <a:rPr sz="1400" dirty="0">
+                <a:latin typeface="Consolas"/>
+              </a:rPr>
+              <a:t>        </a:t>
+            </a:r>
+            <a:r>
+              <a:rPr sz="1400" dirty="0" err="1">
+                <a:latin typeface="Consolas"/>
+              </a:rPr>
+              <a:t>distribution_number</a:t>
+            </a:r>
+            <a:r>
+              <a:rPr sz="1400" dirty="0">
+                <a:latin typeface="Consolas"/>
+              </a:rPr>
+              <a:t>=</a:t>
+            </a:r>
+            <a:r>
+              <a:rPr sz="1400" dirty="0" err="1">
+                <a:latin typeface="Consolas"/>
+              </a:rPr>
+              <a:t>generate_number</a:t>
+            </a:r>
+            <a:r>
+              <a:rPr sz="1400" dirty="0">
+                <a:latin typeface="Consolas"/>
+              </a:rPr>
+              <a:t>('DIST'),</a:t>
+            </a:r>
+            <a:br>
+              <a:rPr sz="4800" dirty="0"/>
+            </a:br>
+            <a:r>
+              <a:rPr sz="1400" dirty="0">
+                <a:latin typeface="Consolas"/>
+              </a:rPr>
+              <a:t>        status='Pending',</a:t>
+            </a:r>
+            <a:br>
+              <a:rPr sz="4800" dirty="0"/>
+            </a:br>
+            <a:r>
+              <a:rPr sz="1400" dirty="0">
+                <a:latin typeface="Consolas"/>
+              </a:rPr>
+              <a:t>        remarks=remarks</a:t>
+            </a:r>
+            <a:br>
+              <a:rPr sz="4800" dirty="0"/>
+            </a:br>
+            <a:r>
+              <a:rPr sz="1400" dirty="0">
+                <a:latin typeface="Consolas"/>
+              </a:rPr>
+              <a:t>    )</a:t>
+            </a:r>
+            <a:br>
+              <a:rPr sz="4800" dirty="0"/>
+            </a:br>
+            <a:r>
+              <a:rPr sz="1400" dirty="0">
+                <a:latin typeface="Consolas"/>
+              </a:rPr>
+              <a:t>    for item in items:</a:t>
+            </a:r>
+            <a:br>
+              <a:rPr sz="4800" dirty="0"/>
+            </a:br>
+            <a:r>
+              <a:rPr sz="1400" dirty="0">
+                <a:latin typeface="Consolas"/>
+              </a:rPr>
+              <a:t>        </a:t>
+            </a:r>
+            <a:r>
+              <a:rPr sz="1400" dirty="0" err="1">
+                <a:latin typeface="Consolas"/>
+              </a:rPr>
+              <a:t>DistributionItem.objects.create</a:t>
+            </a:r>
+            <a:r>
+              <a:rPr sz="1400" dirty="0">
+                <a:latin typeface="Consolas"/>
+              </a:rPr>
+              <a:t>(</a:t>
+            </a:r>
+            <a:br>
+              <a:rPr sz="4800" dirty="0"/>
+            </a:br>
+            <a:r>
+              <a:rPr sz="1400" dirty="0">
+                <a:latin typeface="Consolas"/>
+              </a:rPr>
+              <a:t>            distribution=</a:t>
+            </a:r>
+            <a:r>
+              <a:rPr sz="1400" dirty="0" err="1">
+                <a:latin typeface="Consolas"/>
+              </a:rPr>
+              <a:t>dist</a:t>
+            </a:r>
+            <a:r>
+              <a:rPr sz="1400" dirty="0">
+                <a:latin typeface="Consolas"/>
+              </a:rPr>
+              <a:t>,</a:t>
+            </a:r>
+            <a:br>
+              <a:rPr sz="4800" dirty="0"/>
+            </a:br>
+            <a:r>
+              <a:rPr sz="1400" dirty="0">
+                <a:latin typeface="Consolas"/>
+              </a:rPr>
+              <a:t>            </a:t>
+            </a:r>
+            <a:r>
+              <a:rPr sz="1400" dirty="0" err="1">
+                <a:latin typeface="Consolas"/>
+              </a:rPr>
+              <a:t>depot_id</a:t>
+            </a:r>
+            <a:r>
+              <a:rPr sz="1400" dirty="0">
+                <a:latin typeface="Consolas"/>
+              </a:rPr>
+              <a:t>=</a:t>
+            </a:r>
+            <a:r>
+              <a:rPr sz="1400" dirty="0" err="1">
+                <a:latin typeface="Consolas"/>
+              </a:rPr>
+              <a:t>depot_id</a:t>
+            </a:r>
+            <a:r>
+              <a:rPr sz="1400" dirty="0">
+                <a:latin typeface="Consolas"/>
+              </a:rPr>
+              <a:t>,</a:t>
+            </a:r>
+            <a:br>
+              <a:rPr sz="4800" dirty="0"/>
+            </a:br>
+            <a:r>
+              <a:rPr sz="1400" dirty="0">
+                <a:latin typeface="Consolas"/>
+              </a:rPr>
+              <a:t>            </a:t>
+            </a:r>
+            <a:r>
+              <a:rPr sz="1400" dirty="0" err="1">
+                <a:latin typeface="Consolas"/>
+              </a:rPr>
+              <a:t>equipment_id</a:t>
+            </a:r>
+            <a:r>
+              <a:rPr sz="1400" dirty="0">
+                <a:latin typeface="Consolas"/>
+              </a:rPr>
+              <a:t>=item['</a:t>
+            </a:r>
+            <a:r>
+              <a:rPr sz="1400" dirty="0" err="1">
+                <a:latin typeface="Consolas"/>
+              </a:rPr>
+              <a:t>equipment_id</a:t>
+            </a:r>
+            <a:r>
+              <a:rPr sz="1400" dirty="0">
+                <a:latin typeface="Consolas"/>
+              </a:rPr>
+              <a:t>'],</a:t>
+            </a:r>
+            <a:br>
+              <a:rPr sz="4800" dirty="0"/>
+            </a:br>
+            <a:r>
+              <a:rPr sz="1400" dirty="0">
+                <a:latin typeface="Consolas"/>
+              </a:rPr>
+              <a:t>            quantity=item['quantity'],</a:t>
+            </a:r>
+            <a:br>
+              <a:rPr sz="4800" dirty="0"/>
+            </a:br>
+            <a:r>
+              <a:rPr sz="1400" dirty="0">
+                <a:latin typeface="Consolas"/>
+              </a:rPr>
+              <a:t>            </a:t>
+            </a:r>
+            <a:r>
+              <a:rPr sz="1400" dirty="0" err="1">
+                <a:latin typeface="Consolas"/>
+              </a:rPr>
+              <a:t>movement_type</a:t>
+            </a:r>
+            <a:r>
+              <a:rPr sz="1400" dirty="0">
+                <a:latin typeface="Consolas"/>
+              </a:rPr>
+              <a:t>=item['</a:t>
+            </a:r>
+            <a:r>
+              <a:rPr sz="1400" dirty="0" err="1">
+                <a:latin typeface="Consolas"/>
+              </a:rPr>
+              <a:t>movement_type</a:t>
+            </a:r>
+            <a:r>
+              <a:rPr sz="1400" dirty="0">
+                <a:latin typeface="Consolas"/>
+              </a:rPr>
+              <a:t>']</a:t>
+            </a:r>
+            <a:br>
+              <a:rPr sz="4800" dirty="0"/>
+            </a:br>
+            <a:r>
+              <a:rPr sz="1400" dirty="0">
+                <a:latin typeface="Consolas"/>
+              </a:rPr>
+              <a:t>        )</a:t>
+            </a:r>
+            <a:br>
+              <a:rPr sz="4800" dirty="0"/>
+            </a:br>
+            <a:r>
+              <a:rPr sz="1400" dirty="0">
+                <a:latin typeface="Consolas"/>
+              </a:rPr>
+              <a:t>    </a:t>
+            </a:r>
+            <a:r>
+              <a:rPr sz="1400" dirty="0" err="1">
+                <a:latin typeface="Consolas"/>
+              </a:rPr>
+              <a:t>log_action</a:t>
+            </a:r>
+            <a:r>
+              <a:rPr sz="1400" dirty="0">
+                <a:latin typeface="Consolas"/>
+              </a:rPr>
+              <a:t>(user, 'Create', 'Distribution', dist.id, {'items': items})</a:t>
+            </a:r>
+            <a:br>
+              <a:rPr sz="4800" dirty="0"/>
+            </a:br>
+            <a:r>
+              <a:rPr sz="1400" dirty="0">
+                <a:latin typeface="Consolas"/>
+              </a:rPr>
+              <a:t>    return </a:t>
+            </a:r>
+            <a:r>
+              <a:rPr sz="1400" dirty="0" err="1">
+                <a:latin typeface="Consolas"/>
+              </a:rPr>
+              <a:t>dist</a:t>
+            </a:r>
+            <a:endParaRPr sz="1400" dirty="0">
+              <a:latin typeface="Consolas"/>
+            </a:endParaRPr>
+          </a:p>
+        </p:txBody>
+      </p:sp>
+    </p:spTree>
+  </p:cSld>
+  <p:clrMapOvr>
+    <a:masterClrMapping/>
+  </p:clrMapOvr>
+</p:sld>
+</file>
+
+<file path=ppt/slides/slide22.xml><?xml version="1.0" encoding="utf-8"?>
+<p:sld xmlns:a="http://schemas.openxmlformats.org/drawingml/2006/main" xmlns:r="http://schemas.openxmlformats.org/officeDocument/2006/relationships" xmlns:p="http://schemas.openxmlformats.org/presentationml/2006/main">
+  <p:cSld>
+    <p:spTree>
+      <p:nvGrpSpPr>
+        <p:cNvPr id="1" name=""/>
+        <p:cNvGrpSpPr/>
+        <p:nvPr/>
+      </p:nvGrpSpPr>
+      <p:grpSpPr>
+        <a:xfrm>
+          <a:off x="0" y="0"/>
+          <a:ext cx="0" cy="0"/>
+          <a:chOff x="0" y="0"/>
+          <a:chExt cx="0" cy="0"/>
+        </a:xfrm>
+      </p:grpSpPr>
+      <p:sp>
+        <p:nvSpPr>
+          <p:cNvPr id="2" name="Title 1"/>
+          <p:cNvSpPr>
+            <a:spLocks noGrp="1"/>
+          </p:cNvSpPr>
+          <p:nvPr>
+            <p:ph type="title"/>
+          </p:nvPr>
+        </p:nvSpPr>
+        <p:spPr/>
+        <p:txBody>
+          <a:bodyPr>
+            <a:normAutofit fontScale="90000"/>
+          </a:bodyPr>
+          <a:lstStyle/>
+          <a:p>
+            <a:r>
+              <a:t>distribution/services.py – confirm_distribution</a:t>
+            </a:r>
+          </a:p>
+        </p:txBody>
+      </p:sp>
+      <p:sp>
+        <p:nvSpPr>
+          <p:cNvPr id="3" name="Content Placeholder 2"/>
+          <p:cNvSpPr>
+            <a:spLocks noGrp="1"/>
+          </p:cNvSpPr>
+          <p:nvPr>
+            <p:ph idx="1"/>
+          </p:nvPr>
+        </p:nvSpPr>
+        <p:spPr>
+          <a:xfrm>
+            <a:off x="457200" y="2002971"/>
+            <a:ext cx="8229600" cy="4123192"/>
+          </a:xfrm>
+        </p:spPr>
+        <p:style>
+          <a:lnRef idx="2">
+            <a:schemeClr val="dk1"/>
+          </a:lnRef>
+          <a:fillRef idx="1">
+            <a:schemeClr val="lt1"/>
+          </a:fillRef>
+          <a:effectRef idx="0">
+            <a:schemeClr val="dk1"/>
+          </a:effectRef>
+          <a:fontRef idx="minor">
+            <a:schemeClr val="dk1"/>
+          </a:fontRef>
+        </p:style>
+        <p:txBody>
+          <a:bodyPr>
+            <a:normAutofit/>
+          </a:bodyPr>
+          <a:lstStyle/>
+          <a:p>
+            <a:pPr marL="0" indent="0">
+              <a:buNone/>
+            </a:pPr>
+            <a:r>
+              <a:rPr sz="1200" dirty="0">
+                <a:latin typeface="Consolas"/>
+              </a:rPr>
+              <a:t>@transaction.atomic</a:t>
+            </a:r>
+            <a:br>
+              <a:rPr sz="4400" dirty="0"/>
+            </a:br>
+            <a:r>
+              <a:rPr sz="1200" dirty="0">
+                <a:latin typeface="Consolas"/>
+              </a:rPr>
+              <a:t>def </a:t>
+            </a:r>
+            <a:r>
+              <a:rPr sz="1200" dirty="0" err="1">
+                <a:latin typeface="Consolas"/>
+              </a:rPr>
+              <a:t>confirm_distribution</a:t>
+            </a:r>
+            <a:r>
+              <a:rPr sz="1200" dirty="0">
+                <a:latin typeface="Consolas"/>
+              </a:rPr>
+              <a:t>(</a:t>
+            </a:r>
+            <a:r>
+              <a:rPr sz="1200" dirty="0" err="1">
+                <a:latin typeface="Consolas"/>
+              </a:rPr>
+              <a:t>distribution_id</a:t>
+            </a:r>
+            <a:r>
+              <a:rPr sz="1200" dirty="0">
+                <a:latin typeface="Consolas"/>
+              </a:rPr>
+              <a:t>: int, user):</a:t>
+            </a:r>
+            <a:br>
+              <a:rPr sz="4400" dirty="0"/>
+            </a:br>
+            <a:r>
+              <a:rPr sz="1200" dirty="0">
+                <a:latin typeface="Consolas"/>
+              </a:rPr>
+              <a:t>    </a:t>
+            </a:r>
+            <a:r>
+              <a:rPr sz="1200" dirty="0" err="1">
+                <a:latin typeface="Consolas"/>
+              </a:rPr>
+              <a:t>dist</a:t>
+            </a:r>
+            <a:r>
+              <a:rPr sz="1200" dirty="0">
+                <a:latin typeface="Consolas"/>
+              </a:rPr>
+              <a:t> = </a:t>
+            </a:r>
+            <a:r>
+              <a:rPr sz="1200" dirty="0" err="1">
+                <a:latin typeface="Consolas"/>
+              </a:rPr>
+              <a:t>Distribution.objects.select_for_update</a:t>
+            </a:r>
+            <a:r>
+              <a:rPr sz="1200" dirty="0">
+                <a:latin typeface="Consolas"/>
+              </a:rPr>
+              <a:t>().get(id=</a:t>
+            </a:r>
+            <a:r>
+              <a:rPr sz="1200" dirty="0" err="1">
+                <a:latin typeface="Consolas"/>
+              </a:rPr>
+              <a:t>distribution_id</a:t>
+            </a:r>
+            <a:r>
+              <a:rPr sz="1200" dirty="0">
+                <a:latin typeface="Consolas"/>
+              </a:rPr>
+              <a:t>)</a:t>
+            </a:r>
+            <a:br>
+              <a:rPr sz="4400" dirty="0"/>
+            </a:br>
+            <a:r>
+              <a:rPr sz="1200" dirty="0">
+                <a:latin typeface="Consolas"/>
+              </a:rPr>
+              <a:t>    if </a:t>
+            </a:r>
+            <a:r>
+              <a:rPr sz="1200" dirty="0" err="1">
+                <a:latin typeface="Consolas"/>
+              </a:rPr>
+              <a:t>dist.status</a:t>
+            </a:r>
+            <a:r>
+              <a:rPr sz="1200" dirty="0">
+                <a:latin typeface="Consolas"/>
+              </a:rPr>
+              <a:t> == 'Confirmed':</a:t>
+            </a:r>
+            <a:br>
+              <a:rPr sz="4400" dirty="0"/>
+            </a:br>
+            <a:r>
+              <a:rPr sz="1200" dirty="0">
+                <a:latin typeface="Consolas"/>
+              </a:rPr>
+              <a:t>        raise </a:t>
+            </a:r>
+            <a:r>
+              <a:rPr sz="1200" dirty="0" err="1">
+                <a:latin typeface="Consolas"/>
+              </a:rPr>
+              <a:t>ValueError</a:t>
+            </a:r>
+            <a:r>
+              <a:rPr sz="1200" dirty="0">
+                <a:latin typeface="Consolas"/>
+              </a:rPr>
+              <a:t>("Already confirmed")</a:t>
+            </a:r>
+            <a:br>
+              <a:rPr sz="4400" dirty="0"/>
+            </a:br>
+            <a:r>
+              <a:rPr sz="1200" dirty="0">
+                <a:latin typeface="Consolas"/>
+              </a:rPr>
+              <a:t>    </a:t>
+            </a:r>
+            <a:br>
+              <a:rPr sz="4400" dirty="0"/>
+            </a:br>
+            <a:r>
+              <a:rPr sz="1200" dirty="0">
+                <a:latin typeface="Consolas"/>
+              </a:rPr>
+              <a:t>    </a:t>
+            </a:r>
+            <a:r>
+              <a:rPr sz="1200" dirty="0" err="1">
+                <a:latin typeface="Consolas"/>
+              </a:rPr>
+              <a:t>dist.status</a:t>
+            </a:r>
+            <a:r>
+              <a:rPr sz="1200" dirty="0">
+                <a:latin typeface="Consolas"/>
+              </a:rPr>
+              <a:t> = 'Confirmed'</a:t>
+            </a:r>
+            <a:br>
+              <a:rPr sz="4400" dirty="0"/>
+            </a:br>
+            <a:r>
+              <a:rPr sz="1200" dirty="0">
+                <a:latin typeface="Consolas"/>
+              </a:rPr>
+              <a:t>    </a:t>
+            </a:r>
+            <a:r>
+              <a:rPr sz="1200" dirty="0" err="1">
+                <a:latin typeface="Consolas"/>
+              </a:rPr>
+              <a:t>dist.confirmed_at</a:t>
+            </a:r>
+            <a:r>
+              <a:rPr sz="1200" dirty="0">
+                <a:latin typeface="Consolas"/>
+              </a:rPr>
+              <a:t> = </a:t>
+            </a:r>
+            <a:r>
+              <a:rPr sz="1200" dirty="0" err="1">
+                <a:latin typeface="Consolas"/>
+              </a:rPr>
+              <a:t>timezone.now</a:t>
+            </a:r>
+            <a:r>
+              <a:rPr sz="1200" dirty="0">
+                <a:latin typeface="Consolas"/>
+              </a:rPr>
+              <a:t>()</a:t>
+            </a:r>
+            <a:br>
+              <a:rPr sz="4400" dirty="0"/>
+            </a:br>
+            <a:r>
+              <a:rPr sz="1200" dirty="0">
+                <a:latin typeface="Consolas"/>
+              </a:rPr>
+              <a:t>    </a:t>
+            </a:r>
+            <a:r>
+              <a:rPr sz="1200" dirty="0" err="1">
+                <a:latin typeface="Consolas"/>
+              </a:rPr>
+              <a:t>dist.save</a:t>
+            </a:r>
+            <a:r>
+              <a:rPr sz="1200" dirty="0">
+                <a:latin typeface="Consolas"/>
+              </a:rPr>
+              <a:t>(</a:t>
+            </a:r>
+            <a:r>
+              <a:rPr sz="1200" dirty="0" err="1">
+                <a:latin typeface="Consolas"/>
+              </a:rPr>
+              <a:t>update_fields</a:t>
+            </a:r>
+            <a:r>
+              <a:rPr sz="1200" dirty="0">
+                <a:latin typeface="Consolas"/>
+              </a:rPr>
+              <a:t>=['status', '</a:t>
+            </a:r>
+            <a:r>
+              <a:rPr sz="1200" dirty="0" err="1">
+                <a:latin typeface="Consolas"/>
+              </a:rPr>
+              <a:t>confirmed_at</a:t>
+            </a:r>
+            <a:r>
+              <a:rPr sz="1200" dirty="0">
+                <a:latin typeface="Consolas"/>
+              </a:rPr>
+              <a:t>'])</a:t>
+            </a:r>
+            <a:br>
+              <a:rPr sz="4400" dirty="0"/>
+            </a:br>
+            <a:r>
+              <a:rPr sz="1200" dirty="0">
+                <a:latin typeface="Consolas"/>
+              </a:rPr>
+              <a:t>    </a:t>
+            </a:r>
+            <a:br>
+              <a:rPr sz="4400" dirty="0"/>
+            </a:br>
+            <a:r>
+              <a:rPr sz="1200" dirty="0">
+                <a:latin typeface="Consolas"/>
+              </a:rPr>
+              <a:t>    for item in </a:t>
+            </a:r>
+            <a:r>
+              <a:rPr sz="1200" dirty="0" err="1">
+                <a:latin typeface="Consolas"/>
+              </a:rPr>
+              <a:t>dist.items.all</a:t>
+            </a:r>
+            <a:r>
+              <a:rPr sz="1200" dirty="0">
+                <a:latin typeface="Consolas"/>
+              </a:rPr>
+              <a:t>():</a:t>
+            </a:r>
+            <a:br>
+              <a:rPr sz="4400" dirty="0"/>
+            </a:br>
+            <a:r>
+              <a:rPr sz="1200" dirty="0">
+                <a:latin typeface="Consolas"/>
+              </a:rPr>
+              <a:t>        inv = </a:t>
+            </a:r>
+            <a:r>
+              <a:rPr sz="1200" dirty="0" err="1">
+                <a:latin typeface="Consolas"/>
+              </a:rPr>
+              <a:t>DepotInventory.objects.select_for_update</a:t>
+            </a:r>
+            <a:r>
+              <a:rPr sz="1200" dirty="0">
+                <a:latin typeface="Consolas"/>
+              </a:rPr>
+              <a:t>().get(</a:t>
+            </a:r>
+            <a:br>
+              <a:rPr sz="4400" dirty="0"/>
+            </a:br>
+            <a:r>
+              <a:rPr sz="1200" dirty="0">
+                <a:latin typeface="Consolas"/>
+              </a:rPr>
+              <a:t>            </a:t>
+            </a:r>
+            <a:r>
+              <a:rPr sz="1200" dirty="0" err="1">
+                <a:latin typeface="Consolas"/>
+              </a:rPr>
+              <a:t>depot_id</a:t>
+            </a:r>
+            <a:r>
+              <a:rPr sz="1200" dirty="0">
+                <a:latin typeface="Consolas"/>
+              </a:rPr>
+              <a:t>=</a:t>
+            </a:r>
+            <a:r>
+              <a:rPr sz="1200" dirty="0" err="1">
+                <a:latin typeface="Consolas"/>
+              </a:rPr>
+              <a:t>item.depot_id</a:t>
+            </a:r>
+            <a:r>
+              <a:rPr sz="1200" dirty="0">
+                <a:latin typeface="Consolas"/>
+              </a:rPr>
+              <a:t>, </a:t>
+            </a:r>
+            <a:r>
+              <a:rPr sz="1200" dirty="0" err="1">
+                <a:latin typeface="Consolas"/>
+              </a:rPr>
+              <a:t>equipment_id</a:t>
+            </a:r>
+            <a:r>
+              <a:rPr sz="1200" dirty="0">
+                <a:latin typeface="Consolas"/>
+              </a:rPr>
+              <a:t>=</a:t>
+            </a:r>
+            <a:r>
+              <a:rPr sz="1200" dirty="0" err="1">
+                <a:latin typeface="Consolas"/>
+              </a:rPr>
+              <a:t>item.equipment_id</a:t>
+            </a:r>
+            <a:br>
+              <a:rPr sz="4400" dirty="0"/>
+            </a:br>
+            <a:r>
+              <a:rPr sz="1200" dirty="0">
+                <a:latin typeface="Consolas"/>
+              </a:rPr>
+              <a:t>        )</a:t>
+            </a:r>
+            <a:br>
+              <a:rPr sz="4400" dirty="0"/>
+            </a:br>
+            <a:r>
+              <a:rPr sz="1200" dirty="0">
+                <a:latin typeface="Consolas"/>
+              </a:rPr>
+              <a:t>        delta = </a:t>
+            </a:r>
+            <a:r>
+              <a:rPr sz="1200" dirty="0" err="1">
+                <a:latin typeface="Consolas"/>
+              </a:rPr>
+              <a:t>item.quantity</a:t>
+            </a:r>
+            <a:r>
+              <a:rPr sz="1200" dirty="0">
+                <a:latin typeface="Consolas"/>
+              </a:rPr>
+              <a:t> if </a:t>
+            </a:r>
+            <a:r>
+              <a:rPr sz="1200" dirty="0" err="1">
+                <a:latin typeface="Consolas"/>
+              </a:rPr>
+              <a:t>item.movement_type</a:t>
+            </a:r>
+            <a:r>
+              <a:rPr sz="1200" dirty="0">
+                <a:latin typeface="Consolas"/>
+              </a:rPr>
+              <a:t> == 'Empty Return' else -</a:t>
+            </a:r>
+            <a:r>
+              <a:rPr sz="1200" dirty="0" err="1">
+                <a:latin typeface="Consolas"/>
+              </a:rPr>
+              <a:t>item.quantity</a:t>
+            </a:r>
+            <a:br>
+              <a:rPr sz="4400" dirty="0"/>
+            </a:br>
+            <a:r>
+              <a:rPr sz="1200" dirty="0">
+                <a:latin typeface="Consolas"/>
+              </a:rPr>
+              <a:t>        </a:t>
+            </a:r>
+            <a:r>
+              <a:rPr sz="1200" dirty="0" err="1">
+                <a:latin typeface="Consolas"/>
+              </a:rPr>
+              <a:t>inv.quantity</a:t>
+            </a:r>
+            <a:r>
+              <a:rPr sz="1200" dirty="0">
+                <a:latin typeface="Consolas"/>
+              </a:rPr>
+              <a:t> = F('quantity') + delta</a:t>
+            </a:r>
+            <a:br>
+              <a:rPr sz="4400" dirty="0"/>
+            </a:br>
+            <a:r>
+              <a:rPr sz="1200" dirty="0">
+                <a:latin typeface="Consolas"/>
+              </a:rPr>
+              <a:t>        </a:t>
+            </a:r>
+            <a:r>
+              <a:rPr sz="1200" dirty="0" err="1">
+                <a:latin typeface="Consolas"/>
+              </a:rPr>
+              <a:t>inv.save</a:t>
+            </a:r>
+            <a:r>
+              <a:rPr sz="1200" dirty="0">
+                <a:latin typeface="Consolas"/>
+              </a:rPr>
+              <a:t>(</a:t>
+            </a:r>
+            <a:r>
+              <a:rPr sz="1200" dirty="0" err="1">
+                <a:latin typeface="Consolas"/>
+              </a:rPr>
+              <a:t>update_fields</a:t>
+            </a:r>
+            <a:r>
+              <a:rPr sz="1200" dirty="0">
+                <a:latin typeface="Consolas"/>
+              </a:rPr>
+              <a:t>=['quantity'])</a:t>
+            </a:r>
+            <a:br>
+              <a:rPr sz="4400" dirty="0"/>
+            </a:br>
+            <a:r>
+              <a:rPr sz="1200" dirty="0">
+                <a:latin typeface="Consolas"/>
+              </a:rPr>
+              <a:t>    </a:t>
+            </a:r>
+            <a:br>
+              <a:rPr sz="4400" dirty="0"/>
+            </a:br>
+            <a:r>
+              <a:rPr sz="1200" dirty="0">
+                <a:latin typeface="Consolas"/>
+              </a:rPr>
+              <a:t>    </a:t>
+            </a:r>
+            <a:r>
+              <a:rPr sz="1200" dirty="0" err="1">
+                <a:latin typeface="Consolas"/>
+              </a:rPr>
+              <a:t>log_action</a:t>
+            </a:r>
+            <a:r>
+              <a:rPr sz="1200" dirty="0">
+                <a:latin typeface="Consolas"/>
+              </a:rPr>
+              <a:t>(user, 'Confirm', 'Distribution', dist.id, {'status': 'Confirmed'})</a:t>
+            </a:r>
+            <a:br>
+              <a:rPr sz="4400" dirty="0"/>
+            </a:br>
+            <a:r>
+              <a:rPr sz="1200" dirty="0">
+                <a:latin typeface="Consolas"/>
+              </a:rPr>
+              <a:t>    return </a:t>
+            </a:r>
+            <a:r>
+              <a:rPr sz="1200" dirty="0" err="1">
+                <a:latin typeface="Consolas"/>
+              </a:rPr>
+              <a:t>dist</a:t>
+            </a:r>
+            <a:endParaRPr sz="1200" dirty="0">
+              <a:latin typeface="Consolas"/>
+            </a:endParaRPr>
+          </a:p>
+        </p:txBody>
+      </p:sp>
+    </p:spTree>
+  </p:cSld>
+  <p:clrMapOvr>
+    <a:masterClrMapping/>
+  </p:clrMapOvr>
+</p:sld>
+</file>
+
+<file path=ppt/slides/slide23.xml><?xml version="1.0" encoding="utf-8"?>
+<p:sld xmlns:a="http://schemas.openxmlformats.org/drawingml/2006/main" xmlns:r="http://schemas.openxmlformats.org/officeDocument/2006/relationships" xmlns:p="http://schemas.openxmlformats.org/presentationml/2006/main">
+  <p:cSld>
+    <p:spTree>
+      <p:nvGrpSpPr>
+        <p:cNvPr id="1" name=""/>
+        <p:cNvGrpSpPr/>
+        <p:nvPr/>
+      </p:nvGrpSpPr>
+      <p:grpSpPr>
+        <a:xfrm>
+          <a:off x="0" y="0"/>
+          <a:ext cx="0" cy="0"/>
+          <a:chOff x="0" y="0"/>
+          <a:chExt cx="0" cy="0"/>
+        </a:xfrm>
+      </p:grpSpPr>
+      <p:sp>
+        <p:nvSpPr>
+          <p:cNvPr id="2" name="Title 1"/>
+          <p:cNvSpPr>
+            <a:spLocks noGrp="1"/>
+          </p:cNvSpPr>
+          <p:nvPr>
+            <p:ph type="title"/>
+          </p:nvPr>
+        </p:nvSpPr>
+        <p:spPr/>
+        <p:txBody>
+          <a:bodyPr/>
+          <a:lstStyle/>
+          <a:p>
+            <a:r>
+              <a:t>inventory/services.py</a:t>
+            </a:r>
+          </a:p>
+        </p:txBody>
+      </p:sp>
+      <p:sp>
+        <p:nvSpPr>
+          <p:cNvPr id="3" name="Content Placeholder 2"/>
+          <p:cNvSpPr>
+            <a:spLocks noGrp="1"/>
+          </p:cNvSpPr>
+          <p:nvPr>
+            <p:ph idx="1"/>
+          </p:nvPr>
+        </p:nvSpPr>
+        <p:spPr/>
+        <p:txBody>
+          <a:bodyPr/>
+          <a:lstStyle/>
+          <a:p>
+            <a:endParaRPr/>
+          </a:p>
+          <a:p>
+            <a:r>
+              <a:rPr sz="1000">
+                <a:latin typeface="Consolas"/>
+              </a:rPr>
+              <a:t>@transaction.atomic</a:t>
+            </a:r>
+            <a:br/>
+            <a:r>
+              <a:rPr sz="1000">
+                <a:latin typeface="Consolas"/>
+              </a:rPr>
+              <a:t>def update_inventory(entity: str, entity_id: int, equipment_id: int, delta: int, user):</a:t>
+            </a:r>
+            <a:br/>
+            <a:r>
+              <a:rPr sz="1000">
+                <a:latin typeface="Consolas"/>
+              </a:rPr>
+              <a:t>    if entity == 'customer':</a:t>
+            </a:r>
+            <a:br/>
+            <a:r>
+              <a:rPr sz="1000">
+                <a:latin typeface="Consolas"/>
+              </a:rPr>
+              <a:t>        inv, _ = CustomerSiteInventory.objects.select_for_update().get_or_create(</a:t>
+            </a:r>
+            <a:br/>
+            <a:r>
+              <a:rPr sz="1000">
+                <a:latin typeface="Consolas"/>
+              </a:rPr>
+              <a:t>            customer_id=entity_id, equipment_id=equipment_id</a:t>
+            </a:r>
+            <a:br/>
+            <a:r>
+              <a:rPr sz="1000">
+                <a:latin typeface="Consolas"/>
+              </a:rPr>
+              <a:t>        )</a:t>
+            </a:r>
+            <a:br/>
+            <a:r>
+              <a:rPr sz="1000">
+                <a:latin typeface="Consolas"/>
+              </a:rPr>
+              <a:t>    else:  # depot</a:t>
+            </a:r>
+            <a:br/>
+            <a:r>
+              <a:rPr sz="1000">
+                <a:latin typeface="Consolas"/>
+              </a:rPr>
+              <a:t>        inv, _ = DepotInventory.objects.select_for_update().get_or_create(</a:t>
+            </a:r>
+            <a:br/>
+            <a:r>
+              <a:rPr sz="1000">
+                <a:latin typeface="Consolas"/>
+              </a:rPr>
+              <a:t>            depot_id=entity_id, equipment_id=equipment_id</a:t>
+            </a:r>
+            <a:br/>
+            <a:r>
+              <a:rPr sz="1000">
+                <a:latin typeface="Consolas"/>
+              </a:rPr>
+              <a:t>        )</a:t>
+            </a:r>
+            <a:br/>
+            <a:r>
+              <a:rPr sz="1000">
+                <a:latin typeface="Consolas"/>
+              </a:rPr>
+              <a:t>    </a:t>
+            </a:r>
+            <a:br/>
+            <a:r>
+              <a:rPr sz="1000">
+                <a:latin typeface="Consolas"/>
+              </a:rPr>
+              <a:t>    inv.quantity += delta</a:t>
+            </a:r>
+            <a:br/>
+            <a:r>
+              <a:rPr sz="1000">
+                <a:latin typeface="Consolas"/>
+              </a:rPr>
+              <a:t>    if inv.quantity &lt; 0:</a:t>
+            </a:r>
+            <a:br/>
+            <a:r>
+              <a:rPr sz="1000">
+                <a:latin typeface="Consolas"/>
+              </a:rPr>
+              <a:t>        raise ValueError("Negative inventory not allowed")</a:t>
+            </a:r>
+            <a:br/>
+            <a:r>
+              <a:rPr sz="1000">
+                <a:latin typeface="Consolas"/>
+              </a:rPr>
+              <a:t>    </a:t>
+            </a:r>
+            <a:br/>
+            <a:r>
+              <a:rPr sz="1000">
+                <a:latin typeface="Consolas"/>
+              </a:rPr>
+              <a:t>    inv.save(update_fields=['quantity'])</a:t>
+            </a:r>
+            <a:br/>
+            <a:r>
+              <a:rPr sz="1000">
+                <a:latin typeface="Consolas"/>
+              </a:rPr>
+              <a:t>    log_action(user, 'Update', f'{entity.capitalize()}Inventory', inv.id, {'delta': delta})</a:t>
+            </a:r>
+            <a:br/>
+            <a:r>
+              <a:rPr sz="1000">
+                <a:latin typeface="Consolas"/>
+              </a:rPr>
+              <a:t>    return inv</a:t>
+            </a:r>
+          </a:p>
+        </p:txBody>
+      </p:sp>
+    </p:spTree>
+  </p:cSld>
+  <p:clrMapOvr>
+    <a:masterClrMapping/>
+  </p:clrMapOvr>
+</p:sld>
+</file>
+
+<file path=ppt/slides/slide24.xml><?xml version="1.0" encoding="utf-8"?>
+<p:sld xmlns:a="http://schemas.openxmlformats.org/drawingml/2006/main" xmlns:r="http://schemas.openxmlformats.org/officeDocument/2006/relationships" xmlns:p="http://schemas.openxmlformats.org/presentationml/2006/main">
+  <p:cSld>
+    <p:spTree>
+      <p:nvGrpSpPr>
+        <p:cNvPr id="1" name=""/>
+        <p:cNvGrpSpPr/>
+        <p:nvPr/>
+      </p:nvGrpSpPr>
+      <p:grpSpPr>
+        <a:xfrm>
+          <a:off x="0" y="0"/>
+          <a:ext cx="0" cy="0"/>
+          <a:chOff x="0" y="0"/>
+          <a:chExt cx="0" cy="0"/>
+        </a:xfrm>
+      </p:grpSpPr>
+      <p:sp>
+        <p:nvSpPr>
+          <p:cNvPr id="2" name="Title 1"/>
+          <p:cNvSpPr>
+            <a:spLocks noGrp="1"/>
+          </p:cNvSpPr>
+          <p:nvPr>
+            <p:ph type="title"/>
+          </p:nvPr>
+        </p:nvSpPr>
+        <p:spPr/>
+        <p:txBody>
+          <a:bodyPr/>
+          <a:lstStyle/>
+          <a:p>
+            <a:r>
+              <a:t>transactions/services.py</a:t>
+            </a:r>
+          </a:p>
+        </p:txBody>
+      </p:sp>
+      <p:sp>
+        <p:nvSpPr>
+          <p:cNvPr id="3" name="Content Placeholder 2"/>
+          <p:cNvSpPr>
+            <a:spLocks noGrp="1"/>
+          </p:cNvSpPr>
+          <p:nvPr>
+            <p:ph idx="1"/>
+          </p:nvPr>
+        </p:nvSpPr>
+        <p:spPr/>
+        <p:txBody>
+          <a:bodyPr>
+            <a:normAutofit fontScale="77500" lnSpcReduction="20000"/>
+          </a:bodyPr>
+          <a:lstStyle/>
+          <a:p>
+            <a:endParaRPr/>
+          </a:p>
+          <a:p>
+            <a:r>
+              <a:rPr sz="1000">
+                <a:latin typeface="Consolas"/>
+              </a:rPr>
+              <a:t>@transaction.atomic</a:t>
+            </a:r>
+            <a:br/>
+            <a:r>
+              <a:rPr sz="1000">
+                <a:latin typeface="Consolas"/>
+              </a:rPr>
+              <a:t>def create_customer_transaction_and_invoice(user, data: dict):</a:t>
+            </a:r>
+            <a:br/>
+            <a:r>
+              <a:rPr sz="1000">
+                <a:latin typeface="Consolas"/>
+              </a:rPr>
+              <a:t>    cust = Customer.objects.get(id=data['customer'])</a:t>
+            </a:r>
+            <a:br/>
+            <a:r>
+              <a:rPr sz="1000">
+                <a:latin typeface="Consolas"/>
+              </a:rPr>
+              <a:t>    </a:t>
+            </a:r>
+            <a:br/>
+            <a:r>
+              <a:rPr sz="1000">
+                <a:latin typeface="Consolas"/>
+              </a:rPr>
+              <a:t>    trx = Transaction.objects.create(</a:t>
+            </a:r>
+            <a:br/>
+            <a:r>
+              <a:rPr sz="1000">
+                <a:latin typeface="Consolas"/>
+              </a:rPr>
+              <a:t>        user=user,</a:t>
+            </a:r>
+            <a:br/>
+            <a:r>
+              <a:rPr sz="1000">
+                <a:latin typeface="Consolas"/>
+              </a:rPr>
+              <a:t>        customer=cust,</a:t>
+            </a:r>
+            <a:br/>
+            <a:r>
+              <a:rPr sz="1000">
+                <a:latin typeface="Consolas"/>
+              </a:rPr>
+              <a:t>        transaction_number=generate_number('TRX'),</a:t>
+            </a:r>
+            <a:br/>
+            <a:r>
+              <a:rPr sz="1000">
+                <a:latin typeface="Consolas"/>
+              </a:rPr>
+              <a:t>        status='Pending',</a:t>
+            </a:r>
+            <a:br/>
+            <a:r>
+              <a:rPr sz="1000">
+                <a:latin typeface="Consolas"/>
+              </a:rPr>
+              <a:t>        last_meter_reading=cust.last_meter_reading or 0,</a:t>
+            </a:r>
+            <a:br/>
+            <a:r>
+              <a:rPr sz="1000">
+                <a:latin typeface="Consolas"/>
+              </a:rPr>
+              <a:t>        current_meter_reading=data['current_meter'],</a:t>
+            </a:r>
+            <a:br/>
+            <a:r>
+              <a:rPr sz="1000">
+                <a:latin typeface="Consolas"/>
+              </a:rPr>
+              <a:t>        total_amount=0</a:t>
+            </a:r>
+            <a:br/>
+            <a:r>
+              <a:rPr sz="1000">
+                <a:latin typeface="Consolas"/>
+              </a:rPr>
+              <a:t>    )</a:t>
+            </a:r>
+            <a:br/>
+            <a:r>
+              <a:rPr sz="1000">
+                <a:latin typeface="Consolas"/>
+              </a:rPr>
+              <a:t>    </a:t>
+            </a:r>
+            <a:br/>
+            <a:r>
+              <a:rPr sz="1000">
+                <a:latin typeface="Consolas"/>
+              </a:rPr>
+              <a:t>    total = (trx.current_meter_reading - trx.last_meter_reading) * cust.meter_rate</a:t>
+            </a:r>
+            <a:br/>
+            <a:r>
+              <a:rPr sz="1000">
+                <a:latin typeface="Consolas"/>
+              </a:rPr>
+              <a:t>    </a:t>
+            </a:r>
+            <a:br/>
+            <a:r>
+              <a:rPr sz="1000">
+                <a:latin typeface="Consolas"/>
+              </a:rPr>
+              <a:t>    for item in data.get('items', []):</a:t>
+            </a:r>
+            <a:br/>
+            <a:r>
+              <a:rPr sz="1000">
+                <a:latin typeface="Consolas"/>
+              </a:rPr>
+              <a:t>        TransactionItem.objects.create(</a:t>
+            </a:r>
+            <a:br/>
+            <a:r>
+              <a:rPr sz="1000">
+                <a:latin typeface="Consolas"/>
+              </a:rPr>
+              <a:t>            transaction=trx,</a:t>
+            </a:r>
+            <a:br/>
+            <a:r>
+              <a:rPr sz="1000">
+                <a:latin typeface="Consolas"/>
+              </a:rPr>
+              <a:t>            equipment_id=item['equipment_id'],</a:t>
+            </a:r>
+            <a:br/>
+            <a:r>
+              <a:rPr sz="1000">
+                <a:latin typeface="Consolas"/>
+              </a:rPr>
+              <a:t>            quantity=item['quantity'],</a:t>
+            </a:r>
+            <a:br/>
+            <a:r>
+              <a:rPr sz="1000">
+                <a:latin typeface="Consolas"/>
+              </a:rPr>
+              <a:t>            rate=item.get('rate', 0),</a:t>
+            </a:r>
+            <a:br/>
+            <a:r>
+              <a:rPr sz="1000">
+                <a:latin typeface="Consolas"/>
+              </a:rPr>
+              <a:t>            item_type=item['type']</a:t>
+            </a:r>
+            <a:br/>
+            <a:r>
+              <a:rPr sz="1000">
+                <a:latin typeface="Consolas"/>
+              </a:rPr>
+              <a:t>        )</a:t>
+            </a:r>
+            <a:br/>
+            <a:r>
+              <a:rPr sz="1000">
+                <a:latin typeface="Consolas"/>
+              </a:rPr>
+              <a:t>        total += item['quantity'] * item.get('rate', 0)</a:t>
+            </a:r>
+            <a:br/>
+            <a:r>
+              <a:rPr sz="1000">
+                <a:latin typeface="Consolas"/>
+              </a:rPr>
+              <a:t>        </a:t>
+            </a:r>
+            <a:br/>
+            <a:r>
+              <a:rPr sz="1000">
+                <a:latin typeface="Consolas"/>
+              </a:rPr>
+              <a:t>        delta = item['quantity'] if item['type'] == 'Delivery' else -item.quantity</a:t>
+            </a:r>
+            <a:br/>
+            <a:r>
+              <a:rPr sz="1000">
+                <a:latin typeface="Consolas"/>
+              </a:rPr>
+              <a:t>        update_inventory('customer', cust.id, item['equipment_id'], delta, user)</a:t>
+            </a:r>
+            <a:br/>
+            <a:r>
+              <a:rPr sz="1000">
+                <a:latin typeface="Consolas"/>
+              </a:rPr>
+              <a:t>    </a:t>
+            </a:r>
+            <a:br/>
+            <a:r>
+              <a:rPr sz="1000">
+                <a:latin typeface="Consolas"/>
+              </a:rPr>
+              <a:t>    trx.total_amount = total</a:t>
+            </a:r>
+            <a:br/>
+            <a:r>
+              <a:rPr sz="1000">
+                <a:latin typeface="Consolas"/>
+              </a:rPr>
+              <a:t>    trx.save(update_fields=['total_amount'])</a:t>
+            </a:r>
+            <a:br/>
+            <a:r>
+              <a:rPr sz="1000">
+                <a:latin typeface="Consolas"/>
+              </a:rPr>
+              <a:t>    </a:t>
+            </a:r>
+            <a:br/>
+            <a:r>
+              <a:rPr sz="1000">
+                <a:latin typeface="Consolas"/>
+              </a:rPr>
+              <a:t>    inv = Invoice.objects.create(</a:t>
+            </a:r>
+            <a:br/>
+            <a:r>
+              <a:rPr sz="1000">
+                <a:latin typeface="Consolas"/>
+              </a:rPr>
+              <a:t>        transaction=trx,</a:t>
+            </a:r>
+            <a:br/>
+            <a:r>
+              <a:rPr sz="1000">
+                <a:latin typeface="Consolas"/>
+              </a:rPr>
+              <a:t>        invoice_number=generate_number('INV')</a:t>
+            </a:r>
+            <a:br/>
+            <a:r>
+              <a:rPr sz="1000">
+                <a:latin typeface="Consolas"/>
+              </a:rPr>
+              <a:t>    )</a:t>
+            </a:r>
+            <a:br/>
+            <a:r>
+              <a:rPr sz="1000">
+                <a:latin typeface="Consolas"/>
+              </a:rPr>
+              <a:t>    </a:t>
+            </a:r>
+            <a:br/>
+            <a:r>
+              <a:rPr sz="1000">
+                <a:latin typeface="Consolas"/>
+              </a:rPr>
+              <a:t>    log_action(user, 'Create', 'Transaction', trx.id, data)</a:t>
+            </a:r>
+            <a:br/>
+            <a:r>
+              <a:rPr sz="1000">
+                <a:latin typeface="Consolas"/>
+              </a:rPr>
+              <a:t>    return trx, inv</a:t>
+            </a:r>
+          </a:p>
+        </p:txBody>
+      </p:sp>
+    </p:spTree>
+  </p:cSld>
+  <p:clrMapOvr>
+    <a:masterClrMapping/>
+  </p:clrMapOvr>
+</p:sld>
+</file>
+
+<file path=ppt/slides/slide25.xml><?xml version="1.0" encoding="utf-8"?>
+<p:sld xmlns:a="http://schemas.openxmlformats.org/drawingml/2006/main" xmlns:r="http://schemas.openxmlformats.org/officeDocument/2006/relationships" xmlns:p="http://schemas.openxmlformats.org/presentationml/2006/main">
+  <p:cSld>
+    <p:spTree>
+      <p:nvGrpSpPr>
+        <p:cNvPr id="1" name=""/>
+        <p:cNvGrpSpPr/>
+        <p:nvPr/>
+      </p:nvGrpSpPr>
+      <p:grpSpPr>
+        <a:xfrm>
+          <a:off x="0" y="0"/>
+          <a:ext cx="0" cy="0"/>
+          <a:chOff x="0" y="0"/>
+          <a:chExt cx="0" cy="0"/>
+        </a:xfrm>
+      </p:grpSpPr>
+      <p:sp>
+        <p:nvSpPr>
+          <p:cNvPr id="2" name="Title 1"/>
+          <p:cNvSpPr>
+            <a:spLocks noGrp="1"/>
+          </p:cNvSpPr>
+          <p:nvPr>
+            <p:ph type="title"/>
+          </p:nvPr>
+        </p:nvSpPr>
+        <p:spPr/>
+        <p:txBody>
+          <a:bodyPr/>
+          <a:lstStyle/>
+          <a:p>
+            <a:r>
+              <a:t>ViewSets – Thin &amp; Intent-Based</a:t>
+            </a:r>
+          </a:p>
+        </p:txBody>
+      </p:sp>
+      <p:sp>
+        <p:nvSpPr>
+          <p:cNvPr id="3" name="Content Placeholder 2"/>
+          <p:cNvSpPr>
+            <a:spLocks noGrp="1"/>
+          </p:cNvSpPr>
+          <p:nvPr>
+            <p:ph idx="1"/>
+          </p:nvPr>
+        </p:nvSpPr>
+        <p:spPr/>
+        <p:txBody>
+          <a:bodyPr/>
+          <a:lstStyle/>
+          <a:p>
+            <a:endParaRPr/>
+          </a:p>
+          <a:p>
+            <a:r>
+              <a:t>Delegate to services</a:t>
+            </a:r>
+          </a:p>
+          <a:p>
+            <a:r>
+              <a:t>Explicit actions only (/confirm/) – no generic PUT/PATCH on confirmed records</a:t>
+            </a:r>
+          </a:p>
+          <a:p>
+            <a:r>
+              <a:t>Driver sees own records only (get_queryset filter)</a:t>
+            </a:r>
+          </a:p>
+        </p:txBody>
+      </p:sp>
+    </p:spTree>
+  </p:cSld>
+  <p:clrMapOvr>
+    <a:masterClrMapping/>
+  </p:clrMapOvr>
+</p:sld>
+</file>
+
+<file path=ppt/slides/slide26.xml><?xml version="1.0" encoding="utf-8"?>
+<p:sld xmlns:a="http://schemas.openxmlformats.org/drawingml/2006/main" xmlns:r="http://schemas.openxmlformats.org/officeDocument/2006/relationships" xmlns:p="http://schemas.openxmlformats.org/presentationml/2006/main">
+  <p:cSld>
+    <p:spTree>
+      <p:nvGrpSpPr>
+        <p:cNvPr id="1" name=""/>
+        <p:cNvGrpSpPr/>
+        <p:nvPr/>
+      </p:nvGrpSpPr>
+      <p:grpSpPr>
+        <a:xfrm>
+          <a:off x="0" y="0"/>
+          <a:ext cx="0" cy="0"/>
+          <a:chOff x="0" y="0"/>
+          <a:chExt cx="0" cy="0"/>
+        </a:xfrm>
+      </p:grpSpPr>
+      <p:sp>
+        <p:nvSpPr>
+          <p:cNvPr id="2" name="Title 1"/>
+          <p:cNvSpPr>
+            <a:spLocks noGrp="1"/>
+          </p:cNvSpPr>
+          <p:nvPr>
+            <p:ph type="title"/>
+          </p:nvPr>
+        </p:nvSpPr>
+        <p:spPr/>
+        <p:txBody>
+          <a:bodyPr/>
+          <a:lstStyle/>
+          <a:p>
+            <a:r>
+              <a:t>distribution/views.py</a:t>
+            </a:r>
+          </a:p>
+        </p:txBody>
+      </p:sp>
+      <p:sp>
+        <p:nvSpPr>
+          <p:cNvPr id="3" name="Content Placeholder 2"/>
+          <p:cNvSpPr>
+            <a:spLocks noGrp="1"/>
+          </p:cNvSpPr>
+          <p:nvPr>
+            <p:ph idx="1"/>
+          </p:nvPr>
+        </p:nvSpPr>
+        <p:spPr/>
+        <p:txBody>
+          <a:bodyPr/>
+          <a:lstStyle/>
+          <a:p>
+            <a:endParaRPr/>
+          </a:p>
+          <a:p>
+            <a:r>
+              <a:rPr sz="1000">
+                <a:latin typeface="Consolas"/>
+              </a:rPr>
+              <a:t>class DistributionViewSet(viewsets.ModelViewSet):</a:t>
+            </a:r>
+            <a:br/>
+            <a:r>
+              <a:rPr sz="1000">
+                <a:latin typeface="Consolas"/>
+              </a:rPr>
+              <a:t>    # ... queryset, serializer, permissions ...</a:t>
+            </a:r>
+            <a:br/>
+            <a:r>
+              <a:rPr sz="1000">
+                <a:latin typeface="Consolas"/>
+              </a:rPr>
+              <a:t>    </a:t>
+            </a:r>
+            <a:br/>
+            <a:r>
+              <a:rPr sz="1000">
+                <a:latin typeface="Consolas"/>
+              </a:rPr>
+              <a:t>    def create(self, request, *args, **kwargs):</a:t>
+            </a:r>
+            <a:br/>
+            <a:r>
+              <a:rPr sz="1000">
+                <a:latin typeface="Consolas"/>
+              </a:rPr>
+              <a:t>        try:</a:t>
+            </a:r>
+            <a:br/>
+            <a:r>
+              <a:rPr sz="1000">
+                <a:latin typeface="Consolas"/>
+              </a:rPr>
+              <a:t>            dist = create_distribution(...)</a:t>
+            </a:r>
+            <a:br/>
+            <a:r>
+              <a:rPr sz="1000">
+                <a:latin typeface="Consolas"/>
+              </a:rPr>
+              <a:t>            return Response(DistributionSerializer(dist).data, status=201)</a:t>
+            </a:r>
+            <a:br/>
+            <a:r>
+              <a:rPr sz="1000">
+                <a:latin typeface="Consolas"/>
+              </a:rPr>
+              <a:t>        except Exception as e:</a:t>
+            </a:r>
+            <a:br/>
+            <a:r>
+              <a:rPr sz="1000">
+                <a:latin typeface="Consolas"/>
+              </a:rPr>
+              <a:t>            return Response({"detail": str(e)}, status=400)</a:t>
+            </a:r>
+            <a:br/>
+            <a:r>
+              <a:rPr sz="1000">
+                <a:latin typeface="Consolas"/>
+              </a:rPr>
+              <a:t>    </a:t>
+            </a:r>
+            <a:br/>
+            <a:r>
+              <a:rPr sz="1000">
+                <a:latin typeface="Consolas"/>
+              </a:rPr>
+              <a:t>    @action(detail=True, methods=['post'], url_path='confirm')</a:t>
+            </a:r>
+            <a:br/>
+            <a:r>
+              <a:rPr sz="1000">
+                <a:latin typeface="Consolas"/>
+              </a:rPr>
+              <a:t>    def confirm(self, request, pk=None):</a:t>
+            </a:r>
+            <a:br/>
+            <a:r>
+              <a:rPr sz="1000">
+                <a:latin typeface="Consolas"/>
+              </a:rPr>
+              <a:t>        try:</a:t>
+            </a:r>
+            <a:br/>
+            <a:r>
+              <a:rPr sz="1000">
+                <a:latin typeface="Consolas"/>
+              </a:rPr>
+              <a:t>            dist = confirm_distribution(pk, request.user)</a:t>
+            </a:r>
+            <a:br/>
+            <a:r>
+              <a:rPr sz="1000">
+                <a:latin typeface="Consolas"/>
+              </a:rPr>
+              <a:t>            return Response(DistributionSerializer(dist).data)</a:t>
+            </a:r>
+            <a:br/>
+            <a:r>
+              <a:rPr sz="1000">
+                <a:latin typeface="Consolas"/>
+              </a:rPr>
+              <a:t>        except ValueError as ve:</a:t>
+            </a:r>
+            <a:br/>
+            <a:r>
+              <a:rPr sz="1000">
+                <a:latin typeface="Consolas"/>
+              </a:rPr>
+              <a:t>            return Response({"detail": str(ve)}, status=409)</a:t>
+            </a:r>
+            <a:br/>
+            <a:r>
+              <a:rPr sz="1000">
+                <a:latin typeface="Consolas"/>
+              </a:rPr>
+              <a:t>        except Exception as e:</a:t>
+            </a:r>
+            <a:br/>
+            <a:r>
+              <a:rPr sz="1000">
+                <a:latin typeface="Consolas"/>
+              </a:rPr>
+              <a:t>            return Response({"detail": str(e)}, status=400)</a:t>
+            </a:r>
+          </a:p>
+        </p:txBody>
+      </p:sp>
+    </p:spTree>
+  </p:cSld>
+  <p:clrMapOvr>
+    <a:masterClrMapping/>
+  </p:clrMapOvr>
+</p:sld>
+</file>
+
+<file path=ppt/slides/slide27.xml><?xml version="1.0" encoding="utf-8"?>
+<p:sld xmlns:a="http://schemas.openxmlformats.org/drawingml/2006/main" xmlns:r="http://schemas.openxmlformats.org/officeDocument/2006/relationships" xmlns:p="http://schemas.openxmlformats.org/presentationml/2006/main">
+  <p:cSld>
+    <p:spTree>
+      <p:nvGrpSpPr>
+        <p:cNvPr id="1" name=""/>
+        <p:cNvGrpSpPr/>
+        <p:nvPr/>
+      </p:nvGrpSpPr>
+      <p:grpSpPr>
+        <a:xfrm>
+          <a:off x="0" y="0"/>
+          <a:ext cx="0" cy="0"/>
+          <a:chOff x="0" y="0"/>
+          <a:chExt cx="0" cy="0"/>
+        </a:xfrm>
+      </p:grpSpPr>
+      <p:sp>
+        <p:nvSpPr>
+          <p:cNvPr id="2" name="Title 1"/>
+          <p:cNvSpPr>
+            <a:spLocks noGrp="1"/>
+          </p:cNvSpPr>
+          <p:nvPr>
+            <p:ph type="title"/>
+          </p:nvPr>
+        </p:nvSpPr>
+        <p:spPr/>
+        <p:txBody>
+          <a:bodyPr/>
+          <a:lstStyle/>
+          <a:p>
+            <a:r>
+              <a:t>inventory/views.py</a:t>
+            </a:r>
+          </a:p>
+        </p:txBody>
+      </p:sp>
+      <p:sp>
+        <p:nvSpPr>
+          <p:cNvPr id="3" name="Content Placeholder 2"/>
+          <p:cNvSpPr>
+            <a:spLocks noGrp="1"/>
+          </p:cNvSpPr>
+          <p:nvPr>
+            <p:ph idx="1"/>
+          </p:nvPr>
+        </p:nvSpPr>
+        <p:spPr/>
+        <p:txBody>
+          <a:bodyPr/>
+          <a:lstStyle/>
+          <a:p>
+            <a:endParaRPr/>
+          </a:p>
+          <a:p>
+            <a:r>
+              <a:rPr sz="1000">
+                <a:latin typeface="Consolas"/>
+              </a:rPr>
+              <a:t>class InventoryViewSet(viewsets.GenericViewSet):</a:t>
+            </a:r>
+            <a:br/>
+            <a:r>
+              <a:rPr sz="1000">
+                <a:latin typeface="Consolas"/>
+              </a:rPr>
+              <a:t>    @action(detail=False, methods=['post'], url_path='update')</a:t>
+            </a:r>
+            <a:br/>
+            <a:r>
+              <a:rPr sz="1000">
+                <a:latin typeface="Consolas"/>
+              </a:rPr>
+              <a:t>    def adjust(self, request):</a:t>
+            </a:r>
+            <a:br/>
+            <a:r>
+              <a:rPr sz="1000">
+                <a:latin typeface="Consolas"/>
+              </a:rPr>
+              <a:t>        try:</a:t>
+            </a:r>
+            <a:br/>
+            <a:r>
+              <a:rPr sz="1000">
+                <a:latin typeface="Consolas"/>
+              </a:rPr>
+              <a:t>            inv = update_inventory(...)</a:t>
+            </a:r>
+            <a:br/>
+            <a:r>
+              <a:rPr sz="1000">
+                <a:latin typeface="Consolas"/>
+              </a:rPr>
+              <a:t>            return Response(CustomerSiteInventorySerializer(inv).data)</a:t>
+            </a:r>
+            <a:br/>
+            <a:r>
+              <a:rPr sz="1000">
+                <a:latin typeface="Consolas"/>
+              </a:rPr>
+              <a:t>        except Exception as e:</a:t>
+            </a:r>
+            <a:br/>
+            <a:r>
+              <a:rPr sz="1000">
+                <a:latin typeface="Consolas"/>
+              </a:rPr>
+              <a:t>            return Response({"detail": str(e)}, status=400)</a:t>
+            </a:r>
+          </a:p>
+        </p:txBody>
+      </p:sp>
+    </p:spTree>
+  </p:cSld>
+  <p:clrMapOvr>
+    <a:masterClrMapping/>
+  </p:clrMapOvr>
+</p:sld>
+</file>
+
+<file path=ppt/slides/slide28.xml><?xml version="1.0" encoding="utf-8"?>
+<p:sld xmlns:a="http://schemas.openxmlformats.org/drawingml/2006/main" xmlns:r="http://schemas.openxmlformats.org/officeDocument/2006/relationships" xmlns:p="http://schemas.openxmlformats.org/presentationml/2006/main">
+  <p:cSld>
+    <p:spTree>
+      <p:nvGrpSpPr>
+        <p:cNvPr id="1" name=""/>
+        <p:cNvGrpSpPr/>
+        <p:nvPr/>
+      </p:nvGrpSpPr>
+      <p:grpSpPr>
+        <a:xfrm>
+          <a:off x="0" y="0"/>
+          <a:ext cx="0" cy="0"/>
+          <a:chOff x="0" y="0"/>
+          <a:chExt cx="0" cy="0"/>
+        </a:xfrm>
+      </p:grpSpPr>
+      <p:sp>
+        <p:nvSpPr>
+          <p:cNvPr id="2" name="Title 1"/>
+          <p:cNvSpPr>
+            <a:spLocks noGrp="1"/>
+          </p:cNvSpPr>
+          <p:nvPr>
+            <p:ph type="title"/>
+          </p:nvPr>
+        </p:nvSpPr>
+        <p:spPr/>
+        <p:txBody>
+          <a:bodyPr/>
+          <a:lstStyle/>
+          <a:p>
+            <a:r>
+              <a:t>Router Setup (urls.py)</a:t>
+            </a:r>
+          </a:p>
+        </p:txBody>
+      </p:sp>
+      <p:sp>
+        <p:nvSpPr>
+          <p:cNvPr id="3" name="Content Placeholder 2"/>
+          <p:cNvSpPr>
+            <a:spLocks noGrp="1"/>
+          </p:cNvSpPr>
+          <p:nvPr>
+            <p:ph idx="1"/>
+          </p:nvPr>
+        </p:nvSpPr>
+        <p:spPr/>
+        <p:txBody>
+          <a:bodyPr/>
+          <a:lstStyle/>
+          <a:p>
+            <a:endParaRPr/>
+          </a:p>
+          <a:p>
+            <a:r>
+              <a:rPr sz="1000">
+                <a:latin typeface="Consolas"/>
+              </a:rPr>
+              <a:t>router = DefaultRouter()</a:t>
+            </a:r>
+            <a:br/>
+            <a:r>
+              <a:rPr sz="1000">
+                <a:latin typeface="Consolas"/>
+              </a:rPr>
+              <a:t>router.register(r'distributions', DistributionViewSet)</a:t>
+            </a:r>
+            <a:br/>
+            <a:r>
+              <a:rPr sz="1000">
+                <a:latin typeface="Consolas"/>
+              </a:rPr>
+              <a:t>router.register(r'inventories', InventoryViewSet)</a:t>
+            </a:r>
+            <a:br/>
+            <a:r>
+              <a:rPr sz="1000">
+                <a:latin typeface="Consolas"/>
+              </a:rPr>
+              <a:t># ...</a:t>
+            </a:r>
+            <a:br/>
+            <a:br/>
+            <a:r>
+              <a:rPr sz="1000">
+                <a:latin typeface="Consolas"/>
+              </a:rPr>
+              <a:t>urlpatterns = [path('api/', include(router.urls))]</a:t>
+            </a:r>
+          </a:p>
+        </p:txBody>
+      </p:sp>
+    </p:spTree>
+  </p:cSld>
+  <p:clrMapOvr>
+    <a:masterClrMapping/>
+  </p:clrMapOvr>
+</p:sld>
+</file>
+
+<file path=ppt/slides/slide29.xml><?xml version="1.0" encoding="utf-8"?>
+<p:sld xmlns:a="http://schemas.openxmlformats.org/drawingml/2006/main" xmlns:r="http://schemas.openxmlformats.org/officeDocument/2006/relationships" xmlns:p="http://schemas.openxmlformats.org/presentationml/2006/main">
+  <p:cSld>
+    <p:spTree>
+      <p:nvGrpSpPr>
+        <p:cNvPr id="1" name=""/>
+        <p:cNvGrpSpPr/>
+        <p:nvPr/>
+      </p:nvGrpSpPr>
+      <p:grpSpPr>
+        <a:xfrm>
+          <a:off x="0" y="0"/>
+          <a:ext cx="0" cy="0"/>
+          <a:chOff x="0" y="0"/>
+          <a:chExt cx="0" cy="0"/>
+        </a:xfrm>
+      </p:grpSpPr>
+      <p:sp>
+        <p:nvSpPr>
+          <p:cNvPr id="2" name="Title 1"/>
+          <p:cNvSpPr>
+            <a:spLocks noGrp="1"/>
+          </p:cNvSpPr>
+          <p:nvPr>
+            <p:ph type="title"/>
+          </p:nvPr>
+        </p:nvSpPr>
+        <p:spPr/>
+        <p:txBody>
+          <a:bodyPr/>
+          <a:lstStyle/>
+          <a:p>
+            <a:r>
+              <a:t>Middleware – Logging</a:t>
+            </a:r>
+          </a:p>
+        </p:txBody>
+      </p:sp>
+      <p:sp>
+        <p:nvSpPr>
+          <p:cNvPr id="3" name="Content Placeholder 2"/>
+          <p:cNvSpPr>
+            <a:spLocks noGrp="1"/>
+          </p:cNvSpPr>
+          <p:nvPr>
+            <p:ph idx="1"/>
+          </p:nvPr>
+        </p:nvSpPr>
+        <p:spPr/>
+        <p:txBody>
+          <a:bodyPr/>
+          <a:lstStyle/>
+          <a:p>
+            <a:endParaRPr/>
+          </a:p>
+          <a:p>
+            <a:r>
+              <a:rPr sz="1000">
+                <a:latin typeface="Consolas"/>
+              </a:rPr>
+              <a:t>class APILoggingMiddleware:</a:t>
+            </a:r>
+            <a:br/>
+            <a:r>
+              <a:rPr sz="1000">
+                <a:latin typeface="Consolas"/>
+              </a:rPr>
+              <a:t>    def __call__(self, request):</a:t>
+            </a:r>
+            <a:br/>
+            <a:r>
+              <a:rPr sz="1000">
+                <a:latin typeface="Consolas"/>
+              </a:rPr>
+              <a:t>        # ... measure duration, log method/path/user/duration/IP ...</a:t>
+            </a:r>
+          </a:p>
+        </p:txBody>
+      </p:sp>
+    </p:spTree>
+  </p:cSld>
+  <p:clrMapOvr>
+    <a:masterClrMapping/>
+  </p:clrMapOvr>
+</p:sld>
+</file>
+
 <file path=ppt/slides/slide3.xml><?xml version="1.0" encoding="utf-8"?>
 <p:sld xmlns:a="http://schemas.openxmlformats.org/drawingml/2006/main" xmlns:r="http://schemas.openxmlformats.org/officeDocument/2006/relationships" xmlns:p="http://schemas.openxmlformats.org/presentationml/2006/main">
   <p:cSld>
@@ -4508,11 +9631,113 @@
         </p:nvSpPr>
         <p:spPr/>
         <p:txBody>
+          <a:bodyPr>
+            <a:normAutofit fontScale="90000"/>
+          </a:bodyPr>
+          <a:lstStyle/>
+          <a:p>
+            <a:r>
+              <a:t>Core Philosophy – Triangle of Constraints</a:t>
+            </a:r>
+          </a:p>
+        </p:txBody>
+      </p:sp>
+      <p:sp>
+        <p:nvSpPr>
+          <p:cNvPr id="3" name="Content Placeholder 2"/>
+          <p:cNvSpPr>
+            <a:spLocks noGrp="1"/>
+          </p:cNvSpPr>
+          <p:nvPr>
+            <p:ph idx="1"/>
+          </p:nvPr>
+        </p:nvSpPr>
+        <p:spPr/>
+        <p:txBody>
+          <a:bodyPr>
+            <a:normAutofit/>
+          </a:bodyPr>
+          <a:lstStyle/>
+          <a:p>
+            <a:endParaRPr sz="2800" dirty="0"/>
+          </a:p>
+          <a:p>
+            <a:r>
+              <a:rPr sz="2800" dirty="0"/>
+              <a:t>Field-First Operation → offline queue + </a:t>
+            </a:r>
+            <a:r>
+              <a:rPr sz="2800" dirty="0" err="1"/>
+              <a:t>client_temp_id</a:t>
+            </a:r>
+            <a:r>
+              <a:rPr sz="2800" dirty="0"/>
+              <a:t> sync</a:t>
+            </a:r>
+            <a:endParaRPr lang="en-SG" sz="2800" dirty="0"/>
+          </a:p>
+          <a:p>
+            <a:endParaRPr sz="2800" dirty="0"/>
+          </a:p>
+          <a:p>
+            <a:r>
+              <a:rPr sz="2800" dirty="0"/>
+              <a:t>Transactional Integrity → @transaction.atomic + row locks</a:t>
+            </a:r>
+          </a:p>
+          <a:p>
+            <a:endParaRPr lang="en-SG" sz="2800" dirty="0"/>
+          </a:p>
+          <a:p>
+            <a:r>
+              <a:rPr sz="2800" dirty="0"/>
+              <a:t>Zero-Trust Traceability → immutable audit log on every change</a:t>
+            </a:r>
+          </a:p>
+        </p:txBody>
+      </p:sp>
+    </p:spTree>
+  </p:cSld>
+  <p:clrMapOvr>
+    <a:masterClrMapping/>
+  </p:clrMapOvr>
+</p:sld>
+</file>
+
+<file path=ppt/slides/slide30.xml><?xml version="1.0" encoding="utf-8"?>
+<p:sld xmlns:a="http://schemas.openxmlformats.org/drawingml/2006/main" xmlns:r="http://schemas.openxmlformats.org/officeDocument/2006/relationships" xmlns:p="http://schemas.openxmlformats.org/presentationml/2006/main">
+  <p:cSld>
+    <p:spTree>
+      <p:nvGrpSpPr>
+        <p:cNvPr id="1" name=""/>
+        <p:cNvGrpSpPr/>
+        <p:nvPr/>
+      </p:nvGrpSpPr>
+      <p:grpSpPr>
+        <a:xfrm>
+          <a:off x="0" y="0"/>
+          <a:ext cx="0" cy="0"/>
+          <a:chOff x="0" y="0"/>
+          <a:chExt cx="0" cy="0"/>
+        </a:xfrm>
+      </p:grpSpPr>
+      <p:sp>
+        <p:nvSpPr>
+          <p:cNvPr id="2" name="Title 1"/>
+          <p:cNvSpPr>
+            <a:spLocks noGrp="1"/>
+          </p:cNvSpPr>
+          <p:nvPr>
+            <p:ph type="title"/>
+          </p:nvPr>
+        </p:nvSpPr>
+        <p:spPr/>
+        <p:txBody>
           <a:bodyPr/>
           <a:lstStyle/>
           <a:p>
             <a:r>
-              <a:t>Core Philosophy – Triangle of Constraints</a:t>
+              <a:t>Key Takeaways – 2-Month Sprint</a:t>
             </a:r>
           </a:p>
         </p:txBody>
@@ -4536,17 +9761,104 @@
           </a:p>
           <a:p>
             <a:r>
-              <a:t>Field-First Operation → offline queue + client_temp_id sync</a:t>
-            </a:r>
-          </a:p>
-          <a:p>
-            <a:r>
-              <a:t>Transactional Integrity → @transaction.atomic + row locks</a:t>
-            </a:r>
-          </a:p>
-          <a:p>
-            <a:r>
-              <a:t>Zero-Trust Traceability → immutable audit log on every change</a:t>
+              <a:t>Prioritize: Distribution → Inventory → basic Transaction</a:t>
+            </a:r>
+          </a:p>
+          <a:p>
+            <a:r>
+              <a:t>Defer: PDF generation, email, QuickBooks</a:t>
+            </a:r>
+          </a:p>
+          <a:p>
+            <a:r>
+              <a:t>Atomic + audit on every critical path</a:t>
+            </a:r>
+          </a:p>
+          <a:p>
+            <a:r>
+              <a:t>Test: concurrent confirms, offline sync replay</a:t>
+            </a:r>
+          </a:p>
+          <a:p>
+            <a:r>
+              <a:t>Thin views → thick services</a:t>
+            </a:r>
+          </a:p>
+        </p:txBody>
+      </p:sp>
+    </p:spTree>
+  </p:cSld>
+  <p:clrMapOvr>
+    <a:masterClrMapping/>
+  </p:clrMapOvr>
+</p:sld>
+</file>
+
+<file path=ppt/slides/slide31.xml><?xml version="1.0" encoding="utf-8"?>
+<p:sld xmlns:a="http://schemas.openxmlformats.org/drawingml/2006/main" xmlns:r="http://schemas.openxmlformats.org/officeDocument/2006/relationships" xmlns:p="http://schemas.openxmlformats.org/presentationml/2006/main">
+  <p:cSld>
+    <p:spTree>
+      <p:nvGrpSpPr>
+        <p:cNvPr id="1" name=""/>
+        <p:cNvGrpSpPr/>
+        <p:nvPr/>
+      </p:nvGrpSpPr>
+      <p:grpSpPr>
+        <a:xfrm>
+          <a:off x="0" y="0"/>
+          <a:ext cx="0" cy="0"/>
+          <a:chOff x="0" y="0"/>
+          <a:chExt cx="0" cy="0"/>
+        </a:xfrm>
+      </p:grpSpPr>
+      <p:sp>
+        <p:nvSpPr>
+          <p:cNvPr id="2" name="Title 1"/>
+          <p:cNvSpPr>
+            <a:spLocks noGrp="1"/>
+          </p:cNvSpPr>
+          <p:nvPr>
+            <p:ph type="ctrTitle"/>
+          </p:nvPr>
+        </p:nvSpPr>
+        <p:spPr/>
+        <p:txBody>
+          <a:bodyPr/>
+          <a:lstStyle/>
+          <a:p>
+            <a:r>
+              <a:t>Thank You</a:t>
+            </a:r>
+          </a:p>
+        </p:txBody>
+      </p:sp>
+      <p:sp>
+        <p:nvSpPr>
+          <p:cNvPr id="3" name="Subtitle 2"/>
+          <p:cNvSpPr>
+            <a:spLocks noGrp="1"/>
+          </p:cNvSpPr>
+          <p:nvPr>
+            <p:ph type="subTitle" idx="1"/>
+          </p:nvPr>
+        </p:nvSpPr>
+        <p:spPr/>
+        <p:txBody>
+          <a:bodyPr>
+            <a:normAutofit fontScale="92500" lnSpcReduction="20000"/>
+          </a:bodyPr>
+          <a:lstStyle/>
+          <a:p>
+            <a:r>
+              <a:t>Questions?</a:t>
+            </a:r>
+          </a:p>
+          <a:p>
+            <a:endParaRPr/>
+          </a:p>
+          <a:p>
+            <a:r>
+              <a:t>Sean | Hock Soon Heng LPG Pte Ltd | Singapore | Jan 2026</a:t>
             </a:r>
           </a:p>
         </p:txBody>
@@ -4607,12 +9919,7 @@
             <p:ph idx="1"/>
           </p:nvPr>
         </p:nvSpPr>
-        <p:spPr>
-          <a:xfrm>
-            <a:off x="206829" y="1524000"/>
-            <a:ext cx="8708571" cy="4876799"/>
-          </a:xfrm>
-        </p:spPr>
+        <p:spPr/>
         <p:style>
           <a:lnRef idx="2">
             <a:schemeClr val="dk1"/>
@@ -4629,117 +9936,146 @@
         </p:style>
         <p:txBody>
           <a:bodyPr>
-            <a:normAutofit/>
+            <a:normAutofit lnSpcReduction="10000"/>
           </a:bodyPr>
           <a:lstStyle/>
           <a:p>
-            <a:pPr marL="0" indent="0" algn="l">
+            <a:pPr marL="0" indent="0">
               <a:buNone/>
-              <a:defRPr sz="1000">
-                <a:latin typeface="Consolas"/>
-              </a:defRPr>
             </a:pPr>
             <a:r>
-              <a:rPr sz="2000" dirty="0" err="1"/>
+              <a:rPr sz="2000" dirty="0" err="1">
+                <a:latin typeface="Consolas"/>
+              </a:rPr>
               <a:t>hsh_lpg_system</a:t>
             </a:r>
             <a:r>
-              <a:rPr sz="2000" dirty="0"/>
+              <a:rPr sz="2000" dirty="0">
+                <a:latin typeface="Consolas"/>
+              </a:rPr>
               <a:t>/</a:t>
             </a:r>
             <a:br>
-              <a:rPr sz="2000" dirty="0"/>
-            </a:br>
-            <a:r>
-              <a:rPr sz="2000" dirty="0"/>
+              <a:rPr sz="6600" dirty="0"/>
+            </a:br>
+            <a:r>
+              <a:rPr sz="2000" dirty="0">
+                <a:latin typeface="Consolas"/>
+              </a:rPr>
               <a:t>├── core/                  # settings &amp; </a:t>
             </a:r>
             <a:r>
-              <a:rPr sz="2000" dirty="0" err="1"/>
+              <a:rPr sz="2000" dirty="0" err="1">
+                <a:latin typeface="Consolas"/>
+              </a:rPr>
               <a:t>urls</a:t>
             </a:r>
             <a:br>
-              <a:rPr sz="2000" dirty="0"/>
-            </a:br>
-            <a:r>
-              <a:rPr sz="2000" dirty="0"/>
+              <a:rPr sz="6600" dirty="0"/>
+            </a:br>
+            <a:r>
+              <a:rPr sz="2000" dirty="0">
+                <a:latin typeface="Consolas"/>
+              </a:rPr>
               <a:t>├── accounts/              # User + auth</a:t>
             </a:r>
             <a:br>
-              <a:rPr sz="2000" dirty="0"/>
-            </a:br>
-            <a:r>
-              <a:rPr sz="2000" dirty="0"/>
+              <a:rPr sz="6600" dirty="0"/>
+            </a:br>
+            <a:r>
+              <a:rPr sz="2000" dirty="0">
+                <a:latin typeface="Consolas"/>
+              </a:rPr>
               <a:t>├── depots/                # SINGGAS, UNION…</a:t>
             </a:r>
             <a:br>
-              <a:rPr sz="2000" dirty="0"/>
-            </a:br>
-            <a:r>
-              <a:rPr sz="2000" dirty="0"/>
+              <a:rPr sz="6600" dirty="0"/>
+            </a:br>
+            <a:r>
+              <a:rPr sz="2000" dirty="0">
+                <a:latin typeface="Consolas"/>
+              </a:rPr>
               <a:t>├── equipment/             # CYL 12.7 kg…</a:t>
             </a:r>
             <a:br>
-              <a:rPr sz="2000" dirty="0"/>
-            </a:br>
-            <a:r>
-              <a:rPr sz="2000" dirty="0"/>
+              <a:rPr sz="6600" dirty="0"/>
+            </a:br>
+            <a:r>
+              <a:rPr sz="2000" dirty="0">
+                <a:latin typeface="Consolas"/>
+              </a:rPr>
               <a:t>├── inventory/             # Depot &amp; Customer stock</a:t>
             </a:r>
             <a:br>
-              <a:rPr sz="2000" dirty="0"/>
-            </a:br>
-            <a:r>
-              <a:rPr sz="2000" dirty="0"/>
+              <a:rPr sz="6600" dirty="0"/>
+            </a:br>
+            <a:r>
+              <a:rPr sz="2000" dirty="0">
+                <a:latin typeface="Consolas"/>
+              </a:rPr>
               <a:t>├── distribution/          # Logistics (Depot ↔ Truck)</a:t>
             </a:r>
             <a:br>
-              <a:rPr sz="2000" dirty="0"/>
-            </a:br>
-            <a:r>
-              <a:rPr sz="2000" dirty="0"/>
+              <a:rPr sz="6600" dirty="0"/>
+            </a:br>
+            <a:r>
+              <a:rPr sz="2000" dirty="0">
+                <a:latin typeface="Consolas"/>
+              </a:rPr>
               <a:t>├── customers/             # Customer master + rates</a:t>
             </a:r>
             <a:br>
-              <a:rPr sz="2000" dirty="0"/>
-            </a:br>
-            <a:r>
-              <a:rPr sz="2000" dirty="0"/>
+              <a:rPr sz="6600" dirty="0"/>
+            </a:br>
+            <a:r>
+              <a:rPr sz="2000" dirty="0">
+                <a:latin typeface="Consolas"/>
+              </a:rPr>
               <a:t>├── transactions/          # Sales &amp; billing</a:t>
             </a:r>
             <a:br>
-              <a:rPr sz="2000" dirty="0"/>
-            </a:br>
-            <a:r>
-              <a:rPr sz="2000" dirty="0"/>
+              <a:rPr sz="6600" dirty="0"/>
+            </a:br>
+            <a:r>
+              <a:rPr sz="2000" dirty="0">
+                <a:latin typeface="Consolas"/>
+              </a:rPr>
               <a:t>├── invoices/              # Invoice records (PDF Phase 2)</a:t>
             </a:r>
             <a:br>
-              <a:rPr sz="2000" dirty="0"/>
-            </a:br>
-            <a:r>
-              <a:rPr sz="2000" dirty="0"/>
+              <a:rPr sz="6600" dirty="0"/>
+            </a:br>
+            <a:r>
+              <a:rPr sz="2000" dirty="0">
+                <a:latin typeface="Consolas"/>
+              </a:rPr>
               <a:t>├── audit/                 # Immutable logs</a:t>
             </a:r>
             <a:br>
-              <a:rPr sz="2000" dirty="0"/>
-            </a:br>
-            <a:r>
-              <a:rPr sz="2000" dirty="0"/>
+              <a:rPr sz="6600" dirty="0"/>
+            </a:br>
+            <a:r>
+              <a:rPr sz="2000" dirty="0">
+                <a:latin typeface="Consolas"/>
+              </a:rPr>
               <a:t>├── middleware/            # Request logging</a:t>
             </a:r>
             <a:br>
-              <a:rPr sz="2000" dirty="0"/>
-            </a:br>
-            <a:r>
-              <a:rPr sz="2000" dirty="0"/>
+              <a:rPr sz="6600" dirty="0"/>
+            </a:br>
+            <a:r>
+              <a:rPr sz="2000" dirty="0">
+                <a:latin typeface="Consolas"/>
+              </a:rPr>
               <a:t>├── utils/                 # Helpers</a:t>
             </a:r>
             <a:br>
-              <a:rPr sz="2000" dirty="0"/>
-            </a:br>
-            <a:r>
-              <a:rPr sz="2000" dirty="0"/>
+              <a:rPr sz="6600" dirty="0"/>
+            </a:br>
+            <a:r>
+              <a:rPr sz="2000" dirty="0">
+                <a:latin typeface="Consolas"/>
+              </a:rPr>
               <a:t>├── manage.py / requirements.txt / .env</a:t>
             </a:r>
           </a:p>
@@ -4933,15 +10269,10 @@
             <p:ph idx="1"/>
           </p:nvPr>
         </p:nvSpPr>
-        <p:spPr>
-          <a:xfrm>
-            <a:off x="457200" y="1600200"/>
-            <a:ext cx="8447314" cy="4525963"/>
-          </a:xfrm>
-        </p:spPr>
+        <p:spPr/>
         <p:txBody>
           <a:bodyPr>
-            <a:normAutofit/>
+            <a:normAutofit lnSpcReduction="10000"/>
           </a:bodyPr>
           <a:lstStyle/>
           <a:p>
@@ -5116,10 +10447,13 @@
         </p:nvSpPr>
         <p:spPr/>
         <p:txBody>
-          <a:bodyPr/>
+          <a:bodyPr>
+            <a:noAutofit/>
+          </a:bodyPr>
           <a:lstStyle/>
           <a:p>
             <a:r>
+              <a:rPr sz="4000" dirty="0"/>
               <a:t>Models – Logistics vs Sales Separation</a:t>
             </a:r>
           </a:p>
@@ -5191,10 +10525,13 @@
         </p:nvSpPr>
         <p:spPr/>
         <p:txBody>
-          <a:bodyPr/>
+          <a:bodyPr>
+            <a:noAutofit/>
+          </a:bodyPr>
           <a:lstStyle/>
           <a:p>
             <a:r>
+              <a:rPr sz="4000" dirty="0"/>
               <a:t>Key Model: User (Custom Auth Base)</a:t>
             </a:r>
           </a:p>
@@ -5234,117 +10571,242 @@
             <a:pPr marL="0" indent="0">
               <a:buNone/>
             </a:pPr>
-            <a:endParaRPr sz="6000" dirty="0"/>
-          </a:p>
-          <a:p>
-            <a:pPr marL="0" indent="0" algn="l">
+            <a:r>
+              <a:rPr sz="1800" dirty="0">
+                <a:latin typeface="Consolas"/>
+              </a:rPr>
+              <a:t>class User(</a:t>
+            </a:r>
+            <a:r>
+              <a:rPr sz="1800" dirty="0" err="1">
+                <a:latin typeface="Consolas"/>
+              </a:rPr>
+              <a:t>AbstractUser</a:t>
+            </a:r>
+            <a:r>
+              <a:rPr sz="1800" dirty="0">
+                <a:latin typeface="Consolas"/>
+              </a:rPr>
+              <a:t>):</a:t>
+            </a:r>
+            <a:br>
+              <a:rPr sz="6000" dirty="0"/>
+            </a:br>
+            <a:r>
+              <a:rPr sz="1800" dirty="0">
+                <a:latin typeface="Consolas"/>
+              </a:rPr>
+              <a:t>    ROLE_CHOICES = (</a:t>
+            </a:r>
+            <a:endParaRPr lang="en-SG" sz="1800" dirty="0">
+              <a:latin typeface="Consolas"/>
+            </a:endParaRPr>
+          </a:p>
+          <a:p>
+            <a:pPr marL="0" indent="0">
               <a:buNone/>
-              <a:defRPr sz="1000">
-                <a:latin typeface="Consolas"/>
-              </a:defRPr>
             </a:pPr>
             <a:r>
-              <a:rPr sz="1800" dirty="0"/>
-              <a:t>class User(</a:t>
-            </a:r>
-            <a:r>
-              <a:rPr sz="1800" dirty="0" err="1"/>
-              <a:t>AbstractUser</a:t>
-            </a:r>
-            <a:r>
-              <a:rPr sz="1800" dirty="0"/>
-              <a:t>):</a:t>
-            </a:r>
-            <a:br>
-              <a:rPr sz="1800" dirty="0"/>
-            </a:br>
-            <a:r>
-              <a:rPr sz="1800" dirty="0"/>
-              <a:t>    ROLE_CHOICES = (('ADMIN', 'Admin'), ('DRIVER', 'Driver'), ('SUPERVISOR', 'Supervisor'))</a:t>
-            </a:r>
-            <a:br>
-              <a:rPr sz="1800" dirty="0"/>
-            </a:br>
-            <a:r>
-              <a:rPr sz="1800" dirty="0"/>
+              <a:rPr lang="en-SG" sz="1800" dirty="0">
+                <a:latin typeface="Consolas"/>
+              </a:rPr>
+              <a:t>		</a:t>
+            </a:r>
+            <a:r>
+              <a:rPr sz="1800" dirty="0">
+                <a:latin typeface="Consolas"/>
+              </a:rPr>
+              <a:t>('ADMIN', 'Admin'), </a:t>
+            </a:r>
+            <a:endParaRPr lang="en-SG" sz="1800" dirty="0">
+              <a:latin typeface="Consolas"/>
+            </a:endParaRPr>
+          </a:p>
+          <a:p>
+            <a:pPr marL="0" indent="0">
+              <a:buNone/>
+            </a:pPr>
+            <a:r>
+              <a:rPr lang="en-SG" sz="1800" dirty="0">
+                <a:latin typeface="Consolas"/>
+              </a:rPr>
+              <a:t>		</a:t>
+            </a:r>
+            <a:r>
+              <a:rPr sz="1800" dirty="0">
+                <a:latin typeface="Consolas"/>
+              </a:rPr>
+              <a:t>('DRIVER', 'Driver'), </a:t>
+            </a:r>
+            <a:endParaRPr lang="en-SG" sz="1800" dirty="0">
+              <a:latin typeface="Consolas"/>
+            </a:endParaRPr>
+          </a:p>
+          <a:p>
+            <a:pPr marL="0" indent="0">
+              <a:buNone/>
+            </a:pPr>
+            <a:r>
+              <a:rPr lang="en-SG" sz="1800" dirty="0">
+                <a:latin typeface="Consolas"/>
+              </a:rPr>
+              <a:t>		</a:t>
+            </a:r>
+            <a:r>
+              <a:rPr sz="1800" dirty="0">
+                <a:latin typeface="Consolas"/>
+              </a:rPr>
+              <a:t>('SUPERVISOR', 'Supervisor’)</a:t>
+            </a:r>
+            <a:endParaRPr lang="en-SG" sz="1800" dirty="0">
+              <a:latin typeface="Consolas"/>
+            </a:endParaRPr>
+          </a:p>
+          <a:p>
+            <a:pPr marL="0" indent="0">
+              <a:buNone/>
+            </a:pPr>
+            <a:r>
+              <a:rPr lang="en-SG" sz="1800" dirty="0">
+                <a:latin typeface="Consolas"/>
+              </a:rPr>
+              <a:t>	</a:t>
+            </a:r>
+            <a:r>
+              <a:rPr sz="1800" dirty="0">
+                <a:latin typeface="Consolas"/>
+              </a:rPr>
+              <a:t>)</a:t>
+            </a:r>
+            <a:endParaRPr lang="en-SG" sz="1800" dirty="0">
+              <a:latin typeface="Consolas"/>
+            </a:endParaRPr>
+          </a:p>
+          <a:p>
+            <a:pPr marL="0" indent="0">
+              <a:buNone/>
+            </a:pPr>
+            <a:br>
+              <a:rPr sz="6000" dirty="0"/>
+            </a:br>
+            <a:r>
+              <a:rPr sz="1800" dirty="0">
+                <a:latin typeface="Consolas"/>
+              </a:rPr>
               <a:t>    </a:t>
             </a:r>
             <a:r>
-              <a:rPr sz="1800" dirty="0" err="1"/>
+              <a:rPr sz="1800" dirty="0" err="1">
+                <a:latin typeface="Consolas"/>
+              </a:rPr>
               <a:t>employee_id</a:t>
             </a:r>
             <a:r>
-              <a:rPr sz="1800" dirty="0"/>
+              <a:rPr sz="1800" dirty="0">
+                <a:latin typeface="Consolas"/>
+              </a:rPr>
               <a:t> = </a:t>
             </a:r>
             <a:r>
-              <a:rPr sz="1800" dirty="0" err="1"/>
+              <a:rPr sz="1800" dirty="0" err="1">
+                <a:latin typeface="Consolas"/>
+              </a:rPr>
               <a:t>models.CharField</a:t>
             </a:r>
             <a:r>
-              <a:rPr sz="1800" dirty="0"/>
+              <a:rPr sz="1800" dirty="0">
+                <a:latin typeface="Consolas"/>
+              </a:rPr>
               <a:t>(</a:t>
             </a:r>
             <a:r>
-              <a:rPr sz="1800" dirty="0" err="1"/>
+              <a:rPr sz="1800" dirty="0" err="1">
+                <a:latin typeface="Consolas"/>
+              </a:rPr>
               <a:t>max_length</a:t>
             </a:r>
             <a:r>
-              <a:rPr sz="1800" dirty="0"/>
+              <a:rPr sz="1800" dirty="0">
+                <a:latin typeface="Consolas"/>
+              </a:rPr>
               <a:t>=50, unique=True)</a:t>
             </a:r>
             <a:br>
-              <a:rPr sz="1800" dirty="0"/>
-            </a:br>
-            <a:r>
-              <a:rPr sz="1800" dirty="0"/>
+              <a:rPr sz="6000" dirty="0"/>
+            </a:br>
+            <a:r>
+              <a:rPr sz="1800" dirty="0">
+                <a:latin typeface="Consolas"/>
+              </a:rPr>
               <a:t>    role = </a:t>
             </a:r>
             <a:r>
-              <a:rPr sz="1800" dirty="0" err="1"/>
+              <a:rPr sz="1800" dirty="0" err="1">
+                <a:latin typeface="Consolas"/>
+              </a:rPr>
               <a:t>models.CharField</a:t>
             </a:r>
             <a:r>
-              <a:rPr sz="1800" dirty="0"/>
+              <a:rPr sz="1800" dirty="0">
+                <a:latin typeface="Consolas"/>
+              </a:rPr>
               <a:t>(</a:t>
             </a:r>
             <a:r>
-              <a:rPr sz="1800" dirty="0" err="1"/>
+              <a:rPr sz="1800" dirty="0" err="1">
+                <a:latin typeface="Consolas"/>
+              </a:rPr>
               <a:t>max_length</a:t>
             </a:r>
             <a:r>
-              <a:rPr sz="1800" dirty="0"/>
+              <a:rPr sz="1800" dirty="0">
+                <a:latin typeface="Consolas"/>
+              </a:rPr>
               <a:t>=20, choices=ROLE_CHOICES)</a:t>
             </a:r>
             <a:br>
-              <a:rPr sz="1800" dirty="0"/>
-            </a:br>
-            <a:r>
-              <a:rPr sz="1800" dirty="0"/>
+              <a:rPr sz="6000" dirty="0"/>
+            </a:br>
+            <a:r>
+              <a:rPr sz="1800" dirty="0">
+                <a:latin typeface="Consolas"/>
+              </a:rPr>
               <a:t>    </a:t>
             </a:r>
             <a:r>
-              <a:rPr sz="1800" dirty="0" err="1"/>
+              <a:rPr sz="1800" dirty="0" err="1">
+                <a:latin typeface="Consolas"/>
+              </a:rPr>
               <a:t>vehicle_no</a:t>
             </a:r>
             <a:r>
-              <a:rPr sz="1800" dirty="0"/>
+              <a:rPr sz="1800" dirty="0">
+                <a:latin typeface="Consolas"/>
+              </a:rPr>
               <a:t> = </a:t>
             </a:r>
             <a:r>
-              <a:rPr sz="1800" dirty="0" err="1"/>
+              <a:rPr sz="1800" dirty="0" err="1">
+                <a:latin typeface="Consolas"/>
+              </a:rPr>
               <a:t>models.CharField</a:t>
             </a:r>
             <a:r>
-              <a:rPr sz="1800" dirty="0"/>
+              <a:rPr sz="1800" dirty="0">
+                <a:latin typeface="Consolas"/>
+              </a:rPr>
               <a:t>(</a:t>
             </a:r>
             <a:r>
-              <a:rPr sz="1800" dirty="0" err="1"/>
+              <a:rPr sz="1800" dirty="0" err="1">
+                <a:latin typeface="Consolas"/>
+              </a:rPr>
               <a:t>max_length</a:t>
             </a:r>
             <a:r>
-              <a:rPr sz="1800" dirty="0"/>
+              <a:rPr sz="1800" dirty="0">
+                <a:latin typeface="Consolas"/>
+              </a:rPr>
               <a:t>=20, blank=True)</a:t>
             </a:r>
           </a:p>
@@ -5676,299 +11138,4 @@
   </a:objectDefaults>
   <a:extraClrSchemeLst/>
 </a:theme>
-</file>
-
-<file path=ppt/theme/theme2.xml><?xml version="1.0" encoding="utf-8"?>
-<a:theme xmlns:a="http://schemas.openxmlformats.org/drawingml/2006/main" name="Office Theme">
-  <a:themeElements>
-    <a:clrScheme name="Office">
-      <a:dk1>
-        <a:sysClr val="windowText" lastClr="000000"/>
-      </a:dk1>
-      <a:lt1>
-        <a:sysClr val="window" lastClr="FFFFFF"/>
-      </a:lt1>
-      <a:dk2>
-        <a:srgbClr val="44546A"/>
-      </a:dk2>
-      <a:lt2>
-        <a:srgbClr val="E7E6E6"/>
-      </a:lt2>
-      <a:accent1>
-        <a:srgbClr val="4472C4"/>
-      </a:accent1>
-      <a:accent2>
-        <a:srgbClr val="ED7D31"/>
-      </a:accent2>
-      <a:accent3>
-        <a:srgbClr val="A5A5A5"/>
-      </a:accent3>
-      <a:accent4>
-        <a:srgbClr val="FFC000"/>
-      </a:accent4>
-      <a:accent5>
-        <a:srgbClr val="5B9BD5"/>
-      </a:accent5>
-      <a:accent6>
-        <a:srgbClr val="70AD47"/>
-      </a:accent6>
-      <a:hlink>
-        <a:srgbClr val="0563C1"/>
-      </a:hlink>
-      <a:folHlink>
-        <a:srgbClr val="954F72"/>
-      </a:folHlink>
-    </a:clrScheme>
-    <a:fontScheme name="Office">
-      <a:majorFont>
-        <a:latin typeface="Calibri Light" panose="020F0302020204030204"/>
-        <a:ea typeface=""/>
-        <a:cs typeface=""/>
-        <a:font script="Jpan" typeface="游ゴシック Light"/>
-        <a:font script="Hang" typeface="맑은 고딕"/>
-        <a:font script="Hans" typeface="等线 Light"/>
-        <a:font script="Hant" typeface="新細明體"/>
-        <a:font script="Arab" typeface="Times New Roman"/>
-        <a:font script="Hebr" typeface="Times New Roman"/>
-        <a:font script="Thai" typeface="Angsana New"/>
-        <a:font script="Ethi" typeface="Nyala"/>
-        <a:font script="Beng" typeface="Vrinda"/>
-        <a:font script="Gujr" typeface="Shruti"/>
-        <a:font script="Khmr" typeface="MoolBoran"/>
-        <a:font script="Knda" typeface="Tunga"/>
-        <a:font script="Guru" typeface="Raavi"/>
-        <a:font script="Cans" typeface="Euphemia"/>
-        <a:font script="Cher" typeface="Plantagenet Cherokee"/>
-        <a:font script="Yiii" typeface="Microsoft Yi Baiti"/>
-        <a:font script="Tibt" typeface="Microsoft Himalaya"/>
-        <a:font script="Thaa" typeface="MV Boli"/>
-        <a:font script="Deva" typeface="Mangal"/>
-        <a:font script="Telu" typeface="Gautami"/>
-        <a:font script="Taml" typeface="Latha"/>
-        <a:font script="Syrc" typeface="Estrangelo Edessa"/>
-        <a:font script="Orya" typeface="Kalinga"/>
-        <a:font script="Mlym" typeface="Kartika"/>
-        <a:font script="Laoo" typeface="DokChampa"/>
-        <a:font script="Sinh" typeface="Iskoola Pota"/>
-        <a:font script="Mong" typeface="Mongolian Baiti"/>
-        <a:font script="Viet" typeface="Times New Roman"/>
-        <a:font script="Uigh" typeface="Microsoft Uighur"/>
-        <a:font script="Geor" typeface="Sylfaen"/>
-        <a:font script="Armn" typeface="Arial"/>
-        <a:font script="Bugi" typeface="Leelawadee UI"/>
-        <a:font script="Bopo" typeface="Microsoft JhengHei"/>
-        <a:font script="Java" typeface="Javanese Text"/>
-        <a:font script="Lisu" typeface="Segoe UI"/>
-        <a:font script="Mymr" typeface="Myanmar Text"/>
-        <a:font script="Nkoo" typeface="Ebrima"/>
-        <a:font script="Olck" typeface="Nirmala UI"/>
-        <a:font script="Osma" typeface="Ebrima"/>
-        <a:font script="Phag" typeface="Phagspa"/>
-        <a:font script="Syrn" typeface="Estrangelo Edessa"/>
-        <a:font script="Syrj" typeface="Estrangelo Edessa"/>
-        <a:font script="Syre" typeface="Estrangelo Edessa"/>
-        <a:font script="Sora" typeface="Nirmala UI"/>
-        <a:font script="Tale" typeface="Microsoft Tai Le"/>
-        <a:font script="Talu" typeface="Microsoft New Tai Lue"/>
-        <a:font script="Tfng" typeface="Ebrima"/>
-      </a:majorFont>
-      <a:minorFont>
-        <a:latin typeface="Calibri" panose="020F0502020204030204"/>
-        <a:ea typeface=""/>
-        <a:cs typeface=""/>
-        <a:font script="Jpan" typeface="游ゴシック"/>
-        <a:font script="Hang" typeface="맑은 고딕"/>
-        <a:font script="Hans" typeface="等线"/>
-        <a:font script="Hant" typeface="新細明體"/>
-        <a:font script="Arab" typeface="Arial"/>
-        <a:font script="Hebr" typeface="Arial"/>
-        <a:font script="Thai" typeface="Cordia New"/>
-        <a:font script="Ethi" typeface="Nyala"/>
-        <a:font script="Beng" typeface="Vrinda"/>
-        <a:font script="Gujr" typeface="Shruti"/>
-        <a:font script="Khmr" typeface="DaunPenh"/>
-        <a:font script="Knda" typeface="Tunga"/>
-        <a:font script="Guru" typeface="Raavi"/>
-        <a:font script="Cans" typeface="Euphemia"/>
-        <a:font script="Cher" typeface="Plantagenet Cherokee"/>
-        <a:font script="Yiii" typeface="Microsoft Yi Baiti"/>
-        <a:font script="Tibt" typeface="Microsoft Himalaya"/>
-        <a:font script="Thaa" typeface="MV Boli"/>
-        <a:font script="Deva" typeface="Mangal"/>
-        <a:font script="Telu" typeface="Gautami"/>
-        <a:font script="Taml" typeface="Latha"/>
-        <a:font script="Syrc" typeface="Estrangelo Edessa"/>
-        <a:font script="Orya" typeface="Kalinga"/>
-        <a:font script="Mlym" typeface="Kartika"/>
-        <a:font script="Laoo" typeface="DokChampa"/>
-        <a:font script="Sinh" typeface="Iskoola Pota"/>
-        <a:font script="Mong" typeface="Mongolian Baiti"/>
-        <a:font script="Viet" typeface="Arial"/>
-        <a:font script="Uigh" typeface="Microsoft Uighur"/>
-        <a:font script="Geor" typeface="Sylfaen"/>
-        <a:font script="Armn" typeface="Arial"/>
-        <a:font script="Bugi" typeface="Leelawadee UI"/>
-        <a:font script="Bopo" typeface="Microsoft JhengHei"/>
-        <a:font script="Java" typeface="Javanese Text"/>
-        <a:font script="Lisu" typeface="Segoe UI"/>
-        <a:font script="Mymr" typeface="Myanmar Text"/>
-        <a:font script="Nkoo" typeface="Ebrima"/>
-        <a:font script="Olck" typeface="Nirmala UI"/>
-        <a:font script="Osma" typeface="Ebrima"/>
-        <a:font script="Phag" typeface="Phagspa"/>
-        <a:font script="Syrn" typeface="Estrangelo Edessa"/>
-        <a:font script="Syrj" typeface="Estrangelo Edessa"/>
-        <a:font script="Syre" typeface="Estrangelo Edessa"/>
-        <a:font script="Sora" typeface="Nirmala UI"/>
-        <a:font script="Tale" typeface="Microsoft Tai Le"/>
-        <a:font script="Talu" typeface="Microsoft New Tai Lue"/>
-        <a:font script="Tfng" typeface="Ebrima"/>
-      </a:minorFont>
-    </a:fontScheme>
-    <a:fmtScheme name="Office">
-      <a:fillStyleLst>
-        <a:solidFill>
-          <a:schemeClr val="phClr"/>
-        </a:solidFill>
-        <a:gradFill rotWithShape="1">
-          <a:gsLst>
-            <a:gs pos="0">
-              <a:schemeClr val="phClr">
-                <a:lumMod val="110000"/>
-                <a:satMod val="105000"/>
-                <a:tint val="67000"/>
-              </a:schemeClr>
-            </a:gs>
-            <a:gs pos="50000">
-              <a:schemeClr val="phClr">
-                <a:lumMod val="105000"/>
-                <a:satMod val="103000"/>
-                <a:tint val="73000"/>
-              </a:schemeClr>
-            </a:gs>
-            <a:gs pos="100000">
-              <a:schemeClr val="phClr">
-                <a:lumMod val="105000"/>
-                <a:satMod val="109000"/>
-                <a:tint val="81000"/>
-              </a:schemeClr>
-            </a:gs>
-          </a:gsLst>
-          <a:lin ang="5400000" scaled="0"/>
-        </a:gradFill>
-        <a:gradFill rotWithShape="1">
-          <a:gsLst>
-            <a:gs pos="0">
-              <a:schemeClr val="phClr">
-                <a:satMod val="103000"/>
-                <a:lumMod val="102000"/>
-                <a:tint val="94000"/>
-              </a:schemeClr>
-            </a:gs>
-            <a:gs pos="50000">
-              <a:schemeClr val="phClr">
-                <a:satMod val="110000"/>
-                <a:lumMod val="100000"/>
-                <a:shade val="100000"/>
-              </a:schemeClr>
-            </a:gs>
-            <a:gs pos="100000">
-              <a:schemeClr val="phClr">
-                <a:lumMod val="99000"/>
-                <a:satMod val="120000"/>
-                <a:shade val="78000"/>
-              </a:schemeClr>
-            </a:gs>
-          </a:gsLst>
-          <a:lin ang="5400000" scaled="0"/>
-        </a:gradFill>
-      </a:fillStyleLst>
-      <a:lnStyleLst>
-        <a:ln w="6350" cap="flat" cmpd="sng" algn="ctr">
-          <a:solidFill>
-            <a:schemeClr val="phClr"/>
-          </a:solidFill>
-          <a:prstDash val="solid"/>
-          <a:miter lim="800000"/>
-        </a:ln>
-        <a:ln w="12700" cap="flat" cmpd="sng" algn="ctr">
-          <a:solidFill>
-            <a:schemeClr val="phClr"/>
-          </a:solidFill>
-          <a:prstDash val="solid"/>
-          <a:miter lim="800000"/>
-        </a:ln>
-        <a:ln w="19050" cap="flat" cmpd="sng" algn="ctr">
-          <a:solidFill>
-            <a:schemeClr val="phClr"/>
-          </a:solidFill>
-          <a:prstDash val="solid"/>
-          <a:miter lim="800000"/>
-        </a:ln>
-      </a:lnStyleLst>
-      <a:effectStyleLst>
-        <a:effectStyle>
-          <a:effectLst/>
-        </a:effectStyle>
-        <a:effectStyle>
-          <a:effectLst/>
-        </a:effectStyle>
-        <a:effectStyle>
-          <a:effectLst>
-            <a:outerShdw blurRad="57150" dist="19050" dir="5400000" algn="ctr" rotWithShape="0">
-              <a:srgbClr val="000000">
-                <a:alpha val="63000"/>
-              </a:srgbClr>
-            </a:outerShdw>
-          </a:effectLst>
-        </a:effectStyle>
-      </a:effectStyleLst>
-      <a:bgFillStyleLst>
-        <a:solidFill>
-          <a:schemeClr val="phClr"/>
-        </a:solidFill>
-        <a:solidFill>
-          <a:schemeClr val="phClr">
-            <a:tint val="95000"/>
-            <a:satMod val="170000"/>
-          </a:schemeClr>
-        </a:solidFill>
-        <a:gradFill rotWithShape="1">
-          <a:gsLst>
-            <a:gs pos="0">
-              <a:schemeClr val="phClr">
-                <a:tint val="93000"/>
-                <a:satMod val="150000"/>
-                <a:shade val="98000"/>
-                <a:lumMod val="102000"/>
-              </a:schemeClr>
-            </a:gs>
-            <a:gs pos="50000">
-              <a:schemeClr val="phClr">
-                <a:tint val="98000"/>
-                <a:satMod val="130000"/>
-                <a:shade val="90000"/>
-                <a:lumMod val="103000"/>
-              </a:schemeClr>
-            </a:gs>
-            <a:gs pos="100000">
-              <a:schemeClr val="phClr">
-                <a:shade val="63000"/>
-                <a:satMod val="120000"/>
-              </a:schemeClr>
-            </a:gs>
-          </a:gsLst>
-          <a:lin ang="5400000" scaled="0"/>
-        </a:gradFill>
-      </a:bgFillStyleLst>
-    </a:fmtScheme>
-  </a:themeElements>
-  <a:objectDefaults/>
-  <a:extraClrSchemeLst/>
-  <a:extLst>
-    <a:ext uri="{05A4C25C-085E-4340-85A3-A5531E510DB2}">
-      <thm15:themeFamily xmlns:thm15="http://schemas.microsoft.com/office/thememl/2012/main" name="Office Theme" id="{62F939B6-93AF-4DB8-9C6B-D6C7DFDC589F}" vid="{4A3C46E8-61CC-4603-A589-7422A47A8E4A}"/>
-    </a:ext>
-  </a:extLst>
-</a:theme>
 </file>